--- a/kirill-kravtsov/The wonders of modern SQL administration/The wonders of modern SQL administration.pptx
+++ b/kirill-kravtsov/The wonders of modern SQL administration/The wonders of modern SQL administration.pptx
@@ -3,25 +3,27 @@
 <p:presentation xmlns:a="http://schemas.openxmlformats.org/drawingml/2006/main" xmlns:r="http://schemas.openxmlformats.org/officeDocument/2006/relationships" xmlns:p="http://schemas.openxmlformats.org/presentationml/2006/main" saveSubsetFonts="1">
   <p:sldMasterIdLst>
     <p:sldMasterId id="2147483660" r:id="rId1"/>
+    <p:sldMasterId id="2147483678" r:id="rId2"/>
   </p:sldMasterIdLst>
   <p:sldIdLst>
-    <p:sldId id="256" r:id="rId2"/>
-    <p:sldId id="257" r:id="rId3"/>
-    <p:sldId id="258" r:id="rId4"/>
-    <p:sldId id="271" r:id="rId5"/>
-    <p:sldId id="272" r:id="rId6"/>
-    <p:sldId id="262" r:id="rId7"/>
-    <p:sldId id="273" r:id="rId8"/>
-    <p:sldId id="259" r:id="rId9"/>
-    <p:sldId id="264" r:id="rId10"/>
-    <p:sldId id="260" r:id="rId11"/>
-    <p:sldId id="263" r:id="rId12"/>
-    <p:sldId id="265" r:id="rId13"/>
-    <p:sldId id="267" r:id="rId14"/>
-    <p:sldId id="266" r:id="rId15"/>
-    <p:sldId id="268" r:id="rId16"/>
-    <p:sldId id="269" r:id="rId17"/>
-    <p:sldId id="274" r:id="rId18"/>
+    <p:sldId id="276" r:id="rId3"/>
+    <p:sldId id="256" r:id="rId4"/>
+    <p:sldId id="257" r:id="rId5"/>
+    <p:sldId id="258" r:id="rId6"/>
+    <p:sldId id="271" r:id="rId7"/>
+    <p:sldId id="272" r:id="rId8"/>
+    <p:sldId id="262" r:id="rId9"/>
+    <p:sldId id="273" r:id="rId10"/>
+    <p:sldId id="259" r:id="rId11"/>
+    <p:sldId id="264" r:id="rId12"/>
+    <p:sldId id="260" r:id="rId13"/>
+    <p:sldId id="263" r:id="rId14"/>
+    <p:sldId id="265" r:id="rId15"/>
+    <p:sldId id="267" r:id="rId16"/>
+    <p:sldId id="266" r:id="rId17"/>
+    <p:sldId id="268" r:id="rId18"/>
+    <p:sldId id="269" r:id="rId19"/>
+    <p:sldId id="274" r:id="rId20"/>
   </p:sldIdLst>
   <p:sldSz cx="12192000" cy="6858000"/>
   <p:notesSz cx="6858000" cy="9144000"/>
@@ -125,6 +127,7 @@
       <p14:sectionLst xmlns:p14="http://schemas.microsoft.com/office/powerpoint/2010/main">
         <p14:section name="Default Section" id="{1C5E8990-0B5F-450A-9335-827E3BE4FD56}">
           <p14:sldIdLst>
+            <p14:sldId id="276"/>
             <p14:sldId id="256"/>
             <p14:sldId id="257"/>
             <p14:sldId id="258"/>
@@ -1352,6 +1355,13 @@
         </dgm:presLayoutVars>
       </dgm:prSet>
       <dgm:spPr/>
+      <dgm:t>
+        <a:bodyPr/>
+        <a:lstStyle/>
+        <a:p>
+          <a:endParaRPr lang="en-US"/>
+        </a:p>
+      </dgm:t>
     </dgm:pt>
     <dgm:pt modelId="{53554308-F56D-416C-8F82-313AF79C65D7}" type="pres">
       <dgm:prSet presAssocID="{F27833D0-2C56-44DC-9CAC-728ED45DBB40}" presName="root1" presStyleCnt="0"/>
@@ -1364,6 +1374,13 @@
         </dgm:presLayoutVars>
       </dgm:prSet>
       <dgm:spPr/>
+      <dgm:t>
+        <a:bodyPr/>
+        <a:lstStyle/>
+        <a:p>
+          <a:endParaRPr lang="en-US"/>
+        </a:p>
+      </dgm:t>
     </dgm:pt>
     <dgm:pt modelId="{1CBBA371-A794-48D5-A1F7-F12AB761C705}" type="pres">
       <dgm:prSet presAssocID="{F27833D0-2C56-44DC-9CAC-728ED45DBB40}" presName="level2hierChild" presStyleCnt="0"/>
@@ -1372,10 +1389,24 @@
     <dgm:pt modelId="{1EFB6372-CA30-40D1-AAA6-7BCF3A4B5A13}" type="pres">
       <dgm:prSet presAssocID="{74DFF232-5940-4630-B876-11975B40ED42}" presName="conn2-1" presStyleLbl="parChTrans1D2" presStyleIdx="0" presStyleCnt="4"/>
       <dgm:spPr/>
+      <dgm:t>
+        <a:bodyPr/>
+        <a:lstStyle/>
+        <a:p>
+          <a:endParaRPr lang="en-US"/>
+        </a:p>
+      </dgm:t>
     </dgm:pt>
     <dgm:pt modelId="{0FF0CBB2-78A1-4273-8A45-4047331F96A3}" type="pres">
       <dgm:prSet presAssocID="{74DFF232-5940-4630-B876-11975B40ED42}" presName="connTx" presStyleLbl="parChTrans1D2" presStyleIdx="0" presStyleCnt="4"/>
       <dgm:spPr/>
+      <dgm:t>
+        <a:bodyPr/>
+        <a:lstStyle/>
+        <a:p>
+          <a:endParaRPr lang="en-US"/>
+        </a:p>
+      </dgm:t>
     </dgm:pt>
     <dgm:pt modelId="{CFA62B8F-A104-417F-9656-AE644396C37C}" type="pres">
       <dgm:prSet presAssocID="{EF061461-2FD2-4270-8487-5236116DF14B}" presName="root2" presStyleCnt="0"/>
@@ -1388,6 +1419,13 @@
         </dgm:presLayoutVars>
       </dgm:prSet>
       <dgm:spPr/>
+      <dgm:t>
+        <a:bodyPr/>
+        <a:lstStyle/>
+        <a:p>
+          <a:endParaRPr lang="en-US"/>
+        </a:p>
+      </dgm:t>
     </dgm:pt>
     <dgm:pt modelId="{38410F0E-29F7-463D-A0AA-EEC615DEBBFD}" type="pres">
       <dgm:prSet presAssocID="{EF061461-2FD2-4270-8487-5236116DF14B}" presName="level3hierChild" presStyleCnt="0"/>
@@ -1396,10 +1434,24 @@
     <dgm:pt modelId="{C0DC4828-EF57-4A54-BF65-6AC04BA4C70B}" type="pres">
       <dgm:prSet presAssocID="{A8668B04-1441-4507-80B1-29BF311D05C5}" presName="conn2-1" presStyleLbl="parChTrans1D2" presStyleIdx="1" presStyleCnt="4"/>
       <dgm:spPr/>
+      <dgm:t>
+        <a:bodyPr/>
+        <a:lstStyle/>
+        <a:p>
+          <a:endParaRPr lang="en-US"/>
+        </a:p>
+      </dgm:t>
     </dgm:pt>
     <dgm:pt modelId="{CD5AB7CB-8C3D-4B16-93A6-6F5A867D7A1E}" type="pres">
       <dgm:prSet presAssocID="{A8668B04-1441-4507-80B1-29BF311D05C5}" presName="connTx" presStyleLbl="parChTrans1D2" presStyleIdx="1" presStyleCnt="4"/>
       <dgm:spPr/>
+      <dgm:t>
+        <a:bodyPr/>
+        <a:lstStyle/>
+        <a:p>
+          <a:endParaRPr lang="en-US"/>
+        </a:p>
+      </dgm:t>
     </dgm:pt>
     <dgm:pt modelId="{95B1DA89-02B5-4C62-947D-07ACE0285930}" type="pres">
       <dgm:prSet presAssocID="{DF724F68-8037-43EF-8BA6-606087140EB0}" presName="root2" presStyleCnt="0"/>
@@ -1412,6 +1464,13 @@
         </dgm:presLayoutVars>
       </dgm:prSet>
       <dgm:spPr/>
+      <dgm:t>
+        <a:bodyPr/>
+        <a:lstStyle/>
+        <a:p>
+          <a:endParaRPr lang="en-US"/>
+        </a:p>
+      </dgm:t>
     </dgm:pt>
     <dgm:pt modelId="{734A67C7-E9FF-4EB2-9000-2345C41727F7}" type="pres">
       <dgm:prSet presAssocID="{DF724F68-8037-43EF-8BA6-606087140EB0}" presName="level3hierChild" presStyleCnt="0"/>
@@ -1420,10 +1479,24 @@
     <dgm:pt modelId="{6BB5C99A-5D19-42DD-A173-3AD6B180C87C}" type="pres">
       <dgm:prSet presAssocID="{98D3ED71-AC45-416D-A490-5337A9ACAF20}" presName="conn2-1" presStyleLbl="parChTrans1D2" presStyleIdx="2" presStyleCnt="4"/>
       <dgm:spPr/>
+      <dgm:t>
+        <a:bodyPr/>
+        <a:lstStyle/>
+        <a:p>
+          <a:endParaRPr lang="en-US"/>
+        </a:p>
+      </dgm:t>
     </dgm:pt>
     <dgm:pt modelId="{C08A4D7C-34FC-49FD-A481-2971BC99B4D7}" type="pres">
       <dgm:prSet presAssocID="{98D3ED71-AC45-416D-A490-5337A9ACAF20}" presName="connTx" presStyleLbl="parChTrans1D2" presStyleIdx="2" presStyleCnt="4"/>
       <dgm:spPr/>
+      <dgm:t>
+        <a:bodyPr/>
+        <a:lstStyle/>
+        <a:p>
+          <a:endParaRPr lang="en-US"/>
+        </a:p>
+      </dgm:t>
     </dgm:pt>
     <dgm:pt modelId="{C1D449BF-D2E7-4916-8776-5C16DEEE286F}" type="pres">
       <dgm:prSet presAssocID="{DC0019CA-210E-40CC-BFAE-ED798EE46A86}" presName="root2" presStyleCnt="0"/>
@@ -1436,6 +1509,13 @@
         </dgm:presLayoutVars>
       </dgm:prSet>
       <dgm:spPr/>
+      <dgm:t>
+        <a:bodyPr/>
+        <a:lstStyle/>
+        <a:p>
+          <a:endParaRPr lang="en-US"/>
+        </a:p>
+      </dgm:t>
     </dgm:pt>
     <dgm:pt modelId="{4A26506C-75B6-4DB1-9ACC-60990667B9BE}" type="pres">
       <dgm:prSet presAssocID="{DC0019CA-210E-40CC-BFAE-ED798EE46A86}" presName="level3hierChild" presStyleCnt="0"/>
@@ -1444,10 +1524,24 @@
     <dgm:pt modelId="{C27F9CEB-08BC-4E7B-A02B-008ABB9AD15A}" type="pres">
       <dgm:prSet presAssocID="{77983F8B-3A90-42B5-9698-FE2E67C71E0F}" presName="conn2-1" presStyleLbl="parChTrans1D2" presStyleIdx="3" presStyleCnt="4"/>
       <dgm:spPr/>
+      <dgm:t>
+        <a:bodyPr/>
+        <a:lstStyle/>
+        <a:p>
+          <a:endParaRPr lang="en-US"/>
+        </a:p>
+      </dgm:t>
     </dgm:pt>
     <dgm:pt modelId="{2C7F7A54-3EA4-40B6-A108-6BE3FB98DDA6}" type="pres">
       <dgm:prSet presAssocID="{77983F8B-3A90-42B5-9698-FE2E67C71E0F}" presName="connTx" presStyleLbl="parChTrans1D2" presStyleIdx="3" presStyleCnt="4"/>
       <dgm:spPr/>
+      <dgm:t>
+        <a:bodyPr/>
+        <a:lstStyle/>
+        <a:p>
+          <a:endParaRPr lang="en-US"/>
+        </a:p>
+      </dgm:t>
     </dgm:pt>
     <dgm:pt modelId="{69D7DD91-6C78-440B-8EC7-65E4331E854A}" type="pres">
       <dgm:prSet presAssocID="{C0A8DF4C-D0D6-4300-8D8F-7897FA7C93B6}" presName="root2" presStyleCnt="0"/>
@@ -1460,6 +1554,13 @@
         </dgm:presLayoutVars>
       </dgm:prSet>
       <dgm:spPr/>
+      <dgm:t>
+        <a:bodyPr/>
+        <a:lstStyle/>
+        <a:p>
+          <a:endParaRPr lang="en-US"/>
+        </a:p>
+      </dgm:t>
     </dgm:pt>
     <dgm:pt modelId="{3997E265-71B7-40CC-9495-8F964938B171}" type="pres">
       <dgm:prSet presAssocID="{C0A8DF4C-D0D6-4300-8D8F-7897FA7C93B6}" presName="level3hierChild" presStyleCnt="0"/>
@@ -1468,10 +1569,24 @@
     <dgm:pt modelId="{02052355-1DE1-4019-8934-22FDC6687CED}" type="pres">
       <dgm:prSet presAssocID="{EA2226B7-8E73-48D5-830C-2368956F3577}" presName="conn2-1" presStyleLbl="parChTrans1D3" presStyleIdx="0" presStyleCnt="6"/>
       <dgm:spPr/>
+      <dgm:t>
+        <a:bodyPr/>
+        <a:lstStyle/>
+        <a:p>
+          <a:endParaRPr lang="en-US"/>
+        </a:p>
+      </dgm:t>
     </dgm:pt>
     <dgm:pt modelId="{CC270A11-CD54-434D-9B09-4C22E87058EA}" type="pres">
       <dgm:prSet presAssocID="{EA2226B7-8E73-48D5-830C-2368956F3577}" presName="connTx" presStyleLbl="parChTrans1D3" presStyleIdx="0" presStyleCnt="6"/>
       <dgm:spPr/>
+      <dgm:t>
+        <a:bodyPr/>
+        <a:lstStyle/>
+        <a:p>
+          <a:endParaRPr lang="en-US"/>
+        </a:p>
+      </dgm:t>
     </dgm:pt>
     <dgm:pt modelId="{D418A368-D874-4202-8AC4-37D02A664372}" type="pres">
       <dgm:prSet presAssocID="{7B37FA75-C201-4440-9483-11B47BAE60AE}" presName="root2" presStyleCnt="0"/>
@@ -1484,6 +1599,13 @@
         </dgm:presLayoutVars>
       </dgm:prSet>
       <dgm:spPr/>
+      <dgm:t>
+        <a:bodyPr/>
+        <a:lstStyle/>
+        <a:p>
+          <a:endParaRPr lang="en-US"/>
+        </a:p>
+      </dgm:t>
     </dgm:pt>
     <dgm:pt modelId="{D206BDF0-1A03-4364-BC7A-78F1862665C1}" type="pres">
       <dgm:prSet presAssocID="{7B37FA75-C201-4440-9483-11B47BAE60AE}" presName="level3hierChild" presStyleCnt="0"/>
@@ -1492,10 +1614,24 @@
     <dgm:pt modelId="{D3F0AF6B-0E5A-4AF4-85CF-2AA8ABBD841E}" type="pres">
       <dgm:prSet presAssocID="{2F995E66-46AC-4602-8E51-94C234247464}" presName="conn2-1" presStyleLbl="parChTrans1D3" presStyleIdx="1" presStyleCnt="6"/>
       <dgm:spPr/>
+      <dgm:t>
+        <a:bodyPr/>
+        <a:lstStyle/>
+        <a:p>
+          <a:endParaRPr lang="en-US"/>
+        </a:p>
+      </dgm:t>
     </dgm:pt>
     <dgm:pt modelId="{36141251-5BCE-4707-8E00-DF7555E95FA5}" type="pres">
       <dgm:prSet presAssocID="{2F995E66-46AC-4602-8E51-94C234247464}" presName="connTx" presStyleLbl="parChTrans1D3" presStyleIdx="1" presStyleCnt="6"/>
       <dgm:spPr/>
+      <dgm:t>
+        <a:bodyPr/>
+        <a:lstStyle/>
+        <a:p>
+          <a:endParaRPr lang="en-US"/>
+        </a:p>
+      </dgm:t>
     </dgm:pt>
     <dgm:pt modelId="{0AA9B13E-6847-4298-843E-E313F596DF17}" type="pres">
       <dgm:prSet presAssocID="{7DB63ECA-8255-42CA-8D6B-48F11CB831C3}" presName="root2" presStyleCnt="0"/>
@@ -1508,6 +1644,13 @@
         </dgm:presLayoutVars>
       </dgm:prSet>
       <dgm:spPr/>
+      <dgm:t>
+        <a:bodyPr/>
+        <a:lstStyle/>
+        <a:p>
+          <a:endParaRPr lang="en-US"/>
+        </a:p>
+      </dgm:t>
     </dgm:pt>
     <dgm:pt modelId="{365888FF-C37F-4F72-A0AF-21C8FDA2CD3A}" type="pres">
       <dgm:prSet presAssocID="{7DB63ECA-8255-42CA-8D6B-48F11CB831C3}" presName="level3hierChild" presStyleCnt="0"/>
@@ -1516,10 +1659,24 @@
     <dgm:pt modelId="{1BA29DCF-1BB3-47CD-8217-65B0AAEEF04A}" type="pres">
       <dgm:prSet presAssocID="{B6F0511A-655A-4A00-A1FE-B04D7160A7D2}" presName="conn2-1" presStyleLbl="parChTrans1D3" presStyleIdx="2" presStyleCnt="6"/>
       <dgm:spPr/>
+      <dgm:t>
+        <a:bodyPr/>
+        <a:lstStyle/>
+        <a:p>
+          <a:endParaRPr lang="en-US"/>
+        </a:p>
+      </dgm:t>
     </dgm:pt>
     <dgm:pt modelId="{A30ADC56-4E9B-4D0B-92A7-4C2AA5A3EEB2}" type="pres">
       <dgm:prSet presAssocID="{B6F0511A-655A-4A00-A1FE-B04D7160A7D2}" presName="connTx" presStyleLbl="parChTrans1D3" presStyleIdx="2" presStyleCnt="6"/>
       <dgm:spPr/>
+      <dgm:t>
+        <a:bodyPr/>
+        <a:lstStyle/>
+        <a:p>
+          <a:endParaRPr lang="en-US"/>
+        </a:p>
+      </dgm:t>
     </dgm:pt>
     <dgm:pt modelId="{36447EE2-DB9A-4CE0-BDF1-6C461D59C1AA}" type="pres">
       <dgm:prSet presAssocID="{FEB7816A-D643-4DF6-BA58-681317952F39}" presName="root2" presStyleCnt="0"/>
@@ -1532,6 +1689,13 @@
         </dgm:presLayoutVars>
       </dgm:prSet>
       <dgm:spPr/>
+      <dgm:t>
+        <a:bodyPr/>
+        <a:lstStyle/>
+        <a:p>
+          <a:endParaRPr lang="en-US"/>
+        </a:p>
+      </dgm:t>
     </dgm:pt>
     <dgm:pt modelId="{27684CF1-F24D-4296-BD3E-F5EC66EC38CB}" type="pres">
       <dgm:prSet presAssocID="{FEB7816A-D643-4DF6-BA58-681317952F39}" presName="level3hierChild" presStyleCnt="0"/>
@@ -1540,10 +1704,24 @@
     <dgm:pt modelId="{802EE469-164C-4C3D-AD7E-9374562D6274}" type="pres">
       <dgm:prSet presAssocID="{F5423442-7F49-491D-AAEE-6503C00EA14A}" presName="conn2-1" presStyleLbl="parChTrans1D3" presStyleIdx="3" presStyleCnt="6"/>
       <dgm:spPr/>
+      <dgm:t>
+        <a:bodyPr/>
+        <a:lstStyle/>
+        <a:p>
+          <a:endParaRPr lang="en-US"/>
+        </a:p>
+      </dgm:t>
     </dgm:pt>
     <dgm:pt modelId="{33BB1CA2-EFAB-4791-8CCE-5FD4DFF646BD}" type="pres">
       <dgm:prSet presAssocID="{F5423442-7F49-491D-AAEE-6503C00EA14A}" presName="connTx" presStyleLbl="parChTrans1D3" presStyleIdx="3" presStyleCnt="6"/>
       <dgm:spPr/>
+      <dgm:t>
+        <a:bodyPr/>
+        <a:lstStyle/>
+        <a:p>
+          <a:endParaRPr lang="en-US"/>
+        </a:p>
+      </dgm:t>
     </dgm:pt>
     <dgm:pt modelId="{44588DEF-9401-4D48-94D2-E8C8A7D806D8}" type="pres">
       <dgm:prSet presAssocID="{698E5410-8407-4E24-A468-8DDD057C0E23}" presName="root2" presStyleCnt="0"/>
@@ -1556,6 +1734,13 @@
         </dgm:presLayoutVars>
       </dgm:prSet>
       <dgm:spPr/>
+      <dgm:t>
+        <a:bodyPr/>
+        <a:lstStyle/>
+        <a:p>
+          <a:endParaRPr lang="en-US"/>
+        </a:p>
+      </dgm:t>
     </dgm:pt>
     <dgm:pt modelId="{F4D65625-E668-43D5-BA92-FEA63109535E}" type="pres">
       <dgm:prSet presAssocID="{698E5410-8407-4E24-A468-8DDD057C0E23}" presName="level3hierChild" presStyleCnt="0"/>
@@ -1564,10 +1749,24 @@
     <dgm:pt modelId="{933B7BC6-E0DB-4B84-B6FC-435011E01FC1}" type="pres">
       <dgm:prSet presAssocID="{C12DF438-B339-4A82-BEC5-A95637F21A03}" presName="conn2-1" presStyleLbl="parChTrans1D3" presStyleIdx="4" presStyleCnt="6"/>
       <dgm:spPr/>
+      <dgm:t>
+        <a:bodyPr/>
+        <a:lstStyle/>
+        <a:p>
+          <a:endParaRPr lang="en-US"/>
+        </a:p>
+      </dgm:t>
     </dgm:pt>
     <dgm:pt modelId="{60A1FB7A-E6CD-475C-992A-933D01C7062A}" type="pres">
       <dgm:prSet presAssocID="{C12DF438-B339-4A82-BEC5-A95637F21A03}" presName="connTx" presStyleLbl="parChTrans1D3" presStyleIdx="4" presStyleCnt="6"/>
       <dgm:spPr/>
+      <dgm:t>
+        <a:bodyPr/>
+        <a:lstStyle/>
+        <a:p>
+          <a:endParaRPr lang="en-US"/>
+        </a:p>
+      </dgm:t>
     </dgm:pt>
     <dgm:pt modelId="{5F9AB1E0-5CCB-4785-AC9A-81273FA5345A}" type="pres">
       <dgm:prSet presAssocID="{B65242D9-329B-409A-81A7-58E7CE356A44}" presName="root2" presStyleCnt="0"/>
@@ -1580,6 +1779,13 @@
         </dgm:presLayoutVars>
       </dgm:prSet>
       <dgm:spPr/>
+      <dgm:t>
+        <a:bodyPr/>
+        <a:lstStyle/>
+        <a:p>
+          <a:endParaRPr lang="en-US"/>
+        </a:p>
+      </dgm:t>
     </dgm:pt>
     <dgm:pt modelId="{25C9C167-4270-45CA-9C65-6BE88690CA4B}" type="pres">
       <dgm:prSet presAssocID="{B65242D9-329B-409A-81A7-58E7CE356A44}" presName="level3hierChild" presStyleCnt="0"/>
@@ -1588,10 +1794,24 @@
     <dgm:pt modelId="{252F8A7C-F7C6-4978-8EC2-0FC24DA8DA05}" type="pres">
       <dgm:prSet presAssocID="{6B094348-7EC4-4BE7-9A50-002FCC47C451}" presName="conn2-1" presStyleLbl="parChTrans1D3" presStyleIdx="5" presStyleCnt="6"/>
       <dgm:spPr/>
+      <dgm:t>
+        <a:bodyPr/>
+        <a:lstStyle/>
+        <a:p>
+          <a:endParaRPr lang="en-US"/>
+        </a:p>
+      </dgm:t>
     </dgm:pt>
     <dgm:pt modelId="{8B2A15F6-6894-4023-9DB9-215CF1CD0721}" type="pres">
       <dgm:prSet presAssocID="{6B094348-7EC4-4BE7-9A50-002FCC47C451}" presName="connTx" presStyleLbl="parChTrans1D3" presStyleIdx="5" presStyleCnt="6"/>
       <dgm:spPr/>
+      <dgm:t>
+        <a:bodyPr/>
+        <a:lstStyle/>
+        <a:p>
+          <a:endParaRPr lang="en-US"/>
+        </a:p>
+      </dgm:t>
     </dgm:pt>
     <dgm:pt modelId="{97D1EF24-E969-4488-B876-21A791A7B061}" type="pres">
       <dgm:prSet presAssocID="{98B5C72E-A449-4932-9479-F8E0F3741680}" presName="root2" presStyleCnt="0"/>
@@ -1604,6 +1824,13 @@
         </dgm:presLayoutVars>
       </dgm:prSet>
       <dgm:spPr/>
+      <dgm:t>
+        <a:bodyPr/>
+        <a:lstStyle/>
+        <a:p>
+          <a:endParaRPr lang="en-US"/>
+        </a:p>
+      </dgm:t>
     </dgm:pt>
     <dgm:pt modelId="{7B49FBCC-5879-4F02-B5D1-18E02A3D8633}" type="pres">
       <dgm:prSet presAssocID="{98B5C72E-A449-4932-9479-F8E0F3741680}" presName="level3hierChild" presStyleCnt="0"/>
@@ -1782,7 +2009,7 @@
         </a:bodyPr>
         <a:lstStyle/>
         <a:p>
-          <a:pPr marL="0" lvl="0" indent="0" algn="ctr" defTabSz="1244600">
+          <a:pPr lvl="0" algn="ctr" defTabSz="1244600">
             <a:lnSpc>
               <a:spcPct val="90000"/>
             </a:lnSpc>
@@ -1792,7 +2019,6 @@
             <a:spcAft>
               <a:spcPct val="35000"/>
             </a:spcAft>
-            <a:buNone/>
           </a:pPr>
           <a:r>
             <a:rPr lang="en-CA" sz="2800" kern="1200" dirty="0"/>
@@ -1800,7 +2026,7 @@
           </a:r>
         </a:p>
         <a:p>
-          <a:pPr marL="0" lvl="0" indent="0" algn="ctr" defTabSz="1244600">
+          <a:pPr lvl="0" algn="ctr" defTabSz="1244600">
             <a:lnSpc>
               <a:spcPct val="90000"/>
             </a:lnSpc>
@@ -1810,7 +2036,6 @@
             <a:spcAft>
               <a:spcPct val="35000"/>
             </a:spcAft>
-            <a:buNone/>
           </a:pPr>
           <a:r>
             <a:rPr lang="en-CA" sz="1200" kern="1200" dirty="0" err="1"/>
@@ -1884,7 +2109,7 @@
         </a:bodyPr>
         <a:lstStyle/>
         <a:p>
-          <a:pPr marL="0" lvl="0" indent="0" algn="ctr" defTabSz="466725">
+          <a:pPr lvl="0" algn="ctr" defTabSz="466725">
             <a:lnSpc>
               <a:spcPct val="90000"/>
             </a:lnSpc>
@@ -1894,7 +2119,6 @@
             <a:spcAft>
               <a:spcPct val="35000"/>
             </a:spcAft>
-            <a:buNone/>
           </a:pPr>
           <a:endParaRPr lang="en-US" sz="1050" kern="1200"/>
         </a:p>
@@ -1960,7 +2184,7 @@
         </a:bodyPr>
         <a:lstStyle/>
         <a:p>
-          <a:pPr marL="0" lvl="0" indent="0" algn="ctr" defTabSz="1244600">
+          <a:pPr lvl="0" algn="ctr" defTabSz="1244600">
             <a:lnSpc>
               <a:spcPct val="90000"/>
             </a:lnSpc>
@@ -1970,7 +2194,6 @@
             <a:spcAft>
               <a:spcPct val="35000"/>
             </a:spcAft>
-            <a:buNone/>
           </a:pPr>
           <a:r>
             <a:rPr lang="en-US" sz="2800" kern="1200" dirty="0"/>
@@ -2048,7 +2271,7 @@
         </a:bodyPr>
         <a:lstStyle/>
         <a:p>
-          <a:pPr marL="0" lvl="0" indent="0" algn="ctr" defTabSz="466725">
+          <a:pPr lvl="0" algn="ctr" defTabSz="466725">
             <a:lnSpc>
               <a:spcPct val="90000"/>
             </a:lnSpc>
@@ -2058,7 +2281,6 @@
             <a:spcAft>
               <a:spcPct val="35000"/>
             </a:spcAft>
-            <a:buNone/>
           </a:pPr>
           <a:endParaRPr lang="en-US" sz="1050" kern="1200"/>
         </a:p>
@@ -2124,7 +2346,7 @@
         </a:bodyPr>
         <a:lstStyle/>
         <a:p>
-          <a:pPr marL="0" lvl="0" indent="0" algn="ctr" defTabSz="1244600">
+          <a:pPr lvl="0" algn="ctr" defTabSz="1244600">
             <a:lnSpc>
               <a:spcPct val="90000"/>
             </a:lnSpc>
@@ -2134,7 +2356,6 @@
             <a:spcAft>
               <a:spcPct val="35000"/>
             </a:spcAft>
-            <a:buNone/>
           </a:pPr>
           <a:r>
             <a:rPr lang="en-US" sz="2800" kern="1200" dirty="0"/>
@@ -2212,7 +2433,7 @@
         </a:bodyPr>
         <a:lstStyle/>
         <a:p>
-          <a:pPr marL="0" lvl="0" indent="0" algn="ctr" defTabSz="466725">
+          <a:pPr lvl="0" algn="ctr" defTabSz="466725">
             <a:lnSpc>
               <a:spcPct val="90000"/>
             </a:lnSpc>
@@ -2222,7 +2443,6 @@
             <a:spcAft>
               <a:spcPct val="35000"/>
             </a:spcAft>
-            <a:buNone/>
           </a:pPr>
           <a:endParaRPr lang="en-US" sz="1050" kern="1200"/>
         </a:p>
@@ -2288,7 +2508,7 @@
         </a:bodyPr>
         <a:lstStyle/>
         <a:p>
-          <a:pPr marL="0" lvl="0" indent="0" algn="ctr" defTabSz="1244600">
+          <a:pPr lvl="0" algn="ctr" defTabSz="1244600">
             <a:lnSpc>
               <a:spcPct val="90000"/>
             </a:lnSpc>
@@ -2298,7 +2518,6 @@
             <a:spcAft>
               <a:spcPct val="35000"/>
             </a:spcAft>
-            <a:buNone/>
           </a:pPr>
           <a:r>
             <a:rPr lang="en-US" sz="2800" kern="1200" dirty="0"/>
@@ -2371,7 +2590,7 @@
         </a:bodyPr>
         <a:lstStyle/>
         <a:p>
-          <a:pPr marL="0" lvl="0" indent="0" algn="ctr" defTabSz="466725">
+          <a:pPr lvl="0" algn="ctr" defTabSz="466725">
             <a:lnSpc>
               <a:spcPct val="90000"/>
             </a:lnSpc>
@@ -2381,7 +2600,6 @@
             <a:spcAft>
               <a:spcPct val="35000"/>
             </a:spcAft>
-            <a:buNone/>
           </a:pPr>
           <a:endParaRPr lang="en-US" sz="1050" kern="1200"/>
         </a:p>
@@ -2447,7 +2665,7 @@
         </a:bodyPr>
         <a:lstStyle/>
         <a:p>
-          <a:pPr marL="0" lvl="0" indent="0" algn="ctr" defTabSz="1244600">
+          <a:pPr lvl="0" algn="ctr" defTabSz="1244600">
             <a:lnSpc>
               <a:spcPct val="90000"/>
             </a:lnSpc>
@@ -2457,7 +2675,6 @@
             <a:spcAft>
               <a:spcPct val="35000"/>
             </a:spcAft>
-            <a:buNone/>
           </a:pPr>
           <a:r>
             <a:rPr lang="en-US" sz="2800" kern="1200" dirty="0"/>
@@ -2535,7 +2752,7 @@
         </a:bodyPr>
         <a:lstStyle/>
         <a:p>
-          <a:pPr marL="0" lvl="0" indent="0" algn="ctr" defTabSz="355600">
+          <a:pPr lvl="0" algn="ctr" defTabSz="355600">
             <a:lnSpc>
               <a:spcPct val="90000"/>
             </a:lnSpc>
@@ -2545,7 +2762,6 @@
             <a:spcAft>
               <a:spcPct val="35000"/>
             </a:spcAft>
-            <a:buNone/>
           </a:pPr>
           <a:endParaRPr lang="en-US" sz="800" kern="1200"/>
         </a:p>
@@ -2611,7 +2827,7 @@
         </a:bodyPr>
         <a:lstStyle/>
         <a:p>
-          <a:pPr marL="0" lvl="0" indent="0" algn="ctr" defTabSz="1244600">
+          <a:pPr lvl="0" algn="ctr" defTabSz="1244600">
             <a:lnSpc>
               <a:spcPct val="90000"/>
             </a:lnSpc>
@@ -2621,7 +2837,6 @@
             <a:spcAft>
               <a:spcPct val="35000"/>
             </a:spcAft>
-            <a:buNone/>
           </a:pPr>
           <a:r>
             <a:rPr lang="en-US" sz="2800" kern="1200" dirty="0"/>
@@ -2694,7 +2909,7 @@
         </a:bodyPr>
         <a:lstStyle/>
         <a:p>
-          <a:pPr marL="0" lvl="0" indent="0" algn="ctr" defTabSz="222250">
+          <a:pPr lvl="0" algn="ctr" defTabSz="222250">
             <a:lnSpc>
               <a:spcPct val="90000"/>
             </a:lnSpc>
@@ -2704,7 +2919,6 @@
             <a:spcAft>
               <a:spcPct val="35000"/>
             </a:spcAft>
-            <a:buNone/>
           </a:pPr>
           <a:endParaRPr lang="en-US" sz="500" kern="1200"/>
         </a:p>
@@ -2770,7 +2984,7 @@
         </a:bodyPr>
         <a:lstStyle/>
         <a:p>
-          <a:pPr marL="0" lvl="0" indent="0" algn="ctr" defTabSz="1244600">
+          <a:pPr lvl="0" algn="ctr" defTabSz="1244600">
             <a:lnSpc>
               <a:spcPct val="90000"/>
             </a:lnSpc>
@@ -2780,7 +2994,6 @@
             <a:spcAft>
               <a:spcPct val="35000"/>
             </a:spcAft>
-            <a:buNone/>
           </a:pPr>
           <a:r>
             <a:rPr lang="en-CA" sz="2800" kern="1200" dirty="0"/>
@@ -2854,7 +3067,7 @@
         </a:bodyPr>
         <a:lstStyle/>
         <a:p>
-          <a:pPr marL="0" lvl="0" indent="0" algn="ctr" defTabSz="222250">
+          <a:pPr lvl="0" algn="ctr" defTabSz="222250">
             <a:lnSpc>
               <a:spcPct val="90000"/>
             </a:lnSpc>
@@ -2864,7 +3077,6 @@
             <a:spcAft>
               <a:spcPct val="35000"/>
             </a:spcAft>
-            <a:buNone/>
           </a:pPr>
           <a:endParaRPr lang="en-US" sz="500" kern="1200"/>
         </a:p>
@@ -2930,7 +3142,7 @@
         </a:bodyPr>
         <a:lstStyle/>
         <a:p>
-          <a:pPr marL="0" lvl="0" indent="0" algn="ctr" defTabSz="1244600">
+          <a:pPr lvl="0" algn="ctr" defTabSz="1244600">
             <a:lnSpc>
               <a:spcPct val="90000"/>
             </a:lnSpc>
@@ -2940,7 +3152,6 @@
             <a:spcAft>
               <a:spcPct val="35000"/>
             </a:spcAft>
-            <a:buNone/>
           </a:pPr>
           <a:r>
             <a:rPr lang="en-CA" sz="2800" kern="1200" dirty="0"/>
@@ -3014,7 +3225,7 @@
         </a:bodyPr>
         <a:lstStyle/>
         <a:p>
-          <a:pPr marL="0" lvl="0" indent="0" algn="ctr" defTabSz="222250">
+          <a:pPr lvl="0" algn="ctr" defTabSz="222250">
             <a:lnSpc>
               <a:spcPct val="90000"/>
             </a:lnSpc>
@@ -3024,7 +3235,6 @@
             <a:spcAft>
               <a:spcPct val="35000"/>
             </a:spcAft>
-            <a:buNone/>
           </a:pPr>
           <a:endParaRPr lang="en-US" sz="500" kern="1200"/>
         </a:p>
@@ -3090,7 +3300,7 @@
         </a:bodyPr>
         <a:lstStyle/>
         <a:p>
-          <a:pPr marL="0" lvl="0" indent="0" algn="ctr" defTabSz="1244600">
+          <a:pPr lvl="0" algn="ctr" defTabSz="1244600">
             <a:lnSpc>
               <a:spcPct val="90000"/>
             </a:lnSpc>
@@ -3100,7 +3310,6 @@
             <a:spcAft>
               <a:spcPct val="35000"/>
             </a:spcAft>
-            <a:buNone/>
           </a:pPr>
           <a:r>
             <a:rPr lang="en-CA" sz="2800" kern="1200" dirty="0"/>
@@ -3174,7 +3383,7 @@
         </a:bodyPr>
         <a:lstStyle/>
         <a:p>
-          <a:pPr marL="0" lvl="0" indent="0" algn="ctr" defTabSz="222250">
+          <a:pPr lvl="0" algn="ctr" defTabSz="222250">
             <a:lnSpc>
               <a:spcPct val="90000"/>
             </a:lnSpc>
@@ -3184,7 +3393,6 @@
             <a:spcAft>
               <a:spcPct val="35000"/>
             </a:spcAft>
-            <a:buNone/>
           </a:pPr>
           <a:endParaRPr lang="en-US" sz="500" kern="1200"/>
         </a:p>
@@ -3250,7 +3458,7 @@
         </a:bodyPr>
         <a:lstStyle/>
         <a:p>
-          <a:pPr marL="0" lvl="0" indent="0" algn="ctr" defTabSz="1244600">
+          <a:pPr lvl="0" algn="ctr" defTabSz="1244600">
             <a:lnSpc>
               <a:spcPct val="90000"/>
             </a:lnSpc>
@@ -3260,7 +3468,6 @@
             <a:spcAft>
               <a:spcPct val="35000"/>
             </a:spcAft>
-            <a:buNone/>
           </a:pPr>
           <a:r>
             <a:rPr lang="en-CA" sz="2800" kern="1200" dirty="0"/>
@@ -3338,7 +3545,7 @@
         </a:bodyPr>
         <a:lstStyle/>
         <a:p>
-          <a:pPr marL="0" lvl="0" indent="0" algn="ctr" defTabSz="355600">
+          <a:pPr lvl="0" algn="ctr" defTabSz="355600">
             <a:lnSpc>
               <a:spcPct val="90000"/>
             </a:lnSpc>
@@ -3348,7 +3555,6 @@
             <a:spcAft>
               <a:spcPct val="35000"/>
             </a:spcAft>
-            <a:buNone/>
           </a:pPr>
           <a:endParaRPr lang="en-US" sz="800" kern="1200"/>
         </a:p>
@@ -3414,7 +3620,7 @@
         </a:bodyPr>
         <a:lstStyle/>
         <a:p>
-          <a:pPr marL="0" lvl="0" indent="0" algn="ctr" defTabSz="1244600">
+          <a:pPr lvl="0" algn="ctr" defTabSz="1244600">
             <a:lnSpc>
               <a:spcPct val="90000"/>
             </a:lnSpc>
@@ -3424,7 +3630,6 @@
             <a:spcAft>
               <a:spcPct val="35000"/>
             </a:spcAft>
-            <a:buNone/>
           </a:pPr>
           <a:r>
             <a:rPr lang="en-CA" sz="2800" kern="1200" dirty="0"/>
@@ -4981,7 +5186,7 @@
           <a:p>
             <a:fld id="{25F92A54-9A4B-4121-BE3C-2DD3D3E25C1F}" type="datetimeFigureOut">
               <a:rPr lang="en-US" smtClean="0"/>
-              <a:t>10/18/2017</a:t>
+              <a:t>3/1/2019</a:t>
             </a:fld>
             <a:endParaRPr lang="en-US"/>
           </a:p>
@@ -5279,7 +5484,7 @@
           <a:p>
             <a:fld id="{25F92A54-9A4B-4121-BE3C-2DD3D3E25C1F}" type="datetimeFigureOut">
               <a:rPr lang="en-US" smtClean="0"/>
-              <a:t>10/18/2017</a:t>
+              <a:t>3/1/2019</a:t>
             </a:fld>
             <a:endParaRPr lang="en-US"/>
           </a:p>
@@ -5471,7 +5676,7 @@
           <a:p>
             <a:fld id="{25F92A54-9A4B-4121-BE3C-2DD3D3E25C1F}" type="datetimeFigureOut">
               <a:rPr lang="en-US" smtClean="0"/>
-              <a:t>10/18/2017</a:t>
+              <a:t>3/1/2019</a:t>
             </a:fld>
             <a:endParaRPr lang="en-US"/>
           </a:p>
@@ -5732,7 +5937,7 @@
           <a:p>
             <a:fld id="{25F92A54-9A4B-4121-BE3C-2DD3D3E25C1F}" type="datetimeFigureOut">
               <a:rPr lang="en-US" smtClean="0"/>
-              <a:t>10/18/2017</a:t>
+              <a:t>3/1/2019</a:t>
             </a:fld>
             <a:endParaRPr lang="en-US"/>
           </a:p>
@@ -6156,7 +6361,7 @@
           <a:p>
             <a:fld id="{25F92A54-9A4B-4121-BE3C-2DD3D3E25C1F}" type="datetimeFigureOut">
               <a:rPr lang="en-US" smtClean="0"/>
-              <a:t>10/18/2017</a:t>
+              <a:t>3/1/2019</a:t>
             </a:fld>
             <a:endParaRPr lang="en-US"/>
           </a:p>
@@ -6693,7 +6898,7 @@
           <a:p>
             <a:fld id="{25F92A54-9A4B-4121-BE3C-2DD3D3E25C1F}" type="datetimeFigureOut">
               <a:rPr lang="en-US" smtClean="0"/>
-              <a:t>10/18/2017</a:t>
+              <a:t>3/1/2019</a:t>
             </a:fld>
             <a:endParaRPr lang="en-US"/>
           </a:p>
@@ -7557,7 +7762,7 @@
           <a:p>
             <a:fld id="{25F92A54-9A4B-4121-BE3C-2DD3D3E25C1F}" type="datetimeFigureOut">
               <a:rPr lang="en-US" smtClean="0"/>
-              <a:t>10/18/2017</a:t>
+              <a:t>3/1/2019</a:t>
             </a:fld>
             <a:endParaRPr lang="en-US"/>
           </a:p>
@@ -7727,7 +7932,7 @@
           <a:p>
             <a:fld id="{25F92A54-9A4B-4121-BE3C-2DD3D3E25C1F}" type="datetimeFigureOut">
               <a:rPr lang="en-US" smtClean="0"/>
-              <a:t>10/18/2017</a:t>
+              <a:t>3/1/2019</a:t>
             </a:fld>
             <a:endParaRPr lang="en-US"/>
           </a:p>
@@ -7911,7 +8116,7 @@
           <a:p>
             <a:fld id="{25F92A54-9A4B-4121-BE3C-2DD3D3E25C1F}" type="datetimeFigureOut">
               <a:rPr lang="en-US" smtClean="0"/>
-              <a:t>10/18/2017</a:t>
+              <a:t>3/1/2019</a:t>
             </a:fld>
             <a:endParaRPr lang="en-US"/>
           </a:p>
@@ -7963,6 +8168,266 @@
     <p:extLst>
       <p:ext uri="{BB962C8B-B14F-4D97-AF65-F5344CB8AC3E}">
         <p14:creationId xmlns:p14="http://schemas.microsoft.com/office/powerpoint/2010/main" val="1010589505"/>
+      </p:ext>
+    </p:extLst>
+  </p:cSld>
+  <p:clrMapOvr>
+    <a:masterClrMapping/>
+  </p:clrMapOvr>
+</p:sldLayout>
+</file>
+
+<file path=ppt/slideLayouts/slideLayout18.xml><?xml version="1.0" encoding="utf-8"?>
+<p:sldLayout xmlns:a="http://schemas.openxmlformats.org/drawingml/2006/main" xmlns:r="http://schemas.openxmlformats.org/officeDocument/2006/relationships" xmlns:p="http://schemas.openxmlformats.org/presentationml/2006/main" showMasterSp="0" preserve="1" userDrawn="1">
+  <p:cSld name="Title">
+    <p:spTree>
+      <p:nvGrpSpPr>
+        <p:cNvPr id="1" name=""/>
+        <p:cNvGrpSpPr/>
+        <p:nvPr/>
+      </p:nvGrpSpPr>
+      <p:grpSpPr>
+        <a:xfrm>
+          <a:off x="0" y="0"/>
+          <a:ext cx="0" cy="0"/>
+          <a:chOff x="0" y="0"/>
+          <a:chExt cx="0" cy="0"/>
+        </a:xfrm>
+      </p:grpSpPr>
+      <p:pic>
+        <p:nvPicPr>
+          <p:cNvPr id="7" name="Picture 6">
+            <a:extLst>
+              <a:ext uri="{FF2B5EF4-FFF2-40B4-BE49-F238E27FC236}">
+                <a16:creationId xmlns:a16="http://schemas.microsoft.com/office/drawing/2014/main" id="{682245BA-3E6C-4FAA-8C55-9232354DEFFB}"/>
+              </a:ext>
+            </a:extLst>
+          </p:cNvPr>
+          <p:cNvPicPr>
+            <a:picLocks noChangeAspect="1"/>
+          </p:cNvPicPr>
+          <p:nvPr userDrawn="1"/>
+        </p:nvPicPr>
+        <p:blipFill>
+          <a:blip r:embed="rId2"/>
+          <a:stretch>
+            <a:fillRect/>
+          </a:stretch>
+        </p:blipFill>
+        <p:spPr>
+          <a:xfrm>
+            <a:off x="6937716" y="-380896"/>
+            <a:ext cx="5634751" cy="7619794"/>
+          </a:xfrm>
+          <a:prstGeom prst="rect">
+            <a:avLst/>
+          </a:prstGeom>
+        </p:spPr>
+      </p:pic>
+      <p:sp>
+        <p:nvSpPr>
+          <p:cNvPr id="2" name="Title 1"/>
+          <p:cNvSpPr>
+            <a:spLocks noGrp="1"/>
+          </p:cNvSpPr>
+          <p:nvPr>
+            <p:ph type="ctrTitle" hasCustomPrompt="1"/>
+          </p:nvPr>
+        </p:nvSpPr>
+        <p:spPr>
+          <a:xfrm>
+            <a:off x="380885" y="4000221"/>
+            <a:ext cx="11429747" cy="2476407"/>
+          </a:xfrm>
+        </p:spPr>
+        <p:txBody>
+          <a:bodyPr anchor="b">
+            <a:noAutofit/>
+          </a:bodyPr>
+          <a:lstStyle>
+            <a:lvl1pPr algn="l">
+              <a:defRPr sz="6350">
+                <a:solidFill>
+                  <a:schemeClr val="tx1"/>
+                </a:solidFill>
+                <a:latin typeface="+mn-lt"/>
+              </a:defRPr>
+            </a:lvl1pPr>
+          </a:lstStyle>
+          <a:p>
+            <a:r>
+              <a:rPr lang="en-US" dirty="0"/>
+              <a:t>Presentation Title</a:t>
+            </a:r>
+          </a:p>
+        </p:txBody>
+      </p:sp>
+      <p:sp>
+        <p:nvSpPr>
+          <p:cNvPr id="14" name="Text Placeholder 13"/>
+          <p:cNvSpPr>
+            <a:spLocks noGrp="1"/>
+          </p:cNvSpPr>
+          <p:nvPr>
+            <p:ph type="body" sz="quarter" idx="10" hasCustomPrompt="1"/>
+          </p:nvPr>
+        </p:nvSpPr>
+        <p:spPr>
+          <a:xfrm>
+            <a:off x="382208" y="381612"/>
+            <a:ext cx="11429264" cy="1142440"/>
+          </a:xfrm>
+        </p:spPr>
+        <p:txBody>
+          <a:bodyPr anchor="t">
+            <a:noAutofit/>
+          </a:bodyPr>
+          <a:lstStyle>
+            <a:lvl1pPr algn="l">
+              <a:defRPr lang="en-US" sz="4233" b="0" kern="1200" dirty="0" smtClean="0">
+                <a:solidFill>
+                  <a:schemeClr val="accent1"/>
+                </a:solidFill>
+                <a:latin typeface="+mj-lt"/>
+                <a:ea typeface="+mn-ea"/>
+                <a:cs typeface="+mn-cs"/>
+              </a:defRPr>
+            </a:lvl1pPr>
+          </a:lstStyle>
+          <a:p>
+            <a:pPr lvl="0"/>
+            <a:r>
+              <a:rPr lang="en-US" dirty="0"/>
+              <a:t>Speaker Name</a:t>
+            </a:r>
+          </a:p>
+        </p:txBody>
+      </p:sp>
+      <p:pic>
+        <p:nvPicPr>
+          <p:cNvPr id="6" name="Picture 5"/>
+          <p:cNvPicPr>
+            <a:picLocks noChangeAspect="1"/>
+          </p:cNvPicPr>
+          <p:nvPr userDrawn="1"/>
+        </p:nvPicPr>
+        <p:blipFill>
+          <a:blip r:embed="rId3"/>
+          <a:stretch>
+            <a:fillRect/>
+          </a:stretch>
+        </p:blipFill>
+        <p:spPr>
+          <a:xfrm>
+            <a:off x="9178795" y="3238504"/>
+            <a:ext cx="2631838" cy="380990"/>
+          </a:xfrm>
+          <a:prstGeom prst="rect">
+            <a:avLst/>
+          </a:prstGeom>
+        </p:spPr>
+      </p:pic>
+    </p:spTree>
+    <p:extLst>
+      <p:ext uri="{BB962C8B-B14F-4D97-AF65-F5344CB8AC3E}">
+        <p14:creationId xmlns:p14="http://schemas.microsoft.com/office/powerpoint/2010/main" val="2592904184"/>
+      </p:ext>
+    </p:extLst>
+  </p:cSld>
+  <p:clrMapOvr>
+    <a:masterClrMapping/>
+  </p:clrMapOvr>
+</p:sldLayout>
+</file>
+
+<file path=ppt/slideLayouts/slideLayout19.xml><?xml version="1.0" encoding="utf-8"?>
+<p:sldLayout xmlns:a="http://schemas.openxmlformats.org/drawingml/2006/main" xmlns:r="http://schemas.openxmlformats.org/officeDocument/2006/relationships" xmlns:p="http://schemas.openxmlformats.org/presentationml/2006/main" showMasterSp="0" preserve="1" userDrawn="1">
+  <p:cSld name="Section Header">
+    <p:spTree>
+      <p:nvGrpSpPr>
+        <p:cNvPr id="1" name=""/>
+        <p:cNvGrpSpPr/>
+        <p:nvPr/>
+      </p:nvGrpSpPr>
+      <p:grpSpPr>
+        <a:xfrm>
+          <a:off x="0" y="0"/>
+          <a:ext cx="0" cy="0"/>
+          <a:chOff x="0" y="0"/>
+          <a:chExt cx="0" cy="0"/>
+        </a:xfrm>
+      </p:grpSpPr>
+      <p:pic>
+        <p:nvPicPr>
+          <p:cNvPr id="4" name="Picture 3">
+            <a:extLst>
+              <a:ext uri="{FF2B5EF4-FFF2-40B4-BE49-F238E27FC236}">
+                <a16:creationId xmlns:a16="http://schemas.microsoft.com/office/drawing/2014/main" id="{097E2290-D773-46C2-A868-25CAA97A1972}"/>
+              </a:ext>
+            </a:extLst>
+          </p:cNvPr>
+          <p:cNvPicPr>
+            <a:picLocks noChangeAspect="1"/>
+          </p:cNvPicPr>
+          <p:nvPr userDrawn="1"/>
+        </p:nvPicPr>
+        <p:blipFill>
+          <a:blip r:embed="rId2"/>
+          <a:stretch>
+            <a:fillRect/>
+          </a:stretch>
+        </p:blipFill>
+        <p:spPr>
+          <a:xfrm>
+            <a:off x="-380983" y="-380896"/>
+            <a:ext cx="5638562" cy="7619794"/>
+          </a:xfrm>
+          <a:prstGeom prst="rect">
+            <a:avLst/>
+          </a:prstGeom>
+        </p:spPr>
+      </p:pic>
+      <p:sp>
+        <p:nvSpPr>
+          <p:cNvPr id="2" name="Title 1"/>
+          <p:cNvSpPr>
+            <a:spLocks noGrp="1"/>
+          </p:cNvSpPr>
+          <p:nvPr>
+            <p:ph type="title" hasCustomPrompt="1"/>
+          </p:nvPr>
+        </p:nvSpPr>
+        <p:spPr>
+          <a:xfrm>
+            <a:off x="381369" y="381375"/>
+            <a:ext cx="11429264" cy="6095252"/>
+          </a:xfrm>
+        </p:spPr>
+        <p:txBody>
+          <a:bodyPr anchor="ctr"/>
+          <a:lstStyle>
+            <a:lvl1pPr algn="r">
+              <a:defRPr sz="6350" b="0" i="0" cap="none">
+                <a:solidFill>
+                  <a:schemeClr val="accent1"/>
+                </a:solidFill>
+                <a:latin typeface="+mj-lt"/>
+                <a:cs typeface="Arial"/>
+              </a:defRPr>
+            </a:lvl1pPr>
+          </a:lstStyle>
+          <a:p>
+            <a:r>
+              <a:rPr lang="en-US" dirty="0"/>
+              <a:t>Section Title</a:t>
+            </a:r>
+          </a:p>
+        </p:txBody>
+      </p:sp>
+    </p:spTree>
+    <p:extLst>
+      <p:ext uri="{BB962C8B-B14F-4D97-AF65-F5344CB8AC3E}">
+        <p14:creationId xmlns:p14="http://schemas.microsoft.com/office/powerpoint/2010/main" val="408339942"/>
       </p:ext>
     </p:extLst>
   </p:cSld>
@@ -8081,7 +8546,7 @@
           <a:p>
             <a:fld id="{25F92A54-9A4B-4121-BE3C-2DD3D3E25C1F}" type="datetimeFigureOut">
               <a:rPr lang="en-US" smtClean="0"/>
-              <a:t>10/18/2017</a:t>
+              <a:t>3/1/2019</a:t>
             </a:fld>
             <a:endParaRPr lang="en-US"/>
           </a:p>
@@ -8133,6 +8598,597 @@
     <p:extLst>
       <p:ext uri="{BB962C8B-B14F-4D97-AF65-F5344CB8AC3E}">
         <p14:creationId xmlns:p14="http://schemas.microsoft.com/office/powerpoint/2010/main" val="320917358"/>
+      </p:ext>
+    </p:extLst>
+  </p:cSld>
+  <p:clrMapOvr>
+    <a:masterClrMapping/>
+  </p:clrMapOvr>
+</p:sldLayout>
+</file>
+
+<file path=ppt/slideLayouts/slideLayout20.xml><?xml version="1.0" encoding="utf-8"?>
+<p:sldLayout xmlns:a="http://schemas.openxmlformats.org/drawingml/2006/main" xmlns:r="http://schemas.openxmlformats.org/officeDocument/2006/relationships" xmlns:p="http://schemas.openxmlformats.org/presentationml/2006/main" type="obj" preserve="1">
+  <p:cSld name="Title and Content">
+    <p:spTree>
+      <p:nvGrpSpPr>
+        <p:cNvPr id="1" name=""/>
+        <p:cNvGrpSpPr/>
+        <p:nvPr/>
+      </p:nvGrpSpPr>
+      <p:grpSpPr>
+        <a:xfrm>
+          <a:off x="0" y="0"/>
+          <a:ext cx="0" cy="0"/>
+          <a:chOff x="0" y="0"/>
+          <a:chExt cx="0" cy="0"/>
+        </a:xfrm>
+      </p:grpSpPr>
+      <p:sp>
+        <p:nvSpPr>
+          <p:cNvPr id="2" name="Title 1"/>
+          <p:cNvSpPr>
+            <a:spLocks noGrp="1"/>
+          </p:cNvSpPr>
+          <p:nvPr>
+            <p:ph type="title"/>
+          </p:nvPr>
+        </p:nvSpPr>
+        <p:spPr/>
+        <p:txBody>
+          <a:bodyPr/>
+          <a:lstStyle/>
+          <a:p>
+            <a:r>
+              <a:rPr lang="en-US" dirty="0"/>
+              <a:t>Click to edit Master title style</a:t>
+            </a:r>
+          </a:p>
+        </p:txBody>
+      </p:sp>
+      <p:sp>
+        <p:nvSpPr>
+          <p:cNvPr id="3" name="Content Placeholder 2"/>
+          <p:cNvSpPr>
+            <a:spLocks noGrp="1"/>
+          </p:cNvSpPr>
+          <p:nvPr>
+            <p:ph idx="1"/>
+          </p:nvPr>
+        </p:nvSpPr>
+        <p:spPr/>
+        <p:txBody>
+          <a:bodyPr/>
+          <a:lstStyle>
+            <a:lvl1pPr marL="0" indent="0">
+              <a:buFont typeface="Wingdings" charset="2"/>
+              <a:buNone/>
+              <a:defRPr>
+                <a:solidFill>
+                  <a:schemeClr val="tx2"/>
+                </a:solidFill>
+              </a:defRPr>
+            </a:lvl1pPr>
+            <a:lvl2pPr marL="609609" indent="0">
+              <a:buFont typeface="Wingdings" charset="2"/>
+              <a:buNone/>
+              <a:defRPr>
+                <a:solidFill>
+                  <a:srgbClr val="474947"/>
+                </a:solidFill>
+              </a:defRPr>
+            </a:lvl2pPr>
+            <a:lvl3pPr marL="1219218" indent="0">
+              <a:buFont typeface="Wingdings" charset="2"/>
+              <a:buNone/>
+              <a:defRPr>
+                <a:solidFill>
+                  <a:srgbClr val="474947"/>
+                </a:solidFill>
+              </a:defRPr>
+            </a:lvl3pPr>
+            <a:lvl4pPr marL="1828826" indent="0">
+              <a:buFont typeface="Wingdings" charset="2"/>
+              <a:buNone/>
+              <a:defRPr>
+                <a:solidFill>
+                  <a:srgbClr val="474947"/>
+                </a:solidFill>
+              </a:defRPr>
+            </a:lvl4pPr>
+            <a:lvl5pPr marL="2438434" indent="0">
+              <a:buFont typeface="Wingdings" charset="2"/>
+              <a:buNone/>
+              <a:defRPr>
+                <a:solidFill>
+                  <a:srgbClr val="474947"/>
+                </a:solidFill>
+              </a:defRPr>
+            </a:lvl5pPr>
+          </a:lstStyle>
+          <a:p>
+            <a:pPr lvl="0"/>
+            <a:r>
+              <a:rPr lang="en-US" dirty="0"/>
+              <a:t>Click to edit Master text styles</a:t>
+            </a:r>
+          </a:p>
+          <a:p>
+            <a:pPr lvl="1"/>
+            <a:r>
+              <a:rPr lang="en-US" dirty="0"/>
+              <a:t>Second level</a:t>
+            </a:r>
+          </a:p>
+          <a:p>
+            <a:pPr lvl="2"/>
+            <a:r>
+              <a:rPr lang="en-US" dirty="0"/>
+              <a:t>Third level</a:t>
+            </a:r>
+          </a:p>
+          <a:p>
+            <a:pPr lvl="3"/>
+            <a:r>
+              <a:rPr lang="en-US" dirty="0"/>
+              <a:t>Fourth level</a:t>
+            </a:r>
+          </a:p>
+          <a:p>
+            <a:pPr lvl="4"/>
+            <a:r>
+              <a:rPr lang="en-US" dirty="0"/>
+              <a:t>Fifth level</a:t>
+            </a:r>
+          </a:p>
+        </p:txBody>
+      </p:sp>
+    </p:spTree>
+    <p:extLst>
+      <p:ext uri="{BB962C8B-B14F-4D97-AF65-F5344CB8AC3E}">
+        <p14:creationId xmlns:p14="http://schemas.microsoft.com/office/powerpoint/2010/main" val="58858746"/>
+      </p:ext>
+    </p:extLst>
+  </p:cSld>
+  <p:clrMapOvr>
+    <a:masterClrMapping/>
+  </p:clrMapOvr>
+</p:sldLayout>
+</file>
+
+<file path=ppt/slideLayouts/slideLayout21.xml><?xml version="1.0" encoding="utf-8"?>
+<p:sldLayout xmlns:a="http://schemas.openxmlformats.org/drawingml/2006/main" xmlns:r="http://schemas.openxmlformats.org/officeDocument/2006/relationships" xmlns:p="http://schemas.openxmlformats.org/presentationml/2006/main" type="titleOnly" preserve="1">
+  <p:cSld name="Title Only">
+    <p:spTree>
+      <p:nvGrpSpPr>
+        <p:cNvPr id="1" name=""/>
+        <p:cNvGrpSpPr/>
+        <p:nvPr/>
+      </p:nvGrpSpPr>
+      <p:grpSpPr>
+        <a:xfrm>
+          <a:off x="0" y="0"/>
+          <a:ext cx="0" cy="0"/>
+          <a:chOff x="0" y="0"/>
+          <a:chExt cx="0" cy="0"/>
+        </a:xfrm>
+      </p:grpSpPr>
+      <p:sp>
+        <p:nvSpPr>
+          <p:cNvPr id="2" name="Title 1"/>
+          <p:cNvSpPr>
+            <a:spLocks noGrp="1"/>
+          </p:cNvSpPr>
+          <p:nvPr>
+            <p:ph type="title"/>
+          </p:nvPr>
+        </p:nvSpPr>
+        <p:spPr/>
+        <p:txBody>
+          <a:bodyPr/>
+          <a:lstStyle/>
+          <a:p>
+            <a:r>
+              <a:rPr lang="en-US"/>
+              <a:t>Click to edit Master title style</a:t>
+            </a:r>
+          </a:p>
+        </p:txBody>
+      </p:sp>
+    </p:spTree>
+    <p:extLst>
+      <p:ext uri="{BB962C8B-B14F-4D97-AF65-F5344CB8AC3E}">
+        <p14:creationId xmlns:p14="http://schemas.microsoft.com/office/powerpoint/2010/main" val="3714063708"/>
+      </p:ext>
+    </p:extLst>
+  </p:cSld>
+  <p:clrMapOvr>
+    <a:masterClrMapping/>
+  </p:clrMapOvr>
+</p:sldLayout>
+</file>
+
+<file path=ppt/slideLayouts/slideLayout22.xml><?xml version="1.0" encoding="utf-8"?>
+<p:sldLayout xmlns:a="http://schemas.openxmlformats.org/drawingml/2006/main" xmlns:r="http://schemas.openxmlformats.org/officeDocument/2006/relationships" xmlns:p="http://schemas.openxmlformats.org/presentationml/2006/main" preserve="1" userDrawn="1">
+  <p:cSld name="Content Only">
+    <p:spTree>
+      <p:nvGrpSpPr>
+        <p:cNvPr id="1" name=""/>
+        <p:cNvGrpSpPr/>
+        <p:nvPr/>
+      </p:nvGrpSpPr>
+      <p:grpSpPr>
+        <a:xfrm>
+          <a:off x="0" y="0"/>
+          <a:ext cx="0" cy="0"/>
+          <a:chOff x="0" y="0"/>
+          <a:chExt cx="0" cy="0"/>
+        </a:xfrm>
+      </p:grpSpPr>
+      <p:sp>
+        <p:nvSpPr>
+          <p:cNvPr id="3" name="Content Placeholder 2"/>
+          <p:cNvSpPr>
+            <a:spLocks noGrp="1"/>
+          </p:cNvSpPr>
+          <p:nvPr>
+            <p:ph idx="1"/>
+          </p:nvPr>
+        </p:nvSpPr>
+        <p:spPr>
+          <a:xfrm>
+            <a:off x="381116" y="381374"/>
+            <a:ext cx="11429516" cy="6095253"/>
+          </a:xfrm>
+        </p:spPr>
+        <p:txBody>
+          <a:bodyPr/>
+          <a:lstStyle>
+            <a:lvl1pPr marL="0" indent="0">
+              <a:buFont typeface="Wingdings" charset="2"/>
+              <a:buNone/>
+              <a:defRPr>
+                <a:solidFill>
+                  <a:schemeClr val="tx2"/>
+                </a:solidFill>
+              </a:defRPr>
+            </a:lvl1pPr>
+            <a:lvl2pPr marL="609609" indent="0">
+              <a:buFont typeface="Wingdings" charset="2"/>
+              <a:buNone/>
+              <a:defRPr>
+                <a:solidFill>
+                  <a:srgbClr val="474947"/>
+                </a:solidFill>
+              </a:defRPr>
+            </a:lvl2pPr>
+            <a:lvl3pPr marL="1219218" indent="0">
+              <a:buFont typeface="Wingdings" charset="2"/>
+              <a:buNone/>
+              <a:defRPr>
+                <a:solidFill>
+                  <a:srgbClr val="474947"/>
+                </a:solidFill>
+              </a:defRPr>
+            </a:lvl3pPr>
+            <a:lvl4pPr marL="1828826" indent="0">
+              <a:buFont typeface="Wingdings" charset="2"/>
+              <a:buNone/>
+              <a:defRPr>
+                <a:solidFill>
+                  <a:srgbClr val="474947"/>
+                </a:solidFill>
+              </a:defRPr>
+            </a:lvl4pPr>
+            <a:lvl5pPr marL="2438434" indent="0">
+              <a:buFont typeface="Wingdings" charset="2"/>
+              <a:buNone/>
+              <a:defRPr>
+                <a:solidFill>
+                  <a:srgbClr val="474947"/>
+                </a:solidFill>
+              </a:defRPr>
+            </a:lvl5pPr>
+          </a:lstStyle>
+          <a:p>
+            <a:pPr lvl="0"/>
+            <a:r>
+              <a:rPr lang="en-US" dirty="0"/>
+              <a:t>Click to edit Master text styles</a:t>
+            </a:r>
+          </a:p>
+          <a:p>
+            <a:pPr lvl="1"/>
+            <a:r>
+              <a:rPr lang="en-US" dirty="0"/>
+              <a:t>Second level</a:t>
+            </a:r>
+          </a:p>
+          <a:p>
+            <a:pPr lvl="2"/>
+            <a:r>
+              <a:rPr lang="en-US" dirty="0"/>
+              <a:t>Third level</a:t>
+            </a:r>
+          </a:p>
+          <a:p>
+            <a:pPr lvl="3"/>
+            <a:r>
+              <a:rPr lang="en-US" dirty="0"/>
+              <a:t>Fourth level</a:t>
+            </a:r>
+          </a:p>
+          <a:p>
+            <a:pPr lvl="4"/>
+            <a:r>
+              <a:rPr lang="en-US" dirty="0"/>
+              <a:t>Fifth level</a:t>
+            </a:r>
+          </a:p>
+        </p:txBody>
+      </p:sp>
+    </p:spTree>
+    <p:extLst>
+      <p:ext uri="{BB962C8B-B14F-4D97-AF65-F5344CB8AC3E}">
+        <p14:creationId xmlns:p14="http://schemas.microsoft.com/office/powerpoint/2010/main" val="1575045329"/>
+      </p:ext>
+    </p:extLst>
+  </p:cSld>
+  <p:clrMapOvr>
+    <a:masterClrMapping/>
+  </p:clrMapOvr>
+</p:sldLayout>
+</file>
+
+<file path=ppt/slideLayouts/slideLayout23.xml><?xml version="1.0" encoding="utf-8"?>
+<p:sldLayout xmlns:a="http://schemas.openxmlformats.org/drawingml/2006/main" xmlns:r="http://schemas.openxmlformats.org/officeDocument/2006/relationships" xmlns:p="http://schemas.openxmlformats.org/presentationml/2006/main" type="twoObj" preserve="1">
+  <p:cSld name="Two Content">
+    <p:spTree>
+      <p:nvGrpSpPr>
+        <p:cNvPr id="1" name=""/>
+        <p:cNvGrpSpPr/>
+        <p:nvPr/>
+      </p:nvGrpSpPr>
+      <p:grpSpPr>
+        <a:xfrm>
+          <a:off x="0" y="0"/>
+          <a:ext cx="0" cy="0"/>
+          <a:chOff x="0" y="0"/>
+          <a:chExt cx="0" cy="0"/>
+        </a:xfrm>
+      </p:grpSpPr>
+      <p:sp>
+        <p:nvSpPr>
+          <p:cNvPr id="2" name="Title 1"/>
+          <p:cNvSpPr>
+            <a:spLocks noGrp="1"/>
+          </p:cNvSpPr>
+          <p:nvPr>
+            <p:ph type="title"/>
+          </p:nvPr>
+        </p:nvSpPr>
+        <p:spPr/>
+        <p:txBody>
+          <a:bodyPr/>
+          <a:lstStyle>
+            <a:lvl1pPr algn="l">
+              <a:defRPr/>
+            </a:lvl1pPr>
+          </a:lstStyle>
+          <a:p>
+            <a:r>
+              <a:rPr lang="en-US" dirty="0"/>
+              <a:t>Click to edit Master title style</a:t>
+            </a:r>
+          </a:p>
+        </p:txBody>
+      </p:sp>
+      <p:sp>
+        <p:nvSpPr>
+          <p:cNvPr id="3" name="Content Placeholder 2"/>
+          <p:cNvSpPr>
+            <a:spLocks noGrp="1"/>
+          </p:cNvSpPr>
+          <p:nvPr>
+            <p:ph sz="half" idx="1"/>
+          </p:nvPr>
+        </p:nvSpPr>
+        <p:spPr>
+          <a:xfrm>
+            <a:off x="382083" y="1523814"/>
+            <a:ext cx="5712351" cy="4952813"/>
+          </a:xfrm>
+        </p:spPr>
+        <p:txBody>
+          <a:bodyPr rIns="180000">
+            <a:normAutofit/>
+          </a:bodyPr>
+          <a:lstStyle>
+            <a:lvl1pPr>
+              <a:defRPr sz="2963"/>
+            </a:lvl1pPr>
+            <a:lvl2pPr>
+              <a:defRPr sz="2540"/>
+            </a:lvl2pPr>
+            <a:lvl3pPr>
+              <a:defRPr sz="2117"/>
+            </a:lvl3pPr>
+            <a:lvl4pPr>
+              <a:defRPr sz="1905"/>
+            </a:lvl4pPr>
+            <a:lvl5pPr>
+              <a:defRPr sz="1905"/>
+            </a:lvl5pPr>
+            <a:lvl6pPr>
+              <a:defRPr sz="2400"/>
+            </a:lvl6pPr>
+            <a:lvl7pPr>
+              <a:defRPr sz="2400"/>
+            </a:lvl7pPr>
+            <a:lvl8pPr>
+              <a:defRPr sz="2400"/>
+            </a:lvl8pPr>
+            <a:lvl9pPr>
+              <a:defRPr sz="2400"/>
+            </a:lvl9pPr>
+          </a:lstStyle>
+          <a:p>
+            <a:pPr lvl="0"/>
+            <a:r>
+              <a:rPr lang="en-US" dirty="0"/>
+              <a:t>Click to edit Master text styles</a:t>
+            </a:r>
+          </a:p>
+          <a:p>
+            <a:pPr lvl="1"/>
+            <a:r>
+              <a:rPr lang="en-US" dirty="0"/>
+              <a:t>Second level</a:t>
+            </a:r>
+          </a:p>
+          <a:p>
+            <a:pPr lvl="2"/>
+            <a:r>
+              <a:rPr lang="en-US" dirty="0"/>
+              <a:t>Third level</a:t>
+            </a:r>
+          </a:p>
+          <a:p>
+            <a:pPr lvl="3"/>
+            <a:r>
+              <a:rPr lang="en-US" dirty="0"/>
+              <a:t>Fourth level</a:t>
+            </a:r>
+          </a:p>
+          <a:p>
+            <a:pPr lvl="4"/>
+            <a:r>
+              <a:rPr lang="en-US" dirty="0"/>
+              <a:t>Fifth level</a:t>
+            </a:r>
+          </a:p>
+        </p:txBody>
+      </p:sp>
+      <p:sp>
+        <p:nvSpPr>
+          <p:cNvPr id="4" name="Content Placeholder 3"/>
+          <p:cNvSpPr>
+            <a:spLocks noGrp="1"/>
+          </p:cNvSpPr>
+          <p:nvPr>
+            <p:ph sz="half" idx="2" hasCustomPrompt="1"/>
+          </p:nvPr>
+        </p:nvSpPr>
+        <p:spPr>
+          <a:xfrm>
+            <a:off x="6096841" y="1523814"/>
+            <a:ext cx="5713792" cy="4952813"/>
+          </a:xfrm>
+        </p:spPr>
+        <p:txBody>
+          <a:bodyPr lIns="180000">
+            <a:normAutofit/>
+          </a:bodyPr>
+          <a:lstStyle>
+            <a:lvl1pPr>
+              <a:defRPr sz="2963"/>
+            </a:lvl1pPr>
+            <a:lvl2pPr>
+              <a:defRPr sz="2540"/>
+            </a:lvl2pPr>
+            <a:lvl3pPr>
+              <a:defRPr sz="2117"/>
+            </a:lvl3pPr>
+            <a:lvl4pPr>
+              <a:defRPr sz="1905"/>
+            </a:lvl4pPr>
+            <a:lvl5pPr>
+              <a:defRPr sz="1905"/>
+            </a:lvl5pPr>
+            <a:lvl6pPr>
+              <a:defRPr sz="2400"/>
+            </a:lvl6pPr>
+            <a:lvl7pPr>
+              <a:defRPr sz="2400"/>
+            </a:lvl7pPr>
+            <a:lvl8pPr>
+              <a:defRPr sz="2400"/>
+            </a:lvl8pPr>
+            <a:lvl9pPr>
+              <a:defRPr sz="2400"/>
+            </a:lvl9pPr>
+          </a:lstStyle>
+          <a:p>
+            <a:pPr lvl="0"/>
+            <a:r>
+              <a:rPr lang="en-US" dirty="0"/>
+              <a:t>Click to edit Master text styles</a:t>
+            </a:r>
+          </a:p>
+          <a:p>
+            <a:pPr lvl="1"/>
+            <a:r>
+              <a:rPr lang="en-US" dirty="0"/>
+              <a:t>Second level</a:t>
+            </a:r>
+          </a:p>
+          <a:p>
+            <a:pPr lvl="2"/>
+            <a:r>
+              <a:rPr lang="en-US" dirty="0"/>
+              <a:t>Third level</a:t>
+            </a:r>
+          </a:p>
+          <a:p>
+            <a:pPr lvl="3"/>
+            <a:r>
+              <a:rPr lang="en-US" dirty="0"/>
+              <a:t>Fourth level</a:t>
+            </a:r>
+          </a:p>
+          <a:p>
+            <a:pPr lvl="4"/>
+            <a:r>
+              <a:rPr lang="en-US" dirty="0"/>
+              <a:t>Fifth level</a:t>
+            </a:r>
+          </a:p>
+        </p:txBody>
+      </p:sp>
+    </p:spTree>
+    <p:extLst>
+      <p:ext uri="{BB962C8B-B14F-4D97-AF65-F5344CB8AC3E}">
+        <p14:creationId xmlns:p14="http://schemas.microsoft.com/office/powerpoint/2010/main" val="1232236223"/>
+      </p:ext>
+    </p:extLst>
+  </p:cSld>
+  <p:clrMapOvr>
+    <a:masterClrMapping/>
+  </p:clrMapOvr>
+</p:sldLayout>
+</file>
+
+<file path=ppt/slideLayouts/slideLayout24.xml><?xml version="1.0" encoding="utf-8"?>
+<p:sldLayout xmlns:a="http://schemas.openxmlformats.org/drawingml/2006/main" xmlns:r="http://schemas.openxmlformats.org/officeDocument/2006/relationships" xmlns:p="http://schemas.openxmlformats.org/presentationml/2006/main" type="blank" preserve="1">
+  <p:cSld name="Blank">
+    <p:spTree>
+      <p:nvGrpSpPr>
+        <p:cNvPr id="1" name=""/>
+        <p:cNvGrpSpPr/>
+        <p:nvPr/>
+      </p:nvGrpSpPr>
+      <p:grpSpPr>
+        <a:xfrm>
+          <a:off x="0" y="0"/>
+          <a:ext cx="0" cy="0"/>
+          <a:chOff x="0" y="0"/>
+          <a:chExt cx="0" cy="0"/>
+        </a:xfrm>
+      </p:grpSpPr>
+    </p:spTree>
+    <p:extLst>
+      <p:ext uri="{BB962C8B-B14F-4D97-AF65-F5344CB8AC3E}">
+        <p14:creationId xmlns:p14="http://schemas.microsoft.com/office/powerpoint/2010/main" val="2566014007"/>
       </p:ext>
     </p:extLst>
   </p:cSld>
@@ -8325,7 +9381,7 @@
           <a:p>
             <a:fld id="{25F92A54-9A4B-4121-BE3C-2DD3D3E25C1F}" type="datetimeFigureOut">
               <a:rPr lang="en-US" smtClean="0"/>
-              <a:t>10/18/2017</a:t>
+              <a:t>3/1/2019</a:t>
             </a:fld>
             <a:endParaRPr lang="en-US"/>
           </a:p>
@@ -8561,7 +9617,7 @@
           <a:p>
             <a:fld id="{25F92A54-9A4B-4121-BE3C-2DD3D3E25C1F}" type="datetimeFigureOut">
               <a:rPr lang="en-US" smtClean="0"/>
-              <a:t>10/18/2017</a:t>
+              <a:t>3/1/2019</a:t>
             </a:fld>
             <a:endParaRPr lang="en-US"/>
           </a:p>
@@ -9027,7 +10083,7 @@
           <a:p>
             <a:fld id="{25F92A54-9A4B-4121-BE3C-2DD3D3E25C1F}" type="datetimeFigureOut">
               <a:rPr lang="en-US" smtClean="0"/>
-              <a:t>10/18/2017</a:t>
+              <a:t>3/1/2019</a:t>
             </a:fld>
             <a:endParaRPr lang="en-US"/>
           </a:p>
@@ -9145,7 +10201,7 @@
           <a:p>
             <a:fld id="{25F92A54-9A4B-4121-BE3C-2DD3D3E25C1F}" type="datetimeFigureOut">
               <a:rPr lang="en-US" smtClean="0"/>
-              <a:t>10/18/2017</a:t>
+              <a:t>3/1/2019</a:t>
             </a:fld>
             <a:endParaRPr lang="en-US"/>
           </a:p>
@@ -9240,7 +10296,7 @@
           <a:p>
             <a:fld id="{25F92A54-9A4B-4121-BE3C-2DD3D3E25C1F}" type="datetimeFigureOut">
               <a:rPr lang="en-US" smtClean="0"/>
-              <a:t>10/18/2017</a:t>
+              <a:t>3/1/2019</a:t>
             </a:fld>
             <a:endParaRPr lang="en-US"/>
           </a:p>
@@ -9495,7 +10551,7 @@
           <a:p>
             <a:fld id="{25F92A54-9A4B-4121-BE3C-2DD3D3E25C1F}" type="datetimeFigureOut">
               <a:rPr lang="en-US" smtClean="0"/>
-              <a:t>10/18/2017</a:t>
+              <a:t>3/1/2019</a:t>
             </a:fld>
             <a:endParaRPr lang="en-US"/>
           </a:p>
@@ -9795,7 +10851,7 @@
           <a:p>
             <a:fld id="{25F92A54-9A4B-4121-BE3C-2DD3D3E25C1F}" type="datetimeFigureOut">
               <a:rPr lang="en-US" smtClean="0"/>
-              <a:t>10/18/2017</a:t>
+              <a:t>3/1/2019</a:t>
             </a:fld>
             <a:endParaRPr lang="en-US"/>
           </a:p>
@@ -10029,7 +11085,7 @@
           <a:p>
             <a:fld id="{25F92A54-9A4B-4121-BE3C-2DD3D3E25C1F}" type="datetimeFigureOut">
               <a:rPr lang="en-US" smtClean="0"/>
-              <a:t>10/18/2017</a:t>
+              <a:t>3/1/2019</a:t>
             </a:fld>
             <a:endParaRPr lang="en-US"/>
           </a:p>
@@ -10686,6 +11742,521 @@
 </p:sldMaster>
 </file>
 
+<file path=ppt/slideMasters/slideMaster2.xml><?xml version="1.0" encoding="utf-8"?>
+<p:sldMaster xmlns:a="http://schemas.openxmlformats.org/drawingml/2006/main" xmlns:r="http://schemas.openxmlformats.org/officeDocument/2006/relationships" xmlns:p="http://schemas.openxmlformats.org/presentationml/2006/main">
+  <p:cSld>
+    <p:bg>
+      <p:bgRef idx="1001">
+        <a:schemeClr val="bg1"/>
+      </p:bgRef>
+    </p:bg>
+    <p:spTree>
+      <p:nvGrpSpPr>
+        <p:cNvPr id="1" name=""/>
+        <p:cNvGrpSpPr/>
+        <p:nvPr/>
+      </p:nvGrpSpPr>
+      <p:grpSpPr>
+        <a:xfrm>
+          <a:off x="0" y="0"/>
+          <a:ext cx="0" cy="0"/>
+          <a:chOff x="0" y="0"/>
+          <a:chExt cx="0" cy="0"/>
+        </a:xfrm>
+      </p:grpSpPr>
+      <p:sp>
+        <p:nvSpPr>
+          <p:cNvPr id="2" name="Title Placeholder 1"/>
+          <p:cNvSpPr>
+            <a:spLocks noGrp="1"/>
+          </p:cNvSpPr>
+          <p:nvPr>
+            <p:ph type="title"/>
+          </p:nvPr>
+        </p:nvSpPr>
+        <p:spPr>
+          <a:xfrm>
+            <a:off x="382082" y="381374"/>
+            <a:ext cx="11429516" cy="761979"/>
+          </a:xfrm>
+          <a:prstGeom prst="rect">
+            <a:avLst/>
+          </a:prstGeom>
+        </p:spPr>
+        <p:txBody>
+          <a:bodyPr vert="horz" lIns="0" tIns="0" rIns="0" bIns="0" rtlCol="0" anchor="ctr">
+            <a:noAutofit/>
+          </a:bodyPr>
+          <a:lstStyle/>
+          <a:p>
+            <a:r>
+              <a:rPr lang="en-US" dirty="0"/>
+              <a:t>Click to edit Master title style</a:t>
+            </a:r>
+          </a:p>
+        </p:txBody>
+      </p:sp>
+      <p:sp>
+        <p:nvSpPr>
+          <p:cNvPr id="3" name="Text Placeholder 2"/>
+          <p:cNvSpPr>
+            <a:spLocks noGrp="1"/>
+          </p:cNvSpPr>
+          <p:nvPr>
+            <p:ph type="body" idx="1"/>
+          </p:nvPr>
+        </p:nvSpPr>
+        <p:spPr>
+          <a:xfrm>
+            <a:off x="381116" y="1523761"/>
+            <a:ext cx="11429516" cy="4952866"/>
+          </a:xfrm>
+          <a:prstGeom prst="rect">
+            <a:avLst/>
+          </a:prstGeom>
+        </p:spPr>
+        <p:txBody>
+          <a:bodyPr vert="horz" lIns="0" tIns="0" rIns="0" bIns="0" rtlCol="0" anchor="t">
+            <a:normAutofit/>
+          </a:bodyPr>
+          <a:lstStyle/>
+          <a:p>
+            <a:pPr lvl="0"/>
+            <a:r>
+              <a:rPr lang="en-US" dirty="0"/>
+              <a:t>Click to edit Master text styles</a:t>
+            </a:r>
+          </a:p>
+          <a:p>
+            <a:pPr lvl="1"/>
+            <a:r>
+              <a:rPr lang="en-US" dirty="0"/>
+              <a:t>Second level</a:t>
+            </a:r>
+          </a:p>
+          <a:p>
+            <a:pPr lvl="2"/>
+            <a:r>
+              <a:rPr lang="en-US" dirty="0"/>
+              <a:t>Third level</a:t>
+            </a:r>
+          </a:p>
+          <a:p>
+            <a:pPr lvl="3"/>
+            <a:r>
+              <a:rPr lang="en-US" dirty="0"/>
+              <a:t>Fourth level</a:t>
+            </a:r>
+          </a:p>
+          <a:p>
+            <a:pPr lvl="4"/>
+            <a:r>
+              <a:rPr lang="en-US" dirty="0"/>
+              <a:t>Fifth level</a:t>
+            </a:r>
+          </a:p>
+        </p:txBody>
+      </p:sp>
+      <p:sp>
+        <p:nvSpPr>
+          <p:cNvPr id="7" name="TextBox 6"/>
+          <p:cNvSpPr txBox="1"/>
+          <p:nvPr userDrawn="1"/>
+        </p:nvSpPr>
+        <p:spPr>
+          <a:xfrm>
+            <a:off x="1680060" y="1220303"/>
+            <a:ext cx="184731" cy="461665"/>
+          </a:xfrm>
+          <a:prstGeom prst="rect">
+            <a:avLst/>
+          </a:prstGeom>
+          <a:noFill/>
+        </p:spPr>
+        <p:txBody>
+          <a:bodyPr wrap="none" rtlCol="0">
+            <a:spAutoFit/>
+          </a:bodyPr>
+          <a:lstStyle/>
+          <a:p>
+            <a:endParaRPr lang="en-US" sz="2400" dirty="0"/>
+          </a:p>
+        </p:txBody>
+      </p:sp>
+      <p:graphicFrame>
+        <p:nvGraphicFramePr>
+          <p:cNvPr id="9" name="Object 8"/>
+          <p:cNvGraphicFramePr>
+            <a:graphicFrameLocks noChangeAspect="1"/>
+          </p:cNvGraphicFramePr>
+          <p:nvPr userDrawn="1">
+            <p:extLst/>
+          </p:nvPr>
+        </p:nvGraphicFramePr>
+        <p:xfrm>
+          <a:off x="11338079" y="6286515"/>
+          <a:ext cx="663141" cy="380990"/>
+        </p:xfrm>
+        <a:graphic>
+          <a:graphicData uri="http://schemas.openxmlformats.org/presentationml/2006/ole">
+            <mc:AlternateContent xmlns:mc="http://schemas.openxmlformats.org/markup-compatibility/2006">
+              <mc:Choice xmlns:v="urn:schemas-microsoft-com:vml" Requires="v">
+                <p:oleObj spid="_x0000_s1026" name="Image" r:id="rId10" imgW="2279520" imgH="1310400" progId="Photoshop.Image.18">
+                  <p:embed/>
+                </p:oleObj>
+              </mc:Choice>
+              <mc:Fallback>
+                <p:oleObj name="Image" r:id="rId10" imgW="2279520" imgH="1310400" progId="Photoshop.Image.18">
+                  <p:embed/>
+                  <p:pic>
+                    <p:nvPicPr>
+                      <p:cNvPr id="9" name="Object 8"/>
+                      <p:cNvPicPr/>
+                      <p:nvPr/>
+                    </p:nvPicPr>
+                    <p:blipFill>
+                      <a:blip r:embed="rId11"/>
+                      <a:stretch>
+                        <a:fillRect/>
+                      </a:stretch>
+                    </p:blipFill>
+                    <p:spPr>
+                      <a:xfrm>
+                        <a:off x="11338079" y="6286515"/>
+                        <a:ext cx="663141" cy="380990"/>
+                      </a:xfrm>
+                      <a:prstGeom prst="rect">
+                        <a:avLst/>
+                      </a:prstGeom>
+                    </p:spPr>
+                  </p:pic>
+                </p:oleObj>
+              </mc:Fallback>
+            </mc:AlternateContent>
+          </a:graphicData>
+        </a:graphic>
+      </p:graphicFrame>
+    </p:spTree>
+    <p:extLst>
+      <p:ext uri="{BB962C8B-B14F-4D97-AF65-F5344CB8AC3E}">
+        <p14:creationId xmlns:p14="http://schemas.microsoft.com/office/powerpoint/2010/main" val="729578691"/>
+      </p:ext>
+    </p:extLst>
+  </p:cSld>
+  <p:clrMap bg1="lt1" tx1="dk1" bg2="lt2" tx2="dk2" accent1="accent1" accent2="accent2" accent3="accent3" accent4="accent4" accent5="accent5" accent6="accent6" hlink="hlink" folHlink="folHlink"/>
+  <p:sldLayoutIdLst>
+    <p:sldLayoutId id="2147483679" r:id="rId1"/>
+    <p:sldLayoutId id="2147483680" r:id="rId2"/>
+    <p:sldLayoutId id="2147483681" r:id="rId3"/>
+    <p:sldLayoutId id="2147483682" r:id="rId4"/>
+    <p:sldLayoutId id="2147483683" r:id="rId5"/>
+    <p:sldLayoutId id="2147483684" r:id="rId6"/>
+    <p:sldLayoutId id="2147483685" r:id="rId7"/>
+  </p:sldLayoutIdLst>
+  <p:txStyles>
+    <p:titleStyle>
+      <a:lvl1pPr algn="l" defTabSz="609608" rtl="0" eaLnBrk="1" latinLnBrk="0" hangingPunct="1">
+        <a:spcBef>
+          <a:spcPct val="0"/>
+        </a:spcBef>
+        <a:buNone/>
+        <a:defRPr sz="4657" kern="1200">
+          <a:solidFill>
+            <a:schemeClr val="accent1"/>
+          </a:solidFill>
+          <a:latin typeface="+mj-lt"/>
+          <a:ea typeface="+mj-ea"/>
+          <a:cs typeface="+mj-cs"/>
+        </a:defRPr>
+      </a:lvl1pPr>
+    </p:titleStyle>
+    <p:bodyStyle>
+      <a:lvl1pPr marL="0" indent="0" algn="l" defTabSz="609608" rtl="0" eaLnBrk="1" latinLnBrk="0" hangingPunct="1">
+        <a:spcBef>
+          <a:spcPct val="20000"/>
+        </a:spcBef>
+        <a:buFont typeface="Wingdings" charset="2"/>
+        <a:buNone/>
+        <a:defRPr sz="3810" kern="1200">
+          <a:solidFill>
+            <a:schemeClr val="tx2"/>
+          </a:solidFill>
+          <a:latin typeface="+mn-lt"/>
+          <a:ea typeface="+mn-ea"/>
+          <a:cs typeface="+mn-cs"/>
+        </a:defRPr>
+      </a:lvl1pPr>
+      <a:lvl2pPr marL="609609" indent="0" algn="l" defTabSz="609608" rtl="0" eaLnBrk="1" latinLnBrk="0" hangingPunct="1">
+        <a:spcBef>
+          <a:spcPct val="20000"/>
+        </a:spcBef>
+        <a:buFont typeface="Wingdings" charset="2"/>
+        <a:buNone/>
+        <a:defRPr sz="3387" kern="1200">
+          <a:solidFill>
+            <a:schemeClr val="tx2"/>
+          </a:solidFill>
+          <a:latin typeface="+mn-lt"/>
+          <a:ea typeface="+mn-ea"/>
+          <a:cs typeface="+mn-cs"/>
+        </a:defRPr>
+      </a:lvl2pPr>
+      <a:lvl3pPr marL="1219218" indent="0" algn="l" defTabSz="609608" rtl="0" eaLnBrk="1" latinLnBrk="0" hangingPunct="1">
+        <a:spcBef>
+          <a:spcPct val="20000"/>
+        </a:spcBef>
+        <a:buFont typeface="Wingdings" charset="2"/>
+        <a:buNone/>
+        <a:defRPr sz="2540" kern="1200">
+          <a:solidFill>
+            <a:schemeClr val="tx2"/>
+          </a:solidFill>
+          <a:latin typeface="+mn-lt"/>
+          <a:ea typeface="+mn-ea"/>
+          <a:cs typeface="+mn-cs"/>
+        </a:defRPr>
+      </a:lvl3pPr>
+      <a:lvl4pPr marL="1828826" indent="0" algn="l" defTabSz="609608" rtl="0" eaLnBrk="1" latinLnBrk="0" hangingPunct="1">
+        <a:spcBef>
+          <a:spcPct val="20000"/>
+        </a:spcBef>
+        <a:buFont typeface="Wingdings" charset="2"/>
+        <a:buNone/>
+        <a:defRPr sz="2540" kern="1200">
+          <a:solidFill>
+            <a:schemeClr val="tx2"/>
+          </a:solidFill>
+          <a:latin typeface="+mn-lt"/>
+          <a:ea typeface="+mn-ea"/>
+          <a:cs typeface="+mn-cs"/>
+        </a:defRPr>
+      </a:lvl4pPr>
+      <a:lvl5pPr marL="2438434" indent="0" algn="l" defTabSz="609608" rtl="0" eaLnBrk="1" latinLnBrk="0" hangingPunct="1">
+        <a:spcBef>
+          <a:spcPct val="20000"/>
+        </a:spcBef>
+        <a:buFont typeface="Wingdings" charset="2"/>
+        <a:buNone/>
+        <a:defRPr sz="2117" kern="1200">
+          <a:solidFill>
+            <a:schemeClr val="tx2"/>
+          </a:solidFill>
+          <a:latin typeface="+mn-lt"/>
+          <a:ea typeface="+mn-ea"/>
+          <a:cs typeface="+mn-cs"/>
+        </a:defRPr>
+      </a:lvl5pPr>
+      <a:lvl6pPr marL="3352848" indent="-304804" algn="l" defTabSz="609608" rtl="0" eaLnBrk="1" latinLnBrk="0" hangingPunct="1">
+        <a:spcBef>
+          <a:spcPct val="20000"/>
+        </a:spcBef>
+        <a:buFont typeface="Arial"/>
+        <a:buChar char="•"/>
+        <a:defRPr sz="2667" kern="1200">
+          <a:solidFill>
+            <a:schemeClr val="tx1"/>
+          </a:solidFill>
+          <a:latin typeface="+mn-lt"/>
+          <a:ea typeface="+mn-ea"/>
+          <a:cs typeface="+mn-cs"/>
+        </a:defRPr>
+      </a:lvl6pPr>
+      <a:lvl7pPr marL="3962456" indent="-304804" algn="l" defTabSz="609608" rtl="0" eaLnBrk="1" latinLnBrk="0" hangingPunct="1">
+        <a:spcBef>
+          <a:spcPct val="20000"/>
+        </a:spcBef>
+        <a:buFont typeface="Arial"/>
+        <a:buChar char="•"/>
+        <a:defRPr sz="2667" kern="1200">
+          <a:solidFill>
+            <a:schemeClr val="tx1"/>
+          </a:solidFill>
+          <a:latin typeface="+mn-lt"/>
+          <a:ea typeface="+mn-ea"/>
+          <a:cs typeface="+mn-cs"/>
+        </a:defRPr>
+      </a:lvl7pPr>
+      <a:lvl8pPr marL="4572064" indent="-304804" algn="l" defTabSz="609608" rtl="0" eaLnBrk="1" latinLnBrk="0" hangingPunct="1">
+        <a:spcBef>
+          <a:spcPct val="20000"/>
+        </a:spcBef>
+        <a:buFont typeface="Arial"/>
+        <a:buChar char="•"/>
+        <a:defRPr sz="2667" kern="1200">
+          <a:solidFill>
+            <a:schemeClr val="tx1"/>
+          </a:solidFill>
+          <a:latin typeface="+mn-lt"/>
+          <a:ea typeface="+mn-ea"/>
+          <a:cs typeface="+mn-cs"/>
+        </a:defRPr>
+      </a:lvl8pPr>
+      <a:lvl9pPr marL="5181673" indent="-304804" algn="l" defTabSz="609608" rtl="0" eaLnBrk="1" latinLnBrk="0" hangingPunct="1">
+        <a:spcBef>
+          <a:spcPct val="20000"/>
+        </a:spcBef>
+        <a:buFont typeface="Arial"/>
+        <a:buChar char="•"/>
+        <a:defRPr sz="2667" kern="1200">
+          <a:solidFill>
+            <a:schemeClr val="tx1"/>
+          </a:solidFill>
+          <a:latin typeface="+mn-lt"/>
+          <a:ea typeface="+mn-ea"/>
+          <a:cs typeface="+mn-cs"/>
+        </a:defRPr>
+      </a:lvl9pPr>
+    </p:bodyStyle>
+    <p:otherStyle>
+      <a:defPPr>
+        <a:defRPr lang="en-US"/>
+      </a:defPPr>
+      <a:lvl1pPr marL="0" algn="l" defTabSz="609608" rtl="0" eaLnBrk="1" latinLnBrk="0" hangingPunct="1">
+        <a:defRPr sz="2400" kern="1200">
+          <a:solidFill>
+            <a:schemeClr val="tx1"/>
+          </a:solidFill>
+          <a:latin typeface="+mn-lt"/>
+          <a:ea typeface="+mn-ea"/>
+          <a:cs typeface="+mn-cs"/>
+        </a:defRPr>
+      </a:lvl1pPr>
+      <a:lvl2pPr marL="609608" algn="l" defTabSz="609608" rtl="0" eaLnBrk="1" latinLnBrk="0" hangingPunct="1">
+        <a:defRPr sz="2400" kern="1200">
+          <a:solidFill>
+            <a:schemeClr val="tx1"/>
+          </a:solidFill>
+          <a:latin typeface="+mn-lt"/>
+          <a:ea typeface="+mn-ea"/>
+          <a:cs typeface="+mn-cs"/>
+        </a:defRPr>
+      </a:lvl2pPr>
+      <a:lvl3pPr marL="1219218" algn="l" defTabSz="609608" rtl="0" eaLnBrk="1" latinLnBrk="0" hangingPunct="1">
+        <a:defRPr sz="2400" kern="1200">
+          <a:solidFill>
+            <a:schemeClr val="tx1"/>
+          </a:solidFill>
+          <a:latin typeface="+mn-lt"/>
+          <a:ea typeface="+mn-ea"/>
+          <a:cs typeface="+mn-cs"/>
+        </a:defRPr>
+      </a:lvl3pPr>
+      <a:lvl4pPr marL="1828826" algn="l" defTabSz="609608" rtl="0" eaLnBrk="1" latinLnBrk="0" hangingPunct="1">
+        <a:defRPr sz="2400" kern="1200">
+          <a:solidFill>
+            <a:schemeClr val="tx1"/>
+          </a:solidFill>
+          <a:latin typeface="+mn-lt"/>
+          <a:ea typeface="+mn-ea"/>
+          <a:cs typeface="+mn-cs"/>
+        </a:defRPr>
+      </a:lvl4pPr>
+      <a:lvl5pPr marL="2438434" algn="l" defTabSz="609608" rtl="0" eaLnBrk="1" latinLnBrk="0" hangingPunct="1">
+        <a:defRPr sz="2400" kern="1200">
+          <a:solidFill>
+            <a:schemeClr val="tx1"/>
+          </a:solidFill>
+          <a:latin typeface="+mn-lt"/>
+          <a:ea typeface="+mn-ea"/>
+          <a:cs typeface="+mn-cs"/>
+        </a:defRPr>
+      </a:lvl5pPr>
+      <a:lvl6pPr marL="3048043" algn="l" defTabSz="609608" rtl="0" eaLnBrk="1" latinLnBrk="0" hangingPunct="1">
+        <a:defRPr sz="2400" kern="1200">
+          <a:solidFill>
+            <a:schemeClr val="tx1"/>
+          </a:solidFill>
+          <a:latin typeface="+mn-lt"/>
+          <a:ea typeface="+mn-ea"/>
+          <a:cs typeface="+mn-cs"/>
+        </a:defRPr>
+      </a:lvl6pPr>
+      <a:lvl7pPr marL="3657652" algn="l" defTabSz="609608" rtl="0" eaLnBrk="1" latinLnBrk="0" hangingPunct="1">
+        <a:defRPr sz="2400" kern="1200">
+          <a:solidFill>
+            <a:schemeClr val="tx1"/>
+          </a:solidFill>
+          <a:latin typeface="+mn-lt"/>
+          <a:ea typeface="+mn-ea"/>
+          <a:cs typeface="+mn-cs"/>
+        </a:defRPr>
+      </a:lvl7pPr>
+      <a:lvl8pPr marL="4267260" algn="l" defTabSz="609608" rtl="0" eaLnBrk="1" latinLnBrk="0" hangingPunct="1">
+        <a:defRPr sz="2400" kern="1200">
+          <a:solidFill>
+            <a:schemeClr val="tx1"/>
+          </a:solidFill>
+          <a:latin typeface="+mn-lt"/>
+          <a:ea typeface="+mn-ea"/>
+          <a:cs typeface="+mn-cs"/>
+        </a:defRPr>
+      </a:lvl8pPr>
+      <a:lvl9pPr marL="4876869" algn="l" defTabSz="609608" rtl="0" eaLnBrk="1" latinLnBrk="0" hangingPunct="1">
+        <a:defRPr sz="2400" kern="1200">
+          <a:solidFill>
+            <a:schemeClr val="tx1"/>
+          </a:solidFill>
+          <a:latin typeface="+mn-lt"/>
+          <a:ea typeface="+mn-ea"/>
+          <a:cs typeface="+mn-cs"/>
+        </a:defRPr>
+      </a:lvl9pPr>
+    </p:otherStyle>
+  </p:txStyles>
+  <p:extLst mod="1">
+    <p:ext uri="{27BBF7A9-308A-43DC-89C8-2F10F3537804}">
+      <p15:sldGuideLst xmlns:p15="http://schemas.microsoft.com/office/powerpoint/2012/main">
+        <p15:guide id="1" orient="horz" pos="2381">
+          <p15:clr>
+            <a:srgbClr val="F26B43"/>
+          </p15:clr>
+        </p15:guide>
+        <p15:guide id="2" pos="3629">
+          <p15:clr>
+            <a:srgbClr val="F26B43"/>
+          </p15:clr>
+        </p15:guide>
+        <p15:guide id="3" pos="7030">
+          <p15:clr>
+            <a:srgbClr val="F26B43"/>
+          </p15:clr>
+        </p15:guide>
+        <p15:guide id="4" pos="227">
+          <p15:clr>
+            <a:srgbClr val="F26B43"/>
+          </p15:clr>
+        </p15:guide>
+        <p15:guide id="5" orient="horz" pos="227">
+          <p15:clr>
+            <a:srgbClr val="F26B43"/>
+          </p15:clr>
+        </p15:guide>
+        <p15:guide id="7" orient="horz" pos="680">
+          <p15:clr>
+            <a:srgbClr val="F26B43"/>
+          </p15:clr>
+        </p15:guide>
+        <p15:guide id="8" orient="horz" pos="907">
+          <p15:clr>
+            <a:srgbClr val="F26B43"/>
+          </p15:clr>
+        </p15:guide>
+        <p15:guide id="9" orient="horz" pos="3855">
+          <p15:clr>
+            <a:srgbClr val="F26B43"/>
+          </p15:clr>
+        </p15:guide>
+        <p15:guide id="10" orient="horz" pos="2041">
+          <p15:clr>
+            <a:srgbClr val="F26B43"/>
+          </p15:clr>
+        </p15:guide>
+      </p15:sldGuideLst>
+    </p:ext>
+  </p:extLst>
+</p:sldMaster>
+</file>
+
 <file path=ppt/slides/slide1.xml><?xml version="1.0" encoding="utf-8"?>
 <p:sld xmlns:a="http://schemas.openxmlformats.org/drawingml/2006/main" xmlns:r="http://schemas.openxmlformats.org/officeDocument/2006/relationships" xmlns:p="http://schemas.openxmlformats.org/presentationml/2006/main">
   <p:cSld>
@@ -10713,26 +12284,190 @@
             <p:ph type="ctrTitle"/>
           </p:nvPr>
         </p:nvSpPr>
-        <p:spPr/>
+        <p:spPr>
+          <a:xfrm>
+            <a:off x="281854" y="151502"/>
+            <a:ext cx="8530785" cy="1051130"/>
+          </a:xfrm>
+        </p:spPr>
         <p:txBody>
           <a:bodyPr/>
           <a:lstStyle/>
           <a:p>
             <a:r>
               <a:rPr lang="en-US" dirty="0"/>
-              <a:t>the wonders of modern SQL administration</a:t>
+              <a:t>Gold Sponsors</a:t>
             </a:r>
           </a:p>
         </p:txBody>
       </p:sp>
+      <p:pic>
+        <p:nvPicPr>
+          <p:cNvPr id="5" name="Picture 4">
+            <a:extLst>
+              <a:ext uri="{FF2B5EF4-FFF2-40B4-BE49-F238E27FC236}">
+                <a16:creationId xmlns:a16="http://schemas.microsoft.com/office/drawing/2014/main" id="{05E64074-BF0B-42C7-BDF4-021632329B81}"/>
+              </a:ext>
+            </a:extLst>
+          </p:cNvPr>
+          <p:cNvPicPr>
+            <a:picLocks noChangeAspect="1"/>
+          </p:cNvPicPr>
+          <p:nvPr/>
+        </p:nvPicPr>
+        <p:blipFill>
+          <a:blip r:embed="rId2"/>
+          <a:stretch>
+            <a:fillRect/>
+          </a:stretch>
+        </p:blipFill>
+        <p:spPr>
+          <a:xfrm>
+            <a:off x="469086" y="1472041"/>
+            <a:ext cx="4334769" cy="1304639"/>
+          </a:xfrm>
+          <a:prstGeom prst="rect">
+            <a:avLst/>
+          </a:prstGeom>
+        </p:spPr>
+      </p:pic>
+      <p:pic>
+        <p:nvPicPr>
+          <p:cNvPr id="7" name="Picture 6">
+            <a:extLst>
+              <a:ext uri="{FF2B5EF4-FFF2-40B4-BE49-F238E27FC236}">
+                <a16:creationId xmlns:a16="http://schemas.microsoft.com/office/drawing/2014/main" id="{2A4537B6-0F45-44A2-9834-0EC9AD783916}"/>
+              </a:ext>
+            </a:extLst>
+          </p:cNvPr>
+          <p:cNvPicPr>
+            <a:picLocks noChangeAspect="1"/>
+          </p:cNvPicPr>
+          <p:nvPr/>
+        </p:nvPicPr>
+        <p:blipFill>
+          <a:blip r:embed="rId3"/>
+          <a:stretch>
+            <a:fillRect/>
+          </a:stretch>
+        </p:blipFill>
+        <p:spPr>
+          <a:xfrm>
+            <a:off x="469086" y="3362222"/>
+            <a:ext cx="5815467" cy="764533"/>
+          </a:xfrm>
+          <a:prstGeom prst="rect">
+            <a:avLst/>
+          </a:prstGeom>
+        </p:spPr>
+      </p:pic>
+      <p:pic>
+        <p:nvPicPr>
+          <p:cNvPr id="10" name="Picture 9">
+            <a:extLst>
+              <a:ext uri="{FF2B5EF4-FFF2-40B4-BE49-F238E27FC236}">
+                <a16:creationId xmlns:a16="http://schemas.microsoft.com/office/drawing/2014/main" id="{3B55F4E2-B7FE-4685-A4C9-40B3DC58F5F3}"/>
+              </a:ext>
+            </a:extLst>
+          </p:cNvPr>
+          <p:cNvPicPr>
+            <a:picLocks noChangeAspect="1"/>
+          </p:cNvPicPr>
+          <p:nvPr/>
+        </p:nvPicPr>
+        <p:blipFill>
+          <a:blip r:embed="rId4"/>
+          <a:stretch>
+            <a:fillRect/>
+          </a:stretch>
+        </p:blipFill>
+        <p:spPr>
+          <a:xfrm>
+            <a:off x="469086" y="4400373"/>
+            <a:ext cx="3758848" cy="1885973"/>
+          </a:xfrm>
+          <a:prstGeom prst="rect">
+            <a:avLst/>
+          </a:prstGeom>
+        </p:spPr>
+      </p:pic>
+      <p:pic>
+        <p:nvPicPr>
+          <p:cNvPr id="12" name="Picture 11">
+            <a:extLst>
+              <a:ext uri="{FF2B5EF4-FFF2-40B4-BE49-F238E27FC236}">
+                <a16:creationId xmlns:a16="http://schemas.microsoft.com/office/drawing/2014/main" id="{0BC343D0-0293-4900-917B-9B5FF7A80A0F}"/>
+              </a:ext>
+            </a:extLst>
+          </p:cNvPr>
+          <p:cNvPicPr>
+            <a:picLocks noChangeAspect="1"/>
+          </p:cNvPicPr>
+          <p:nvPr/>
+        </p:nvPicPr>
+        <p:blipFill rotWithShape="1">
+          <a:blip r:embed="rId5"/>
+          <a:srcRect l="31539" t="13998" b="15535"/>
+          <a:stretch/>
+        </p:blipFill>
+        <p:spPr>
+          <a:xfrm>
+            <a:off x="9109103" y="3003799"/>
+            <a:ext cx="3304810" cy="850403"/>
+          </a:xfrm>
+          <a:prstGeom prst="rect">
+            <a:avLst/>
+          </a:prstGeom>
+          <a:solidFill>
+            <a:schemeClr val="bg1"/>
+          </a:solidFill>
+        </p:spPr>
+      </p:pic>
+    </p:spTree>
+    <p:extLst>
+      <p:ext uri="{BB962C8B-B14F-4D97-AF65-F5344CB8AC3E}">
+        <p14:creationId xmlns:p14="http://schemas.microsoft.com/office/powerpoint/2010/main" val="475805025"/>
+      </p:ext>
+    </p:extLst>
+  </p:cSld>
+  <p:clrMapOvr>
+    <a:masterClrMapping/>
+  </p:clrMapOvr>
+  <p:timing>
+    <p:tnLst>
+      <p:par>
+        <p:cTn id="1" dur="indefinite" restart="never" nodeType="tmRoot"/>
+      </p:par>
+    </p:tnLst>
+  </p:timing>
+</p:sld>
+</file>
+
+<file path=ppt/slides/slide10.xml><?xml version="1.0" encoding="utf-8"?>
+<p:sld xmlns:a="http://schemas.openxmlformats.org/drawingml/2006/main" xmlns:r="http://schemas.openxmlformats.org/officeDocument/2006/relationships" xmlns:p="http://schemas.openxmlformats.org/presentationml/2006/main" show="0">
+  <p:cSld>
+    <p:spTree>
+      <p:nvGrpSpPr>
+        <p:cNvPr id="1" name=""/>
+        <p:cNvGrpSpPr/>
+        <p:nvPr/>
+      </p:nvGrpSpPr>
+      <p:grpSpPr>
+        <a:xfrm>
+          <a:off x="0" y="0"/>
+          <a:ext cx="0" cy="0"/>
+          <a:chOff x="0" y="0"/>
+          <a:chExt cx="0" cy="0"/>
+        </a:xfrm>
+      </p:grpSpPr>
       <p:sp>
         <p:nvSpPr>
-          <p:cNvPr id="3" name="Subtitle 2"/>
+          <p:cNvPr id="2" name="Title 1"/>
           <p:cNvSpPr>
             <a:spLocks noGrp="1"/>
           </p:cNvSpPr>
           <p:nvPr>
-            <p:ph type="subTitle" idx="1"/>
+            <p:ph type="title"/>
           </p:nvPr>
         </p:nvSpPr>
         <p:spPr/>
@@ -10741,20 +12476,12 @@
           <a:lstStyle/>
           <a:p>
             <a:r>
+              <a:rPr lang="en-CA" dirty="0" err="1"/>
+              <a:t>ps</a:t>
+            </a:r>
+            <a:r>
               <a:rPr lang="en-CA" dirty="0"/>
-              <a:t>…with </a:t>
-            </a:r>
-            <a:r>
-              <a:rPr lang="en-CA" dirty="0" err="1"/>
-              <a:t>Powershell</a:t>
-            </a:r>
-            <a:r>
-              <a:rPr lang="en-CA" dirty="0"/>
-              <a:t> and </a:t>
-            </a:r>
-            <a:r>
-              <a:rPr lang="en-CA" dirty="0" err="1"/>
-              <a:t>dbatools</a:t>
+              <a:t> modules</a:t>
             </a:r>
             <a:endParaRPr lang="en-US" dirty="0"/>
           </a:p>
@@ -10762,461 +12489,182 @@
       </p:sp>
       <p:sp>
         <p:nvSpPr>
-          <p:cNvPr id="4" name="Subtitle 2"/>
-          <p:cNvSpPr txBox="1">
-            <a:spLocks/>
+          <p:cNvPr id="3" name="Content Placeholder 2"/>
+          <p:cNvSpPr>
+            <a:spLocks noGrp="1"/>
           </p:cNvSpPr>
+          <p:nvPr>
+            <p:ph idx="1"/>
+          </p:nvPr>
+        </p:nvSpPr>
+        <p:spPr/>
+        <p:txBody>
+          <a:bodyPr/>
+          <a:lstStyle/>
+          <a:p>
+            <a:r>
+              <a:rPr lang="en-CA" dirty="0"/>
+              <a:t>Module</a:t>
+            </a:r>
+          </a:p>
+          <a:p>
+            <a:pPr lvl="1"/>
+            <a:r>
+              <a:rPr lang="en-CA" dirty="0"/>
+              <a:t>A </a:t>
+            </a:r>
+            <a:r>
+              <a:rPr lang="en-US" dirty="0">
+                <a:effectLst/>
+              </a:rPr>
+              <a:t>set of related PowerShell functionalities, grouped together as a convenient unit</a:t>
+            </a:r>
+          </a:p>
+          <a:p>
+            <a:pPr lvl="1"/>
+            <a:r>
+              <a:rPr lang="en-CA" dirty="0">
+                <a:effectLst/>
+              </a:rPr>
+              <a:t>Contains script files and assemblies we can use in our code once the module is loaded</a:t>
+            </a:r>
+          </a:p>
+          <a:p>
+            <a:pPr lvl="1"/>
+            <a:endParaRPr lang="en-CA" dirty="0">
+              <a:effectLst/>
+            </a:endParaRPr>
+          </a:p>
+          <a:p>
+            <a:r>
+              <a:rPr lang="en-CA" dirty="0">
+                <a:effectLst/>
+              </a:rPr>
+              <a:t>How to install/load module:</a:t>
+            </a:r>
+          </a:p>
+          <a:p>
+            <a:pPr lvl="1"/>
+            <a:r>
+              <a:rPr lang="en-CA" dirty="0">
+                <a:effectLst/>
+              </a:rPr>
+              <a:t>Run Import-Module &lt;path&gt;</a:t>
+            </a:r>
+          </a:p>
+          <a:p>
+            <a:pPr lvl="1"/>
+            <a:r>
+              <a:rPr lang="en-CA" dirty="0">
+                <a:effectLst/>
+              </a:rPr>
+              <a:t>Put module </a:t>
+            </a:r>
+            <a:r>
+              <a:rPr lang="en-CA" u="sng" dirty="0">
+                <a:effectLst/>
+              </a:rPr>
+              <a:t>folder</a:t>
+            </a:r>
+            <a:r>
+              <a:rPr lang="en-CA" dirty="0">
+                <a:effectLst/>
+              </a:rPr>
+              <a:t> into one of the directories specified in: $</a:t>
+            </a:r>
+            <a:r>
+              <a:rPr lang="en-CA" dirty="0" err="1">
+                <a:effectLst/>
+              </a:rPr>
+              <a:t>env:PSModulePath</a:t>
+            </a:r>
+            <a:endParaRPr lang="en-US" dirty="0">
+              <a:effectLst/>
+            </a:endParaRPr>
+          </a:p>
+          <a:p>
+            <a:pPr lvl="1"/>
+            <a:endParaRPr lang="en-CA" dirty="0">
+              <a:effectLst/>
+            </a:endParaRPr>
+          </a:p>
+          <a:p>
+            <a:pPr lvl="1"/>
+            <a:endParaRPr lang="en-US" dirty="0"/>
+          </a:p>
+        </p:txBody>
+      </p:sp>
+      <p:pic>
+        <p:nvPicPr>
+          <p:cNvPr id="6" name="Picture 5"/>
+          <p:cNvPicPr>
+            <a:picLocks noChangeAspect="1"/>
+          </p:cNvPicPr>
           <p:nvPr/>
-        </p:nvSpPr>
+        </p:nvPicPr>
+        <p:blipFill rotWithShape="1">
+          <a:blip r:embed="rId2"/>
+          <a:srcRect l="221"/>
+          <a:stretch/>
+        </p:blipFill>
         <p:spPr>
           <a:xfrm>
-            <a:off x="1303637" y="6333067"/>
-            <a:ext cx="9440034" cy="524934"/>
+            <a:off x="3630168" y="4892043"/>
+            <a:ext cx="4931936" cy="1133333"/>
           </a:xfrm>
           <a:prstGeom prst="rect">
             <a:avLst/>
           </a:prstGeom>
+          <a:solidFill>
+            <a:srgbClr val="000000">
+              <a:shade val="95000"/>
+            </a:srgbClr>
+          </a:solidFill>
+          <a:ln w="57150" cap="sq">
+            <a:solidFill>
+              <a:srgbClr val="000000"/>
+            </a:solidFill>
+            <a:miter lim="800000"/>
+          </a:ln>
           <a:effectLst>
-            <a:outerShdw blurRad="25400" dir="17880000">
+            <a:outerShdw blurRad="254000" dist="190500" dir="2700000" sy="90000" algn="bl" rotWithShape="0">
               <a:srgbClr val="000000">
-                <a:alpha val="46000"/>
+                <a:alpha val="40000"/>
               </a:srgbClr>
             </a:outerShdw>
           </a:effectLst>
-        </p:spPr>
-        <p:txBody>
-          <a:bodyPr vert="horz" lIns="91440" tIns="45720" rIns="91440" bIns="45720" rtlCol="0" anchor="t">
-            <a:normAutofit/>
-          </a:bodyPr>
-          <a:lstStyle>
-            <a:lvl1pPr marL="0" indent="0" algn="ctr" defTabSz="457200" rtl="0" eaLnBrk="1" latinLnBrk="0" hangingPunct="1">
-              <a:spcBef>
-                <a:spcPct val="20000"/>
-              </a:spcBef>
-              <a:spcAft>
-                <a:spcPts val="600"/>
-              </a:spcAft>
-              <a:buClr>
-                <a:schemeClr val="tx2"/>
-              </a:buClr>
-              <a:buSzPct val="70000"/>
-              <a:buFont typeface="Wingdings 2" charset="2"/>
-              <a:buNone/>
-              <a:defRPr sz="2000" kern="1200">
-                <a:ln>
-                  <a:solidFill>
-                    <a:schemeClr val="bg1">
-                      <a:lumMod val="75000"/>
-                      <a:lumOff val="25000"/>
-                      <a:alpha val="10000"/>
-                    </a:schemeClr>
-                  </a:solidFill>
-                </a:ln>
-                <a:solidFill>
-                  <a:schemeClr val="tx1"/>
-                </a:solidFill>
-                <a:effectLst>
-                  <a:outerShdw blurRad="9525" dist="25400" dir="14640000" algn="tl" rotWithShape="0">
-                    <a:schemeClr val="bg1">
-                      <a:alpha val="30000"/>
-                    </a:schemeClr>
-                  </a:outerShdw>
-                </a:effectLst>
-                <a:latin typeface="+mn-lt"/>
-                <a:ea typeface="+mn-ea"/>
-                <a:cs typeface="+mn-cs"/>
-              </a:defRPr>
-            </a:lvl1pPr>
-            <a:lvl2pPr marL="457200" indent="0" algn="ctr" defTabSz="457200" rtl="0" eaLnBrk="1" latinLnBrk="0" hangingPunct="1">
-              <a:spcBef>
-                <a:spcPct val="20000"/>
-              </a:spcBef>
-              <a:spcAft>
-                <a:spcPts val="600"/>
-              </a:spcAft>
-              <a:buClr>
-                <a:schemeClr val="tx2"/>
-              </a:buClr>
-              <a:buSzPct val="70000"/>
-              <a:buFont typeface="Wingdings 2" charset="2"/>
-              <a:buNone/>
-              <a:defRPr sz="1800" kern="1200">
-                <a:ln>
-                  <a:solidFill>
-                    <a:schemeClr val="bg1">
-                      <a:lumMod val="75000"/>
-                      <a:lumOff val="25000"/>
-                      <a:alpha val="10000"/>
-                    </a:schemeClr>
-                  </a:solidFill>
-                </a:ln>
-                <a:solidFill>
-                  <a:schemeClr val="tx1">
-                    <a:tint val="75000"/>
-                  </a:schemeClr>
-                </a:solidFill>
-                <a:effectLst>
-                  <a:outerShdw blurRad="9525" dist="25400" dir="14640000" algn="tl" rotWithShape="0">
-                    <a:schemeClr val="bg1">
-                      <a:alpha val="30000"/>
-                    </a:schemeClr>
-                  </a:outerShdw>
-                </a:effectLst>
-                <a:latin typeface="+mn-lt"/>
-                <a:ea typeface="+mn-ea"/>
-                <a:cs typeface="+mn-cs"/>
-              </a:defRPr>
-            </a:lvl2pPr>
-            <a:lvl3pPr marL="914400" indent="0" algn="ctr" defTabSz="457200" rtl="0" eaLnBrk="1" latinLnBrk="0" hangingPunct="1">
-              <a:spcBef>
-                <a:spcPct val="20000"/>
-              </a:spcBef>
-              <a:spcAft>
-                <a:spcPts val="600"/>
-              </a:spcAft>
-              <a:buClr>
-                <a:schemeClr val="tx2"/>
-              </a:buClr>
-              <a:buSzPct val="70000"/>
-              <a:buFont typeface="Wingdings 2" charset="2"/>
-              <a:buNone/>
-              <a:defRPr sz="1600" kern="1200">
-                <a:ln>
-                  <a:solidFill>
-                    <a:schemeClr val="bg1">
-                      <a:lumMod val="75000"/>
-                      <a:lumOff val="25000"/>
-                      <a:alpha val="10000"/>
-                    </a:schemeClr>
-                  </a:solidFill>
-                </a:ln>
-                <a:solidFill>
-                  <a:schemeClr val="tx1">
-                    <a:tint val="75000"/>
-                  </a:schemeClr>
-                </a:solidFill>
-                <a:effectLst>
-                  <a:outerShdw blurRad="9525" dist="25400" dir="14640000" algn="tl" rotWithShape="0">
-                    <a:schemeClr val="bg1">
-                      <a:alpha val="30000"/>
-                    </a:schemeClr>
-                  </a:outerShdw>
-                </a:effectLst>
-                <a:latin typeface="+mn-lt"/>
-                <a:ea typeface="+mn-ea"/>
-                <a:cs typeface="+mn-cs"/>
-              </a:defRPr>
-            </a:lvl3pPr>
-            <a:lvl4pPr marL="1371600" indent="0" algn="ctr" defTabSz="457200" rtl="0" eaLnBrk="1" latinLnBrk="0" hangingPunct="1">
-              <a:spcBef>
-                <a:spcPct val="20000"/>
-              </a:spcBef>
-              <a:spcAft>
-                <a:spcPts val="600"/>
-              </a:spcAft>
-              <a:buClr>
-                <a:schemeClr val="tx2"/>
-              </a:buClr>
-              <a:buSzPct val="70000"/>
-              <a:buFont typeface="Wingdings 2" charset="2"/>
-              <a:buNone/>
-              <a:defRPr sz="1400" kern="1200">
-                <a:ln>
-                  <a:solidFill>
-                    <a:schemeClr val="bg1">
-                      <a:lumMod val="75000"/>
-                      <a:lumOff val="25000"/>
-                      <a:alpha val="10000"/>
-                    </a:schemeClr>
-                  </a:solidFill>
-                </a:ln>
-                <a:solidFill>
-                  <a:schemeClr val="tx1">
-                    <a:tint val="75000"/>
-                  </a:schemeClr>
-                </a:solidFill>
-                <a:effectLst>
-                  <a:outerShdw blurRad="9525" dist="25400" dir="14640000" algn="tl" rotWithShape="0">
-                    <a:schemeClr val="bg1">
-                      <a:alpha val="30000"/>
-                    </a:schemeClr>
-                  </a:outerShdw>
-                </a:effectLst>
-                <a:latin typeface="+mn-lt"/>
-                <a:ea typeface="+mn-ea"/>
-                <a:cs typeface="+mn-cs"/>
-              </a:defRPr>
-            </a:lvl4pPr>
-            <a:lvl5pPr marL="1828800" indent="0" algn="ctr" defTabSz="457200" rtl="0" eaLnBrk="1" latinLnBrk="0" hangingPunct="1">
-              <a:spcBef>
-                <a:spcPct val="20000"/>
-              </a:spcBef>
-              <a:spcAft>
-                <a:spcPts val="600"/>
-              </a:spcAft>
-              <a:buClr>
-                <a:schemeClr val="tx2"/>
-              </a:buClr>
-              <a:buSzPct val="70000"/>
-              <a:buFont typeface="Wingdings 2" charset="2"/>
-              <a:buNone/>
-              <a:defRPr sz="1400" kern="1200">
-                <a:ln>
-                  <a:solidFill>
-                    <a:schemeClr val="bg1">
-                      <a:lumMod val="75000"/>
-                      <a:lumOff val="25000"/>
-                      <a:alpha val="10000"/>
-                    </a:schemeClr>
-                  </a:solidFill>
-                </a:ln>
-                <a:solidFill>
-                  <a:schemeClr val="tx1">
-                    <a:tint val="75000"/>
-                  </a:schemeClr>
-                </a:solidFill>
-                <a:effectLst>
-                  <a:outerShdw blurRad="9525" dist="25400" dir="14640000" algn="tl" rotWithShape="0">
-                    <a:schemeClr val="bg1">
-                      <a:alpha val="30000"/>
-                    </a:schemeClr>
-                  </a:outerShdw>
-                </a:effectLst>
-                <a:latin typeface="+mn-lt"/>
-                <a:ea typeface="+mn-ea"/>
-                <a:cs typeface="+mn-cs"/>
-              </a:defRPr>
-            </a:lvl5pPr>
-            <a:lvl6pPr marL="2286000" indent="0" algn="ctr" defTabSz="457200" rtl="0" eaLnBrk="1" latinLnBrk="0" hangingPunct="1">
-              <a:spcBef>
-                <a:spcPct val="20000"/>
-              </a:spcBef>
-              <a:spcAft>
-                <a:spcPts val="600"/>
-              </a:spcAft>
-              <a:buClr>
-                <a:schemeClr val="tx2"/>
-              </a:buClr>
-              <a:buSzPct val="70000"/>
-              <a:buFont typeface="Wingdings 2" charset="2"/>
-              <a:buNone/>
-              <a:defRPr sz="1400" kern="1200">
-                <a:ln>
-                  <a:solidFill>
-                    <a:schemeClr val="bg1">
-                      <a:lumMod val="75000"/>
-                      <a:lumOff val="25000"/>
-                      <a:alpha val="10000"/>
-                    </a:schemeClr>
-                  </a:solidFill>
-                </a:ln>
-                <a:solidFill>
-                  <a:schemeClr val="tx1">
-                    <a:tint val="75000"/>
-                  </a:schemeClr>
-                </a:solidFill>
-                <a:effectLst>
-                  <a:outerShdw blurRad="9525" dist="25400" dir="14640000" algn="tl" rotWithShape="0">
-                    <a:schemeClr val="bg1">
-                      <a:alpha val="30000"/>
-                    </a:schemeClr>
-                  </a:outerShdw>
-                </a:effectLst>
-                <a:latin typeface="+mn-lt"/>
-                <a:ea typeface="+mn-ea"/>
-                <a:cs typeface="+mn-cs"/>
-              </a:defRPr>
-            </a:lvl6pPr>
-            <a:lvl7pPr marL="2743200" indent="0" algn="ctr" defTabSz="457200" rtl="0" eaLnBrk="1" latinLnBrk="0" hangingPunct="1">
-              <a:spcBef>
-                <a:spcPct val="20000"/>
-              </a:spcBef>
-              <a:spcAft>
-                <a:spcPts val="600"/>
-              </a:spcAft>
-              <a:buClr>
-                <a:schemeClr val="tx2"/>
-              </a:buClr>
-              <a:buSzPct val="70000"/>
-              <a:buFont typeface="Wingdings 2" charset="2"/>
-              <a:buNone/>
-              <a:defRPr sz="1400" kern="1200">
-                <a:ln>
-                  <a:solidFill>
-                    <a:schemeClr val="bg1">
-                      <a:lumMod val="75000"/>
-                      <a:lumOff val="25000"/>
-                      <a:alpha val="10000"/>
-                    </a:schemeClr>
-                  </a:solidFill>
-                </a:ln>
-                <a:solidFill>
-                  <a:schemeClr val="tx1">
-                    <a:tint val="75000"/>
-                  </a:schemeClr>
-                </a:solidFill>
-                <a:effectLst>
-                  <a:outerShdw blurRad="9525" dist="25400" dir="14640000" algn="tl" rotWithShape="0">
-                    <a:schemeClr val="bg1">
-                      <a:alpha val="30000"/>
-                    </a:schemeClr>
-                  </a:outerShdw>
-                </a:effectLst>
-                <a:latin typeface="+mn-lt"/>
-                <a:ea typeface="+mn-ea"/>
-                <a:cs typeface="+mn-cs"/>
-              </a:defRPr>
-            </a:lvl7pPr>
-            <a:lvl8pPr marL="3200400" indent="0" algn="ctr" defTabSz="457200" rtl="0" eaLnBrk="1" latinLnBrk="0" hangingPunct="1">
-              <a:spcBef>
-                <a:spcPct val="20000"/>
-              </a:spcBef>
-              <a:spcAft>
-                <a:spcPts val="600"/>
-              </a:spcAft>
-              <a:buClr>
-                <a:schemeClr val="tx2"/>
-              </a:buClr>
-              <a:buSzPct val="70000"/>
-              <a:buFont typeface="Wingdings 2" charset="2"/>
-              <a:buNone/>
-              <a:defRPr sz="1400" kern="1200">
-                <a:ln>
-                  <a:solidFill>
-                    <a:schemeClr val="bg1">
-                      <a:lumMod val="75000"/>
-                      <a:lumOff val="25000"/>
-                      <a:alpha val="10000"/>
-                    </a:schemeClr>
-                  </a:solidFill>
-                </a:ln>
-                <a:solidFill>
-                  <a:schemeClr val="tx1">
-                    <a:tint val="75000"/>
-                  </a:schemeClr>
-                </a:solidFill>
-                <a:effectLst>
-                  <a:outerShdw blurRad="9525" dist="25400" dir="14640000" algn="tl" rotWithShape="0">
-                    <a:schemeClr val="bg1">
-                      <a:alpha val="30000"/>
-                    </a:schemeClr>
-                  </a:outerShdw>
-                </a:effectLst>
-                <a:latin typeface="+mn-lt"/>
-                <a:ea typeface="+mn-ea"/>
-                <a:cs typeface="+mn-cs"/>
-              </a:defRPr>
-            </a:lvl8pPr>
-            <a:lvl9pPr marL="3657600" indent="0" algn="ctr" defTabSz="457200" rtl="0" eaLnBrk="1" latinLnBrk="0" hangingPunct="1">
-              <a:spcBef>
-                <a:spcPct val="20000"/>
-              </a:spcBef>
-              <a:spcAft>
-                <a:spcPts val="600"/>
-              </a:spcAft>
-              <a:buClr>
-                <a:schemeClr val="tx2"/>
-              </a:buClr>
-              <a:buSzPct val="70000"/>
-              <a:buFont typeface="Wingdings 2" charset="2"/>
-              <a:buNone/>
-              <a:defRPr sz="1400" kern="1200">
-                <a:ln>
-                  <a:solidFill>
-                    <a:schemeClr val="bg1">
-                      <a:lumMod val="75000"/>
-                      <a:lumOff val="25000"/>
-                      <a:alpha val="10000"/>
-                    </a:schemeClr>
-                  </a:solidFill>
-                </a:ln>
-                <a:solidFill>
-                  <a:schemeClr val="tx1">
-                    <a:tint val="75000"/>
-                  </a:schemeClr>
-                </a:solidFill>
-                <a:effectLst>
-                  <a:outerShdw blurRad="9525" dist="25400" dir="14640000" algn="tl" rotWithShape="0">
-                    <a:schemeClr val="bg1">
-                      <a:alpha val="30000"/>
-                    </a:schemeClr>
-                  </a:outerShdw>
-                </a:effectLst>
-                <a:latin typeface="+mn-lt"/>
-                <a:ea typeface="+mn-ea"/>
-                <a:cs typeface="+mn-cs"/>
-              </a:defRPr>
-            </a:lvl9pPr>
-          </a:lstStyle>
-          <a:p>
-            <a:r>
-              <a:rPr lang="en-CA" dirty="0"/>
-              <a:t>presented by @</a:t>
-            </a:r>
-            <a:r>
-              <a:rPr lang="en-CA" dirty="0" err="1"/>
-              <a:t>nvarscar</a:t>
-            </a:r>
-            <a:endParaRPr lang="en-US" dirty="0"/>
-          </a:p>
-        </p:txBody>
-      </p:sp>
-      <p:pic>
-        <p:nvPicPr>
-          <p:cNvPr id="2050" name="Picture 2" descr="Image result for pixel mercy overwatch"/>
-          <p:cNvPicPr>
-            <a:picLocks noChangeAspect="1" noChangeArrowheads="1"/>
-          </p:cNvPicPr>
-          <p:nvPr/>
-        </p:nvPicPr>
-        <p:blipFill>
-          <a:blip r:embed="rId2">
-            <a:extLst>
-              <a:ext uri="{28A0092B-C50C-407E-A947-70E740481C1C}">
-                <a14:useLocalDpi xmlns:a14="http://schemas.microsoft.com/office/drawing/2010/main" val="0"/>
-              </a:ext>
-            </a:extLst>
-          </a:blip>
-          <a:srcRect/>
-          <a:stretch>
-            <a:fillRect/>
-          </a:stretch>
-        </p:blipFill>
-        <p:spPr bwMode="auto">
-          <a:xfrm>
-            <a:off x="18729" y="-131067"/>
-            <a:ext cx="1351964" cy="1351964"/>
-          </a:xfrm>
-          <a:prstGeom prst="rect">
-            <a:avLst/>
-          </a:prstGeom>
-          <a:noFill/>
-          <a:extLst>
-            <a:ext uri="{909E8E84-426E-40DD-AFC4-6F175D3DCCD1}">
-              <a14:hiddenFill xmlns:a14="http://schemas.microsoft.com/office/drawing/2010/main">
-                <a:solidFill>
-                  <a:srgbClr val="FFFFFF"/>
-                </a:solidFill>
-              </a14:hiddenFill>
-            </a:ext>
-          </a:extLst>
         </p:spPr>
       </p:pic>
     </p:spTree>
     <p:extLst>
       <p:ext uri="{BB962C8B-B14F-4D97-AF65-F5344CB8AC3E}">
-        <p14:creationId xmlns:p14="http://schemas.microsoft.com/office/powerpoint/2010/main" val="2810996408"/>
+        <p14:creationId xmlns:p14="http://schemas.microsoft.com/office/powerpoint/2010/main" val="1141652334"/>
       </p:ext>
     </p:extLst>
   </p:cSld>
   <p:clrMapOvr>
     <a:masterClrMapping/>
   </p:clrMapOvr>
+  <mc:AlternateContent xmlns:mc="http://schemas.openxmlformats.org/markup-compatibility/2006" xmlns:p14="http://schemas.microsoft.com/office/powerpoint/2010/main">
+    <mc:Choice Requires="p14">
+      <p:transition spd="slow" p14:dur="2000"/>
+    </mc:Choice>
+    <mc:Fallback xmlns="">
+      <p:transition spd="slow"/>
+    </mc:Fallback>
+  </mc:AlternateContent>
+  <p:timing>
+    <p:tnLst>
+      <p:par>
+        <p:cTn id="1" dur="indefinite" restart="never" nodeType="tmRoot"/>
+      </p:par>
+    </p:tnLst>
+  </p:timing>
 </p:sld>
 </file>
 
-<file path=ppt/slides/slide10.xml><?xml version="1.0" encoding="utf-8"?>
-<p:sld xmlns:a="http://schemas.openxmlformats.org/drawingml/2006/main" xmlns:r="http://schemas.openxmlformats.org/officeDocument/2006/relationships" xmlns:p="http://schemas.openxmlformats.org/presentationml/2006/main">
+<file path=ppt/slides/slide11.xml><?xml version="1.0" encoding="utf-8"?>
+<p:sld xmlns:a="http://schemas.openxmlformats.org/drawingml/2006/main" xmlns:r="http://schemas.openxmlformats.org/officeDocument/2006/relationships" xmlns:p="http://schemas.openxmlformats.org/presentationml/2006/main" show="0">
   <p:cSld>
     <p:spTree>
       <p:nvGrpSpPr>
@@ -12272,10 +13720,25 @@
   <p:clrMapOvr>
     <a:masterClrMapping/>
   </p:clrMapOvr>
+  <mc:AlternateContent xmlns:mc="http://schemas.openxmlformats.org/markup-compatibility/2006" xmlns:p14="http://schemas.microsoft.com/office/powerpoint/2010/main">
+    <mc:Choice Requires="p14">
+      <p:transition spd="slow" p14:dur="2000"/>
+    </mc:Choice>
+    <mc:Fallback xmlns="">
+      <p:transition spd="slow"/>
+    </mc:Fallback>
+  </mc:AlternateContent>
+  <p:timing>
+    <p:tnLst>
+      <p:par>
+        <p:cTn id="1" dur="indefinite" restart="never" nodeType="tmRoot"/>
+      </p:par>
+    </p:tnLst>
+  </p:timing>
 </p:sld>
 </file>
 
-<file path=ppt/slides/slide11.xml><?xml version="1.0" encoding="utf-8"?>
+<file path=ppt/slides/slide12.xml><?xml version="1.0" encoding="utf-8"?>
 <p:sld xmlns:a="http://schemas.openxmlformats.org/drawingml/2006/main" xmlns:r="http://schemas.openxmlformats.org/officeDocument/2006/relationships" xmlns:p="http://schemas.openxmlformats.org/presentationml/2006/main">
   <p:cSld>
     <p:spTree>
@@ -12435,10 +13898,25 @@
   <p:clrMapOvr>
     <a:masterClrMapping/>
   </p:clrMapOvr>
+  <mc:AlternateContent xmlns:mc="http://schemas.openxmlformats.org/markup-compatibility/2006">
+    <mc:Choice xmlns:p14="http://schemas.microsoft.com/office/powerpoint/2010/main" Requires="p14">
+      <p:transition spd="slow" p14:dur="2000"/>
+    </mc:Choice>
+    <mc:Fallback>
+      <p:transition spd="slow"/>
+    </mc:Fallback>
+  </mc:AlternateContent>
+  <p:timing>
+    <p:tnLst>
+      <p:par>
+        <p:cTn id="1" dur="indefinite" restart="never" nodeType="tmRoot"/>
+      </p:par>
+    </p:tnLst>
+  </p:timing>
 </p:sld>
 </file>
 
-<file path=ppt/slides/slide12.xml><?xml version="1.0" encoding="utf-8"?>
+<file path=ppt/slides/slide13.xml><?xml version="1.0" encoding="utf-8"?>
 <p:sld xmlns:a="http://schemas.openxmlformats.org/drawingml/2006/main" xmlns:r="http://schemas.openxmlformats.org/officeDocument/2006/relationships" xmlns:p="http://schemas.openxmlformats.org/presentationml/2006/main">
   <p:cSld>
     <p:spTree>
@@ -12521,11 +13999,26 @@
   <p:clrMapOvr>
     <a:masterClrMapping/>
   </p:clrMapOvr>
+  <mc:AlternateContent xmlns:mc="http://schemas.openxmlformats.org/markup-compatibility/2006">
+    <mc:Choice xmlns:p14="http://schemas.microsoft.com/office/powerpoint/2010/main" Requires="p14">
+      <p:transition spd="slow" p14:dur="2000"/>
+    </mc:Choice>
+    <mc:Fallback>
+      <p:transition spd="slow"/>
+    </mc:Fallback>
+  </mc:AlternateContent>
+  <p:timing>
+    <p:tnLst>
+      <p:par>
+        <p:cTn id="1" dur="indefinite" restart="never" nodeType="tmRoot"/>
+      </p:par>
+    </p:tnLst>
+  </p:timing>
 </p:sld>
 </file>
 
-<file path=ppt/slides/slide13.xml><?xml version="1.0" encoding="utf-8"?>
-<p:sld xmlns:a="http://schemas.openxmlformats.org/drawingml/2006/main" xmlns:r="http://schemas.openxmlformats.org/officeDocument/2006/relationships" xmlns:p="http://schemas.openxmlformats.org/presentationml/2006/main">
+<file path=ppt/slides/slide14.xml><?xml version="1.0" encoding="utf-8"?>
+<p:sld xmlns:a="http://schemas.openxmlformats.org/drawingml/2006/main" xmlns:r="http://schemas.openxmlformats.org/officeDocument/2006/relationships" xmlns:p="http://schemas.openxmlformats.org/presentationml/2006/main" show="0">
   <p:cSld>
     <p:spTree>
       <p:nvGrpSpPr>
@@ -12711,140 +14204,21 @@
   <p:clrMapOvr>
     <a:masterClrMapping/>
   </p:clrMapOvr>
-</p:sld>
-</file>
-
-<file path=ppt/slides/slide14.xml><?xml version="1.0" encoding="utf-8"?>
-<p:sld xmlns:a="http://schemas.openxmlformats.org/drawingml/2006/main" xmlns:r="http://schemas.openxmlformats.org/officeDocument/2006/relationships" xmlns:p="http://schemas.openxmlformats.org/presentationml/2006/main">
-  <p:cSld>
-    <p:spTree>
-      <p:nvGrpSpPr>
-        <p:cNvPr id="1" name=""/>
-        <p:cNvGrpSpPr/>
-        <p:nvPr/>
-      </p:nvGrpSpPr>
-      <p:grpSpPr>
-        <a:xfrm>
-          <a:off x="0" y="0"/>
-          <a:ext cx="0" cy="0"/>
-          <a:chOff x="0" y="0"/>
-          <a:chExt cx="0" cy="0"/>
-        </a:xfrm>
-      </p:grpSpPr>
-      <p:sp>
-        <p:nvSpPr>
-          <p:cNvPr id="2" name="Title 1"/>
-          <p:cNvSpPr>
-            <a:spLocks noGrp="1"/>
-          </p:cNvSpPr>
-          <p:nvPr>
-            <p:ph type="title"/>
-          </p:nvPr>
-        </p:nvSpPr>
-        <p:spPr/>
-        <p:txBody>
-          <a:bodyPr/>
-          <a:lstStyle/>
-          <a:p>
-            <a:r>
-              <a:rPr lang="en-CA" dirty="0" err="1"/>
-              <a:t>dbatools</a:t>
-            </a:r>
-            <a:r>
-              <a:rPr lang="en-CA" dirty="0"/>
-              <a:t> </a:t>
-            </a:r>
-            <a:r>
-              <a:rPr lang="en-CA" dirty="0" err="1"/>
-              <a:t>ps</a:t>
-            </a:r>
-            <a:r>
-              <a:rPr lang="en-CA" dirty="0"/>
-              <a:t> module</a:t>
-            </a:r>
-            <a:endParaRPr lang="en-US" dirty="0"/>
-          </a:p>
-        </p:txBody>
-      </p:sp>
-      <p:sp>
-        <p:nvSpPr>
-          <p:cNvPr id="3" name="Content Placeholder 2"/>
-          <p:cNvSpPr>
-            <a:spLocks noGrp="1"/>
-          </p:cNvSpPr>
-          <p:nvPr>
-            <p:ph idx="1"/>
-          </p:nvPr>
-        </p:nvSpPr>
-        <p:spPr/>
-        <p:txBody>
-          <a:bodyPr/>
-          <a:lstStyle/>
-          <a:p>
-            <a:r>
-              <a:rPr lang="en-CA" dirty="0"/>
-              <a:t>Created by DBAs for DBAs</a:t>
-            </a:r>
-          </a:p>
-          <a:p>
-            <a:r>
-              <a:rPr lang="en-CA" dirty="0"/>
-              <a:t>Free, open-source and community-driven</a:t>
-            </a:r>
-          </a:p>
-          <a:p>
-            <a:r>
-              <a:rPr lang="en-CA" dirty="0"/>
-              <a:t>Started as a database migration solution</a:t>
-            </a:r>
-          </a:p>
-          <a:p>
-            <a:r>
-              <a:rPr lang="en-CA" dirty="0"/>
-              <a:t>Over 300 commands automating multiple aspects of DBA’s life:</a:t>
-            </a:r>
-          </a:p>
-          <a:p>
-            <a:pPr lvl="1"/>
-            <a:r>
-              <a:rPr lang="en-CA" dirty="0"/>
-              <a:t>Move entities between environments (databases, logins, parameters, etc.)</a:t>
-            </a:r>
-          </a:p>
-          <a:p>
-            <a:pPr lvl="1"/>
-            <a:r>
-              <a:rPr lang="en-CA" dirty="0"/>
-              <a:t>Tests and verifications</a:t>
-            </a:r>
-          </a:p>
-          <a:p>
-            <a:pPr lvl="1"/>
-            <a:r>
-              <a:rPr lang="en-CA" dirty="0"/>
-              <a:t>Statistics</a:t>
-            </a:r>
-          </a:p>
-          <a:p>
-            <a:pPr lvl="1"/>
-            <a:r>
-              <a:rPr lang="en-CA" dirty="0"/>
-              <a:t>Configuration</a:t>
-            </a:r>
-            <a:endParaRPr lang="en-US" dirty="0"/>
-          </a:p>
-        </p:txBody>
-      </p:sp>
-    </p:spTree>
-    <p:extLst>
-      <p:ext uri="{BB962C8B-B14F-4D97-AF65-F5344CB8AC3E}">
-        <p14:creationId xmlns:p14="http://schemas.microsoft.com/office/powerpoint/2010/main" val="2956876986"/>
-      </p:ext>
-    </p:extLst>
-  </p:cSld>
-  <p:clrMapOvr>
-    <a:masterClrMapping/>
-  </p:clrMapOvr>
+  <mc:AlternateContent xmlns:mc="http://schemas.openxmlformats.org/markup-compatibility/2006" xmlns:p14="http://schemas.microsoft.com/office/powerpoint/2010/main">
+    <mc:Choice Requires="p14">
+      <p:transition spd="slow" p14:dur="2000"/>
+    </mc:Choice>
+    <mc:Fallback xmlns="">
+      <p:transition spd="slow"/>
+    </mc:Fallback>
+  </mc:AlternateContent>
+  <p:timing>
+    <p:tnLst>
+      <p:par>
+        <p:cTn id="1" dur="indefinite" restart="never" nodeType="tmRoot"/>
+      </p:par>
+    </p:tnLst>
+  </p:timing>
 </p:sld>
 </file>
 
@@ -12886,7 +14260,15 @@
             </a:r>
             <a:r>
               <a:rPr lang="en-CA" dirty="0"/>
-              <a:t> installation</a:t>
+              <a:t> </a:t>
+            </a:r>
+            <a:r>
+              <a:rPr lang="en-CA" dirty="0" err="1"/>
+              <a:t>ps</a:t>
+            </a:r>
+            <a:r>
+              <a:rPr lang="en-CA" dirty="0"/>
+              <a:t> module</a:t>
             </a:r>
             <a:endParaRPr lang="en-US" dirty="0"/>
           </a:p>
@@ -12908,6 +14290,206 @@
           <a:lstStyle/>
           <a:p>
             <a:r>
+              <a:rPr lang="en-CA" dirty="0"/>
+              <a:t>Created by DBAs for DBAs</a:t>
+            </a:r>
+          </a:p>
+          <a:p>
+            <a:r>
+              <a:rPr lang="en-CA" dirty="0"/>
+              <a:t>Free, open-source and community-driven</a:t>
+            </a:r>
+          </a:p>
+          <a:p>
+            <a:r>
+              <a:rPr lang="en-CA" dirty="0"/>
+              <a:t>Started as a database migration solution</a:t>
+            </a:r>
+          </a:p>
+          <a:p>
+            <a:r>
+              <a:rPr lang="en-CA" dirty="0"/>
+              <a:t>Over </a:t>
+            </a:r>
+            <a:r>
+              <a:rPr lang="en-CA" dirty="0" smtClean="0"/>
+              <a:t>500 </a:t>
+            </a:r>
+            <a:r>
+              <a:rPr lang="en-CA" dirty="0"/>
+              <a:t>commands automating multiple aspects of DBA’s life:</a:t>
+            </a:r>
+          </a:p>
+          <a:p>
+            <a:pPr lvl="1"/>
+            <a:r>
+              <a:rPr lang="en-CA" dirty="0"/>
+              <a:t>Move entities between environments (databases, logins, parameters, etc.)</a:t>
+            </a:r>
+          </a:p>
+          <a:p>
+            <a:pPr lvl="1"/>
+            <a:r>
+              <a:rPr lang="en-CA" dirty="0"/>
+              <a:t>Tests and verifications</a:t>
+            </a:r>
+          </a:p>
+          <a:p>
+            <a:pPr lvl="1"/>
+            <a:r>
+              <a:rPr lang="en-CA" dirty="0"/>
+              <a:t>Statistics</a:t>
+            </a:r>
+          </a:p>
+          <a:p>
+            <a:pPr lvl="1"/>
+            <a:r>
+              <a:rPr lang="en-CA" dirty="0" smtClean="0"/>
+              <a:t>Configuration</a:t>
+            </a:r>
+          </a:p>
+          <a:p>
+            <a:pPr lvl="1"/>
+            <a:r>
+              <a:rPr lang="en-CA" dirty="0" smtClean="0"/>
+              <a:t>… and so much more</a:t>
+            </a:r>
+            <a:endParaRPr lang="en-US" dirty="0"/>
+          </a:p>
+        </p:txBody>
+      </p:sp>
+      <p:pic>
+        <p:nvPicPr>
+          <p:cNvPr id="1028" name="Picture 4" descr="Image result for dbatools logo"/>
+          <p:cNvPicPr>
+            <a:picLocks noChangeAspect="1" noChangeArrowheads="1"/>
+          </p:cNvPicPr>
+          <p:nvPr/>
+        </p:nvPicPr>
+        <p:blipFill>
+          <a:blip r:embed="rId2" cstate="hqprint">
+            <a:extLst>
+              <a:ext uri="{28A0092B-C50C-407E-A947-70E740481C1C}">
+                <a14:useLocalDpi xmlns:a14="http://schemas.microsoft.com/office/drawing/2010/main" val="0"/>
+              </a:ext>
+            </a:extLst>
+          </a:blip>
+          <a:srcRect/>
+          <a:stretch>
+            <a:fillRect/>
+          </a:stretch>
+        </p:blipFill>
+        <p:spPr bwMode="auto">
+          <a:xfrm>
+            <a:off x="10155786" y="690589"/>
+            <a:ext cx="889461" cy="889461"/>
+          </a:xfrm>
+          <a:prstGeom prst="roundRect">
+            <a:avLst>
+              <a:gd name="adj" fmla="val 8594"/>
+            </a:avLst>
+          </a:prstGeom>
+          <a:solidFill>
+            <a:srgbClr val="FFFFFF">
+              <a:shade val="85000"/>
+            </a:srgbClr>
+          </a:solidFill>
+          <a:ln>
+            <a:noFill/>
+          </a:ln>
+          <a:effectLst>
+            <a:reflection blurRad="12700" stA="38000" endPos="28000" dist="5000" dir="5400000" sy="-100000" algn="bl" rotWithShape="0"/>
+          </a:effectLst>
+          <a:extLst/>
+        </p:spPr>
+      </p:pic>
+    </p:spTree>
+    <p:extLst>
+      <p:ext uri="{BB962C8B-B14F-4D97-AF65-F5344CB8AC3E}">
+        <p14:creationId xmlns:p14="http://schemas.microsoft.com/office/powerpoint/2010/main" val="2956876986"/>
+      </p:ext>
+    </p:extLst>
+  </p:cSld>
+  <p:clrMapOvr>
+    <a:masterClrMapping/>
+  </p:clrMapOvr>
+  <p:timing>
+    <p:tnLst>
+      <p:par>
+        <p:cTn id="1" dur="indefinite" restart="never" nodeType="tmRoot"/>
+      </p:par>
+    </p:tnLst>
+  </p:timing>
+</p:sld>
+</file>
+
+<file path=ppt/slides/slide16.xml><?xml version="1.0" encoding="utf-8"?>
+<p:sld xmlns:a="http://schemas.openxmlformats.org/drawingml/2006/main" xmlns:r="http://schemas.openxmlformats.org/officeDocument/2006/relationships" xmlns:p="http://schemas.openxmlformats.org/presentationml/2006/main">
+  <p:cSld>
+    <p:spTree>
+      <p:nvGrpSpPr>
+        <p:cNvPr id="1" name=""/>
+        <p:cNvGrpSpPr/>
+        <p:nvPr/>
+      </p:nvGrpSpPr>
+      <p:grpSpPr>
+        <a:xfrm>
+          <a:off x="0" y="0"/>
+          <a:ext cx="0" cy="0"/>
+          <a:chOff x="0" y="0"/>
+          <a:chExt cx="0" cy="0"/>
+        </a:xfrm>
+      </p:grpSpPr>
+      <p:sp>
+        <p:nvSpPr>
+          <p:cNvPr id="2" name="Title 1"/>
+          <p:cNvSpPr>
+            <a:spLocks noGrp="1"/>
+          </p:cNvSpPr>
+          <p:nvPr>
+            <p:ph type="title"/>
+          </p:nvPr>
+        </p:nvSpPr>
+        <p:spPr/>
+        <p:txBody>
+          <a:bodyPr/>
+          <a:lstStyle/>
+          <a:p>
+            <a:r>
+              <a:rPr lang="en-CA" dirty="0" err="1"/>
+              <a:t>dbatools</a:t>
+            </a:r>
+            <a:r>
+              <a:rPr lang="en-CA" dirty="0"/>
+              <a:t> installation</a:t>
+            </a:r>
+            <a:endParaRPr lang="en-US" dirty="0"/>
+          </a:p>
+        </p:txBody>
+      </p:sp>
+      <p:sp>
+        <p:nvSpPr>
+          <p:cNvPr id="3" name="Content Placeholder 2"/>
+          <p:cNvSpPr>
+            <a:spLocks noGrp="1"/>
+          </p:cNvSpPr>
+          <p:nvPr>
+            <p:ph idx="1"/>
+          </p:nvPr>
+        </p:nvSpPr>
+        <p:spPr>
+          <a:xfrm>
+            <a:off x="913795" y="1732449"/>
+            <a:ext cx="10353762" cy="4551973"/>
+          </a:xfrm>
+        </p:spPr>
+        <p:txBody>
+          <a:bodyPr>
+            <a:normAutofit fontScale="92500" lnSpcReduction="10000"/>
+          </a:bodyPr>
+          <a:lstStyle/>
+          <a:p>
+            <a:r>
               <a:rPr lang="en-CA" dirty="0" err="1"/>
               <a:t>Powershell</a:t>
             </a:r>
@@ -13007,15 +14589,134 @@
             </a:r>
           </a:p>
           <a:p>
+            <a:endParaRPr lang="en-US" dirty="0" smtClean="0">
+              <a:effectLst/>
+            </a:endParaRPr>
+          </a:p>
+          <a:p>
             <a:endParaRPr lang="en-US" dirty="0">
               <a:effectLst/>
             </a:endParaRPr>
           </a:p>
           <a:p>
+            <a:pPr marL="36900" indent="0">
+              <a:buNone/>
+            </a:pPr>
+            <a:endParaRPr lang="en-US" dirty="0" smtClean="0">
+              <a:effectLst/>
+            </a:endParaRPr>
+          </a:p>
+          <a:p>
+            <a:pPr marL="36900" indent="0">
+              <a:buNone/>
+            </a:pPr>
+            <a:endParaRPr lang="en-US" dirty="0">
+              <a:effectLst/>
+            </a:endParaRPr>
+          </a:p>
+          <a:p>
+            <a:pPr marL="36900" indent="0">
+              <a:buNone/>
+            </a:pPr>
+            <a:endParaRPr lang="en-US" dirty="0" smtClean="0">
+              <a:effectLst/>
+            </a:endParaRPr>
+          </a:p>
+          <a:p>
+            <a:pPr marL="36900" indent="0">
+              <a:buNone/>
+            </a:pPr>
+            <a:r>
+              <a:rPr lang="en-US" dirty="0" smtClean="0">
+                <a:effectLst/>
+              </a:rPr>
+              <a:t>More </a:t>
+            </a:r>
+            <a:r>
+              <a:rPr lang="en-US" dirty="0">
+                <a:effectLst/>
+              </a:rPr>
+              <a:t>info: </a:t>
+            </a:r>
+            <a:r>
+              <a:rPr lang="en-US" dirty="0">
+                <a:effectLst/>
+                <a:hlinkClick r:id="rId4"/>
+              </a:rPr>
+              <a:t>https://dbatools.io/download</a:t>
+            </a:r>
+            <a:r>
+              <a:rPr lang="en-US" dirty="0" smtClean="0">
+                <a:effectLst/>
+                <a:hlinkClick r:id="rId4"/>
+              </a:rPr>
+              <a:t>/</a:t>
+            </a:r>
+            <a:endParaRPr lang="en-US" dirty="0" smtClean="0">
+              <a:effectLst/>
+            </a:endParaRPr>
+          </a:p>
+          <a:p>
+            <a:pPr marL="36900" indent="0">
+              <a:buNone/>
+            </a:pPr>
             <a:endParaRPr lang="en-US" dirty="0"/>
           </a:p>
         </p:txBody>
       </p:sp>
+      <p:pic>
+        <p:nvPicPr>
+          <p:cNvPr id="4" name="Picture 2" descr="Image result for dbatools logo"/>
+          <p:cNvPicPr>
+            <a:picLocks noChangeAspect="1" noChangeArrowheads="1"/>
+          </p:cNvPicPr>
+          <p:nvPr/>
+        </p:nvPicPr>
+        <p:blipFill>
+          <a:blip r:embed="rId5">
+            <a:extLst>
+              <a:ext uri="{28A0092B-C50C-407E-A947-70E740481C1C}">
+                <a14:useLocalDpi xmlns:a14="http://schemas.microsoft.com/office/drawing/2010/main" val="0"/>
+              </a:ext>
+            </a:extLst>
+          </a:blip>
+          <a:srcRect/>
+          <a:stretch>
+            <a:fillRect/>
+          </a:stretch>
+        </p:blipFill>
+        <p:spPr bwMode="auto">
+          <a:xfrm>
+            <a:off x="4495238" y="4008435"/>
+            <a:ext cx="3190875" cy="914401"/>
+          </a:xfrm>
+          <a:prstGeom prst="rect">
+            <a:avLst/>
+          </a:prstGeom>
+          <a:ln w="127000" cap="sq">
+            <a:solidFill>
+              <a:srgbClr val="000000"/>
+            </a:solidFill>
+            <a:miter lim="800000"/>
+          </a:ln>
+          <a:effectLst>
+            <a:outerShdw blurRad="57150" dist="50800" dir="2700000" algn="tl" rotWithShape="0">
+              <a:srgbClr val="000000">
+                <a:alpha val="40000"/>
+              </a:srgbClr>
+            </a:outerShdw>
+          </a:effectLst>
+          <a:extLst>
+            <a:ext uri="{909E8E84-426E-40DD-AFC4-6F175D3DCCD1}">
+              <a14:hiddenFill xmlns:a14="http://schemas.microsoft.com/office/drawing/2010/main">
+                <a:solidFill>
+                  <a:srgbClr val="FFFFFF"/>
+                </a:solidFill>
+              </a14:hiddenFill>
+            </a:ext>
+          </a:extLst>
+        </p:spPr>
+      </p:pic>
     </p:spTree>
     <p:extLst>
       <p:ext uri="{BB962C8B-B14F-4D97-AF65-F5344CB8AC3E}">
@@ -13026,10 +14727,17 @@
   <p:clrMapOvr>
     <a:masterClrMapping/>
   </p:clrMapOvr>
+  <p:timing>
+    <p:tnLst>
+      <p:par>
+        <p:cTn id="1" dur="indefinite" restart="never" nodeType="tmRoot"/>
+      </p:par>
+    </p:tnLst>
+  </p:timing>
 </p:sld>
 </file>
 
-<file path=ppt/slides/slide16.xml><?xml version="1.0" encoding="utf-8"?>
+<file path=ppt/slides/slide17.xml><?xml version="1.0" encoding="utf-8"?>
 <p:sld xmlns:a="http://schemas.openxmlformats.org/drawingml/2006/main" xmlns:r="http://schemas.openxmlformats.org/officeDocument/2006/relationships" xmlns:p="http://schemas.openxmlformats.org/presentationml/2006/main">
   <p:cSld>
     <p:spTree>
@@ -13144,6 +14852,10 @@
               <a:rPr lang="en-CA" i="1" dirty="0" err="1"/>
               <a:t>DbaLogin</a:t>
             </a:r>
+            <a:r>
+              <a:rPr lang="en-CA" i="1" dirty="0"/>
+              <a:t/>
+            </a:r>
             <a:br>
               <a:rPr lang="en-CA" i="1" dirty="0"/>
             </a:br>
@@ -13190,9 +14902,14 @@
           </a:p>
           <a:p>
             <a:r>
-              <a:rPr lang="en-CA" dirty="0"/>
-              <a:t>Get-Help</a:t>
-            </a:r>
+              <a:rPr lang="en-CA" dirty="0" smtClean="0"/>
+              <a:t>Get-Help </a:t>
+            </a:r>
+            <a:r>
+              <a:rPr lang="en-CA" i="1" dirty="0" smtClean="0"/>
+              <a:t>function-name</a:t>
+            </a:r>
+            <a:endParaRPr lang="en-CA" i="1" dirty="0"/>
           </a:p>
           <a:p>
             <a:r>
@@ -13246,7 +14963,7 @@
           <p:nvPr/>
         </p:nvPicPr>
         <p:blipFill>
-          <a:blip r:embed="rId6">
+          <a:blip r:embed="rId6" cstate="hqprint">
             <a:extLst>
               <a:ext uri="{28A0092B-C50C-407E-A947-70E740481C1C}">
                 <a14:useLocalDpi xmlns:a14="http://schemas.microsoft.com/office/drawing/2010/main" val="0"/>
@@ -13262,6 +14979,63 @@
           <a:xfrm flipH="1">
             <a:off x="8441924" y="2217653"/>
             <a:ext cx="1353205" cy="697421"/>
+          </a:xfrm>
+          <a:prstGeom prst="rect">
+            <a:avLst/>
+          </a:prstGeom>
+          <a:noFill/>
+          <a:extLst>
+            <a:ext uri="{909E8E84-426E-40DD-AFC4-6F175D3DCCD1}">
+              <a14:hiddenFill xmlns:a14="http://schemas.microsoft.com/office/drawing/2010/main">
+                <a:solidFill>
+                  <a:srgbClr val="FFFFFF"/>
+                </a:solidFill>
+              </a14:hiddenFill>
+            </a:ext>
+          </a:extLst>
+        </p:spPr>
+      </p:pic>
+      <p:pic>
+        <p:nvPicPr>
+          <p:cNvPr id="3074" name="Picture 2" descr="Image result for dbatools logo"/>
+          <p:cNvPicPr>
+            <a:picLocks noChangeAspect="1" noChangeArrowheads="1"/>
+          </p:cNvPicPr>
+          <p:nvPr/>
+        </p:nvPicPr>
+        <p:blipFill>
+          <a:blip r:embed="rId7" cstate="hqprint">
+            <a:extLst>
+              <a:ext uri="{BEBA8EAE-BF5A-486C-A8C5-ECC9F3942E4B}">
+                <a14:imgProps xmlns:a14="http://schemas.microsoft.com/office/drawing/2010/main">
+                  <a14:imgLayer r:embed="rId8">
+                    <a14:imgEffect>
+                      <a14:backgroundRemoval t="0" b="100000" l="0" r="100000">
+                        <a14:foregroundMark x1="56132" y1="79667" x2="55660" y2="96667"/>
+                        <a14:foregroundMark x1="53774" y1="95000" x2="82547" y2="94333"/>
+                        <a14:foregroundMark x1="84906" y1="93333" x2="84906" y2="77667"/>
+                        <a14:foregroundMark x1="54717" y1="79333" x2="83019" y2="77667"/>
+                        <a14:foregroundMark x1="62736" y1="81667" x2="75943" y2="93333"/>
+                        <a14:foregroundMark x1="77830" y1="83333" x2="60849" y2="93667"/>
+                      </a14:backgroundRemoval>
+                    </a14:imgEffect>
+                  </a14:imgLayer>
+                </a14:imgProps>
+              </a:ext>
+              <a:ext uri="{28A0092B-C50C-407E-A947-70E740481C1C}">
+                <a14:useLocalDpi xmlns:a14="http://schemas.microsoft.com/office/drawing/2010/main" val="0"/>
+              </a:ext>
+            </a:extLst>
+          </a:blip>
+          <a:srcRect/>
+          <a:stretch>
+            <a:fillRect/>
+          </a:stretch>
+        </p:blipFill>
+        <p:spPr bwMode="auto">
+          <a:xfrm>
+            <a:off x="8810625" y="3014459"/>
+            <a:ext cx="307901" cy="435709"/>
           </a:xfrm>
           <a:prstGeom prst="rect">
             <a:avLst/>
@@ -13412,7 +15186,7 @@
 </p:sld>
 </file>
 
-<file path=ppt/slides/slide17.xml><?xml version="1.0" encoding="utf-8"?>
+<file path=ppt/slides/slide18.xml><?xml version="1.0" encoding="utf-8"?>
 <p:sld xmlns:a="http://schemas.openxmlformats.org/drawingml/2006/main" xmlns:r="http://schemas.openxmlformats.org/officeDocument/2006/relationships" xmlns:p="http://schemas.openxmlformats.org/presentationml/2006/main">
   <p:cSld>
     <p:spTree>
@@ -13470,10 +15244,553 @@
   <p:clrMapOvr>
     <a:masterClrMapping/>
   </p:clrMapOvr>
+  <p:timing>
+    <p:tnLst>
+      <p:par>
+        <p:cTn id="1" dur="indefinite" restart="never" nodeType="tmRoot"/>
+      </p:par>
+    </p:tnLst>
+  </p:timing>
 </p:sld>
 </file>
 
 <file path=ppt/slides/slide2.xml><?xml version="1.0" encoding="utf-8"?>
+<p:sld xmlns:a="http://schemas.openxmlformats.org/drawingml/2006/main" xmlns:r="http://schemas.openxmlformats.org/officeDocument/2006/relationships" xmlns:p="http://schemas.openxmlformats.org/presentationml/2006/main">
+  <p:cSld>
+    <p:spTree>
+      <p:nvGrpSpPr>
+        <p:cNvPr id="1" name=""/>
+        <p:cNvGrpSpPr/>
+        <p:nvPr/>
+      </p:nvGrpSpPr>
+      <p:grpSpPr>
+        <a:xfrm>
+          <a:off x="0" y="0"/>
+          <a:ext cx="0" cy="0"/>
+          <a:chOff x="0" y="0"/>
+          <a:chExt cx="0" cy="0"/>
+        </a:xfrm>
+      </p:grpSpPr>
+      <p:sp>
+        <p:nvSpPr>
+          <p:cNvPr id="2" name="Title 1"/>
+          <p:cNvSpPr>
+            <a:spLocks noGrp="1"/>
+          </p:cNvSpPr>
+          <p:nvPr>
+            <p:ph type="ctrTitle"/>
+          </p:nvPr>
+        </p:nvSpPr>
+        <p:spPr/>
+        <p:txBody>
+          <a:bodyPr/>
+          <a:lstStyle/>
+          <a:p>
+            <a:r>
+              <a:rPr lang="en-US" dirty="0"/>
+              <a:t>the wonders of modern SQL administration</a:t>
+            </a:r>
+          </a:p>
+        </p:txBody>
+      </p:sp>
+      <p:sp>
+        <p:nvSpPr>
+          <p:cNvPr id="3" name="Subtitle 2"/>
+          <p:cNvSpPr>
+            <a:spLocks noGrp="1"/>
+          </p:cNvSpPr>
+          <p:nvPr>
+            <p:ph type="subTitle" idx="1"/>
+          </p:nvPr>
+        </p:nvSpPr>
+        <p:spPr/>
+        <p:txBody>
+          <a:bodyPr/>
+          <a:lstStyle/>
+          <a:p>
+            <a:r>
+              <a:rPr lang="en-CA" dirty="0"/>
+              <a:t>…with </a:t>
+            </a:r>
+            <a:r>
+              <a:rPr lang="en-CA" dirty="0" err="1"/>
+              <a:t>Powershell</a:t>
+            </a:r>
+            <a:r>
+              <a:rPr lang="en-CA" dirty="0"/>
+              <a:t> and </a:t>
+            </a:r>
+            <a:r>
+              <a:rPr lang="en-CA" dirty="0" err="1"/>
+              <a:t>dbatools</a:t>
+            </a:r>
+            <a:endParaRPr lang="en-US" dirty="0"/>
+          </a:p>
+        </p:txBody>
+      </p:sp>
+      <p:sp>
+        <p:nvSpPr>
+          <p:cNvPr id="4" name="Subtitle 2"/>
+          <p:cNvSpPr txBox="1">
+            <a:spLocks/>
+          </p:cNvSpPr>
+          <p:nvPr/>
+        </p:nvSpPr>
+        <p:spPr>
+          <a:xfrm>
+            <a:off x="1303637" y="6333067"/>
+            <a:ext cx="9440034" cy="524934"/>
+          </a:xfrm>
+          <a:prstGeom prst="rect">
+            <a:avLst/>
+          </a:prstGeom>
+          <a:effectLst>
+            <a:outerShdw blurRad="25400" dir="17880000">
+              <a:srgbClr val="000000">
+                <a:alpha val="46000"/>
+              </a:srgbClr>
+            </a:outerShdw>
+          </a:effectLst>
+        </p:spPr>
+        <p:txBody>
+          <a:bodyPr vert="horz" lIns="91440" tIns="45720" rIns="91440" bIns="45720" rtlCol="0" anchor="t">
+            <a:normAutofit/>
+          </a:bodyPr>
+          <a:lstStyle>
+            <a:lvl1pPr marL="0" indent="0" algn="ctr" defTabSz="457200" rtl="0" eaLnBrk="1" latinLnBrk="0" hangingPunct="1">
+              <a:spcBef>
+                <a:spcPct val="20000"/>
+              </a:spcBef>
+              <a:spcAft>
+                <a:spcPts val="600"/>
+              </a:spcAft>
+              <a:buClr>
+                <a:schemeClr val="tx2"/>
+              </a:buClr>
+              <a:buSzPct val="70000"/>
+              <a:buFont typeface="Wingdings 2" charset="2"/>
+              <a:buNone/>
+              <a:defRPr sz="2000" kern="1200">
+                <a:ln>
+                  <a:solidFill>
+                    <a:schemeClr val="bg1">
+                      <a:lumMod val="75000"/>
+                      <a:lumOff val="25000"/>
+                      <a:alpha val="10000"/>
+                    </a:schemeClr>
+                  </a:solidFill>
+                </a:ln>
+                <a:solidFill>
+                  <a:schemeClr val="tx1"/>
+                </a:solidFill>
+                <a:effectLst>
+                  <a:outerShdw blurRad="9525" dist="25400" dir="14640000" algn="tl" rotWithShape="0">
+                    <a:schemeClr val="bg1">
+                      <a:alpha val="30000"/>
+                    </a:schemeClr>
+                  </a:outerShdw>
+                </a:effectLst>
+                <a:latin typeface="+mn-lt"/>
+                <a:ea typeface="+mn-ea"/>
+                <a:cs typeface="+mn-cs"/>
+              </a:defRPr>
+            </a:lvl1pPr>
+            <a:lvl2pPr marL="457200" indent="0" algn="ctr" defTabSz="457200" rtl="0" eaLnBrk="1" latinLnBrk="0" hangingPunct="1">
+              <a:spcBef>
+                <a:spcPct val="20000"/>
+              </a:spcBef>
+              <a:spcAft>
+                <a:spcPts val="600"/>
+              </a:spcAft>
+              <a:buClr>
+                <a:schemeClr val="tx2"/>
+              </a:buClr>
+              <a:buSzPct val="70000"/>
+              <a:buFont typeface="Wingdings 2" charset="2"/>
+              <a:buNone/>
+              <a:defRPr sz="1800" kern="1200">
+                <a:ln>
+                  <a:solidFill>
+                    <a:schemeClr val="bg1">
+                      <a:lumMod val="75000"/>
+                      <a:lumOff val="25000"/>
+                      <a:alpha val="10000"/>
+                    </a:schemeClr>
+                  </a:solidFill>
+                </a:ln>
+                <a:solidFill>
+                  <a:schemeClr val="tx1">
+                    <a:tint val="75000"/>
+                  </a:schemeClr>
+                </a:solidFill>
+                <a:effectLst>
+                  <a:outerShdw blurRad="9525" dist="25400" dir="14640000" algn="tl" rotWithShape="0">
+                    <a:schemeClr val="bg1">
+                      <a:alpha val="30000"/>
+                    </a:schemeClr>
+                  </a:outerShdw>
+                </a:effectLst>
+                <a:latin typeface="+mn-lt"/>
+                <a:ea typeface="+mn-ea"/>
+                <a:cs typeface="+mn-cs"/>
+              </a:defRPr>
+            </a:lvl2pPr>
+            <a:lvl3pPr marL="914400" indent="0" algn="ctr" defTabSz="457200" rtl="0" eaLnBrk="1" latinLnBrk="0" hangingPunct="1">
+              <a:spcBef>
+                <a:spcPct val="20000"/>
+              </a:spcBef>
+              <a:spcAft>
+                <a:spcPts val="600"/>
+              </a:spcAft>
+              <a:buClr>
+                <a:schemeClr val="tx2"/>
+              </a:buClr>
+              <a:buSzPct val="70000"/>
+              <a:buFont typeface="Wingdings 2" charset="2"/>
+              <a:buNone/>
+              <a:defRPr sz="1600" kern="1200">
+                <a:ln>
+                  <a:solidFill>
+                    <a:schemeClr val="bg1">
+                      <a:lumMod val="75000"/>
+                      <a:lumOff val="25000"/>
+                      <a:alpha val="10000"/>
+                    </a:schemeClr>
+                  </a:solidFill>
+                </a:ln>
+                <a:solidFill>
+                  <a:schemeClr val="tx1">
+                    <a:tint val="75000"/>
+                  </a:schemeClr>
+                </a:solidFill>
+                <a:effectLst>
+                  <a:outerShdw blurRad="9525" dist="25400" dir="14640000" algn="tl" rotWithShape="0">
+                    <a:schemeClr val="bg1">
+                      <a:alpha val="30000"/>
+                    </a:schemeClr>
+                  </a:outerShdw>
+                </a:effectLst>
+                <a:latin typeface="+mn-lt"/>
+                <a:ea typeface="+mn-ea"/>
+                <a:cs typeface="+mn-cs"/>
+              </a:defRPr>
+            </a:lvl3pPr>
+            <a:lvl4pPr marL="1371600" indent="0" algn="ctr" defTabSz="457200" rtl="0" eaLnBrk="1" latinLnBrk="0" hangingPunct="1">
+              <a:spcBef>
+                <a:spcPct val="20000"/>
+              </a:spcBef>
+              <a:spcAft>
+                <a:spcPts val="600"/>
+              </a:spcAft>
+              <a:buClr>
+                <a:schemeClr val="tx2"/>
+              </a:buClr>
+              <a:buSzPct val="70000"/>
+              <a:buFont typeface="Wingdings 2" charset="2"/>
+              <a:buNone/>
+              <a:defRPr sz="1400" kern="1200">
+                <a:ln>
+                  <a:solidFill>
+                    <a:schemeClr val="bg1">
+                      <a:lumMod val="75000"/>
+                      <a:lumOff val="25000"/>
+                      <a:alpha val="10000"/>
+                    </a:schemeClr>
+                  </a:solidFill>
+                </a:ln>
+                <a:solidFill>
+                  <a:schemeClr val="tx1">
+                    <a:tint val="75000"/>
+                  </a:schemeClr>
+                </a:solidFill>
+                <a:effectLst>
+                  <a:outerShdw blurRad="9525" dist="25400" dir="14640000" algn="tl" rotWithShape="0">
+                    <a:schemeClr val="bg1">
+                      <a:alpha val="30000"/>
+                    </a:schemeClr>
+                  </a:outerShdw>
+                </a:effectLst>
+                <a:latin typeface="+mn-lt"/>
+                <a:ea typeface="+mn-ea"/>
+                <a:cs typeface="+mn-cs"/>
+              </a:defRPr>
+            </a:lvl4pPr>
+            <a:lvl5pPr marL="1828800" indent="0" algn="ctr" defTabSz="457200" rtl="0" eaLnBrk="1" latinLnBrk="0" hangingPunct="1">
+              <a:spcBef>
+                <a:spcPct val="20000"/>
+              </a:spcBef>
+              <a:spcAft>
+                <a:spcPts val="600"/>
+              </a:spcAft>
+              <a:buClr>
+                <a:schemeClr val="tx2"/>
+              </a:buClr>
+              <a:buSzPct val="70000"/>
+              <a:buFont typeface="Wingdings 2" charset="2"/>
+              <a:buNone/>
+              <a:defRPr sz="1400" kern="1200">
+                <a:ln>
+                  <a:solidFill>
+                    <a:schemeClr val="bg1">
+                      <a:lumMod val="75000"/>
+                      <a:lumOff val="25000"/>
+                      <a:alpha val="10000"/>
+                    </a:schemeClr>
+                  </a:solidFill>
+                </a:ln>
+                <a:solidFill>
+                  <a:schemeClr val="tx1">
+                    <a:tint val="75000"/>
+                  </a:schemeClr>
+                </a:solidFill>
+                <a:effectLst>
+                  <a:outerShdw blurRad="9525" dist="25400" dir="14640000" algn="tl" rotWithShape="0">
+                    <a:schemeClr val="bg1">
+                      <a:alpha val="30000"/>
+                    </a:schemeClr>
+                  </a:outerShdw>
+                </a:effectLst>
+                <a:latin typeface="+mn-lt"/>
+                <a:ea typeface="+mn-ea"/>
+                <a:cs typeface="+mn-cs"/>
+              </a:defRPr>
+            </a:lvl5pPr>
+            <a:lvl6pPr marL="2286000" indent="0" algn="ctr" defTabSz="457200" rtl="0" eaLnBrk="1" latinLnBrk="0" hangingPunct="1">
+              <a:spcBef>
+                <a:spcPct val="20000"/>
+              </a:spcBef>
+              <a:spcAft>
+                <a:spcPts val="600"/>
+              </a:spcAft>
+              <a:buClr>
+                <a:schemeClr val="tx2"/>
+              </a:buClr>
+              <a:buSzPct val="70000"/>
+              <a:buFont typeface="Wingdings 2" charset="2"/>
+              <a:buNone/>
+              <a:defRPr sz="1400" kern="1200">
+                <a:ln>
+                  <a:solidFill>
+                    <a:schemeClr val="bg1">
+                      <a:lumMod val="75000"/>
+                      <a:lumOff val="25000"/>
+                      <a:alpha val="10000"/>
+                    </a:schemeClr>
+                  </a:solidFill>
+                </a:ln>
+                <a:solidFill>
+                  <a:schemeClr val="tx1">
+                    <a:tint val="75000"/>
+                  </a:schemeClr>
+                </a:solidFill>
+                <a:effectLst>
+                  <a:outerShdw blurRad="9525" dist="25400" dir="14640000" algn="tl" rotWithShape="0">
+                    <a:schemeClr val="bg1">
+                      <a:alpha val="30000"/>
+                    </a:schemeClr>
+                  </a:outerShdw>
+                </a:effectLst>
+                <a:latin typeface="+mn-lt"/>
+                <a:ea typeface="+mn-ea"/>
+                <a:cs typeface="+mn-cs"/>
+              </a:defRPr>
+            </a:lvl6pPr>
+            <a:lvl7pPr marL="2743200" indent="0" algn="ctr" defTabSz="457200" rtl="0" eaLnBrk="1" latinLnBrk="0" hangingPunct="1">
+              <a:spcBef>
+                <a:spcPct val="20000"/>
+              </a:spcBef>
+              <a:spcAft>
+                <a:spcPts val="600"/>
+              </a:spcAft>
+              <a:buClr>
+                <a:schemeClr val="tx2"/>
+              </a:buClr>
+              <a:buSzPct val="70000"/>
+              <a:buFont typeface="Wingdings 2" charset="2"/>
+              <a:buNone/>
+              <a:defRPr sz="1400" kern="1200">
+                <a:ln>
+                  <a:solidFill>
+                    <a:schemeClr val="bg1">
+                      <a:lumMod val="75000"/>
+                      <a:lumOff val="25000"/>
+                      <a:alpha val="10000"/>
+                    </a:schemeClr>
+                  </a:solidFill>
+                </a:ln>
+                <a:solidFill>
+                  <a:schemeClr val="tx1">
+                    <a:tint val="75000"/>
+                  </a:schemeClr>
+                </a:solidFill>
+                <a:effectLst>
+                  <a:outerShdw blurRad="9525" dist="25400" dir="14640000" algn="tl" rotWithShape="0">
+                    <a:schemeClr val="bg1">
+                      <a:alpha val="30000"/>
+                    </a:schemeClr>
+                  </a:outerShdw>
+                </a:effectLst>
+                <a:latin typeface="+mn-lt"/>
+                <a:ea typeface="+mn-ea"/>
+                <a:cs typeface="+mn-cs"/>
+              </a:defRPr>
+            </a:lvl7pPr>
+            <a:lvl8pPr marL="3200400" indent="0" algn="ctr" defTabSz="457200" rtl="0" eaLnBrk="1" latinLnBrk="0" hangingPunct="1">
+              <a:spcBef>
+                <a:spcPct val="20000"/>
+              </a:spcBef>
+              <a:spcAft>
+                <a:spcPts val="600"/>
+              </a:spcAft>
+              <a:buClr>
+                <a:schemeClr val="tx2"/>
+              </a:buClr>
+              <a:buSzPct val="70000"/>
+              <a:buFont typeface="Wingdings 2" charset="2"/>
+              <a:buNone/>
+              <a:defRPr sz="1400" kern="1200">
+                <a:ln>
+                  <a:solidFill>
+                    <a:schemeClr val="bg1">
+                      <a:lumMod val="75000"/>
+                      <a:lumOff val="25000"/>
+                      <a:alpha val="10000"/>
+                    </a:schemeClr>
+                  </a:solidFill>
+                </a:ln>
+                <a:solidFill>
+                  <a:schemeClr val="tx1">
+                    <a:tint val="75000"/>
+                  </a:schemeClr>
+                </a:solidFill>
+                <a:effectLst>
+                  <a:outerShdw blurRad="9525" dist="25400" dir="14640000" algn="tl" rotWithShape="0">
+                    <a:schemeClr val="bg1">
+                      <a:alpha val="30000"/>
+                    </a:schemeClr>
+                  </a:outerShdw>
+                </a:effectLst>
+                <a:latin typeface="+mn-lt"/>
+                <a:ea typeface="+mn-ea"/>
+                <a:cs typeface="+mn-cs"/>
+              </a:defRPr>
+            </a:lvl8pPr>
+            <a:lvl9pPr marL="3657600" indent="0" algn="ctr" defTabSz="457200" rtl="0" eaLnBrk="1" latinLnBrk="0" hangingPunct="1">
+              <a:spcBef>
+                <a:spcPct val="20000"/>
+              </a:spcBef>
+              <a:spcAft>
+                <a:spcPts val="600"/>
+              </a:spcAft>
+              <a:buClr>
+                <a:schemeClr val="tx2"/>
+              </a:buClr>
+              <a:buSzPct val="70000"/>
+              <a:buFont typeface="Wingdings 2" charset="2"/>
+              <a:buNone/>
+              <a:defRPr sz="1400" kern="1200">
+                <a:ln>
+                  <a:solidFill>
+                    <a:schemeClr val="bg1">
+                      <a:lumMod val="75000"/>
+                      <a:lumOff val="25000"/>
+                      <a:alpha val="10000"/>
+                    </a:schemeClr>
+                  </a:solidFill>
+                </a:ln>
+                <a:solidFill>
+                  <a:schemeClr val="tx1">
+                    <a:tint val="75000"/>
+                  </a:schemeClr>
+                </a:solidFill>
+                <a:effectLst>
+                  <a:outerShdw blurRad="9525" dist="25400" dir="14640000" algn="tl" rotWithShape="0">
+                    <a:schemeClr val="bg1">
+                      <a:alpha val="30000"/>
+                    </a:schemeClr>
+                  </a:outerShdw>
+                </a:effectLst>
+                <a:latin typeface="+mn-lt"/>
+                <a:ea typeface="+mn-ea"/>
+                <a:cs typeface="+mn-cs"/>
+              </a:defRPr>
+            </a:lvl9pPr>
+          </a:lstStyle>
+          <a:p>
+            <a:r>
+              <a:rPr lang="en-CA" dirty="0"/>
+              <a:t>presented by @</a:t>
+            </a:r>
+            <a:r>
+              <a:rPr lang="en-CA" dirty="0" err="1"/>
+              <a:t>nvarscar</a:t>
+            </a:r>
+            <a:endParaRPr lang="en-US" dirty="0"/>
+          </a:p>
+        </p:txBody>
+      </p:sp>
+      <p:pic>
+        <p:nvPicPr>
+          <p:cNvPr id="2050" name="Picture 2" descr="Image result for pixel mercy overwatch"/>
+          <p:cNvPicPr>
+            <a:picLocks noChangeAspect="1" noChangeArrowheads="1"/>
+          </p:cNvPicPr>
+          <p:nvPr/>
+        </p:nvPicPr>
+        <p:blipFill>
+          <a:blip r:embed="rId2" cstate="hqprint">
+            <a:extLst>
+              <a:ext uri="{28A0092B-C50C-407E-A947-70E740481C1C}">
+                <a14:useLocalDpi xmlns:a14="http://schemas.microsoft.com/office/drawing/2010/main" val="0"/>
+              </a:ext>
+            </a:extLst>
+          </a:blip>
+          <a:srcRect/>
+          <a:stretch>
+            <a:fillRect/>
+          </a:stretch>
+        </p:blipFill>
+        <p:spPr bwMode="auto">
+          <a:xfrm>
+            <a:off x="18729" y="-131067"/>
+            <a:ext cx="1351964" cy="1351964"/>
+          </a:xfrm>
+          <a:prstGeom prst="rect">
+            <a:avLst/>
+          </a:prstGeom>
+          <a:noFill/>
+          <a:extLst>
+            <a:ext uri="{909E8E84-426E-40DD-AFC4-6F175D3DCCD1}">
+              <a14:hiddenFill xmlns:a14="http://schemas.microsoft.com/office/drawing/2010/main">
+                <a:solidFill>
+                  <a:srgbClr val="FFFFFF"/>
+                </a:solidFill>
+              </a14:hiddenFill>
+            </a:ext>
+          </a:extLst>
+        </p:spPr>
+      </p:pic>
+    </p:spTree>
+    <p:extLst>
+      <p:ext uri="{BB962C8B-B14F-4D97-AF65-F5344CB8AC3E}">
+        <p14:creationId xmlns:p14="http://schemas.microsoft.com/office/powerpoint/2010/main" val="2810996408"/>
+      </p:ext>
+    </p:extLst>
+  </p:cSld>
+  <p:clrMapOvr>
+    <a:masterClrMapping/>
+  </p:clrMapOvr>
+  <p:timing>
+    <p:tnLst>
+      <p:par>
+        <p:cTn id="1" dur="indefinite" restart="never" nodeType="tmRoot"/>
+      </p:par>
+    </p:tnLst>
+  </p:timing>
+</p:sld>
+</file>
+
+<file path=ppt/slides/slide3.xml><?xml version="1.0" encoding="utf-8"?>
 <p:sld xmlns:a="http://schemas.openxmlformats.org/drawingml/2006/main" xmlns:r="http://schemas.openxmlformats.org/officeDocument/2006/relationships" xmlns:p="http://schemas.openxmlformats.org/presentationml/2006/main">
   <p:cSld>
     <p:spTree>
@@ -13573,11 +15890,26 @@
             <a:pPr lvl="1"/>
             <a:r>
               <a:rPr lang="en-CA" dirty="0"/>
-              <a:t>Automation – VBS, T-SQL, </a:t>
-            </a:r>
-            <a:r>
-              <a:rPr lang="en-CA" dirty="0" err="1"/>
+              <a:t>Automation </a:t>
+            </a:r>
+            <a:r>
+              <a:rPr lang="en-CA" dirty="0" smtClean="0"/>
+              <a:t>– </a:t>
+            </a:r>
+            <a:r>
+              <a:rPr lang="en-CA" dirty="0" err="1" smtClean="0"/>
               <a:t>Powershell</a:t>
+            </a:r>
+            <a:r>
+              <a:rPr lang="en-CA" dirty="0" smtClean="0"/>
+              <a:t>, T-SQL</a:t>
+            </a:r>
+          </a:p>
+          <a:p>
+            <a:pPr lvl="1"/>
+            <a:r>
+              <a:rPr lang="en-CA" dirty="0" smtClean="0"/>
+              <a:t>Adept of DevOps in databases</a:t>
             </a:r>
             <a:endParaRPr lang="en-CA" dirty="0"/>
           </a:p>
@@ -13636,10 +15968,17 @@
   <p:clrMapOvr>
     <a:masterClrMapping/>
   </p:clrMapOvr>
+  <p:timing>
+    <p:tnLst>
+      <p:par>
+        <p:cTn id="1" dur="indefinite" restart="never" nodeType="tmRoot"/>
+      </p:par>
+    </p:tnLst>
+  </p:timing>
 </p:sld>
 </file>
 
-<file path=ppt/slides/slide3.xml><?xml version="1.0" encoding="utf-8"?>
+<file path=ppt/slides/slide4.xml><?xml version="1.0" encoding="utf-8"?>
 <p:sld xmlns:a="http://schemas.openxmlformats.org/drawingml/2006/main" xmlns:r="http://schemas.openxmlformats.org/officeDocument/2006/relationships" xmlns:p="http://schemas.openxmlformats.org/presentationml/2006/main">
   <p:cSld>
     <p:spTree>
@@ -13697,100 +16036,48 @@
         </p:spPr>
         <p:txBody>
           <a:bodyPr>
-            <a:normAutofit fontScale="85000" lnSpcReduction="20000"/>
+            <a:normAutofit/>
           </a:bodyPr>
           <a:lstStyle/>
           <a:p>
             <a:r>
+              <a:rPr lang="en-CA" dirty="0" smtClean="0"/>
+              <a:t>Why </a:t>
+            </a:r>
+            <a:r>
               <a:rPr lang="en-CA" dirty="0"/>
-              <a:t>When and why would I use </a:t>
+              <a:t>would I use </a:t>
             </a:r>
             <a:r>
               <a:rPr lang="en-CA" dirty="0" err="1"/>
               <a:t>Powershell</a:t>
             </a:r>
             <a:r>
+              <a:rPr lang="en-CA" dirty="0" smtClean="0"/>
+              <a:t>?</a:t>
+            </a:r>
+          </a:p>
+          <a:p>
+            <a:r>
+              <a:rPr lang="en-CA" dirty="0" err="1" smtClean="0"/>
+              <a:t>Powershell</a:t>
+            </a:r>
+            <a:r>
               <a:rPr lang="en-CA" dirty="0"/>
-              <a:t>?</a:t>
-            </a:r>
-          </a:p>
-          <a:p>
-            <a:r>
-              <a:rPr lang="en-CA" dirty="0" err="1"/>
-              <a:t>Powershell</a:t>
+              <a:t> </a:t>
+            </a:r>
+            <a:r>
+              <a:rPr lang="en-CA" dirty="0" smtClean="0"/>
+              <a:t>💖 SQL </a:t>
             </a:r>
             <a:r>
               <a:rPr lang="en-CA" dirty="0"/>
-              <a:t> as a command line tool</a:t>
-            </a:r>
-          </a:p>
-          <a:p>
-            <a:pPr lvl="1"/>
-            <a:r>
-              <a:rPr lang="en-CA" dirty="0"/>
-              <a:t>Cmdlets, functions and parameters</a:t>
-            </a:r>
-          </a:p>
-          <a:p>
-            <a:pPr lvl="1"/>
-            <a:r>
-              <a:rPr lang="en-CA" dirty="0"/>
-              <a:t>Built-in help</a:t>
-            </a:r>
-          </a:p>
-          <a:p>
-            <a:pPr lvl="1"/>
-            <a:r>
-              <a:rPr lang="en-CA" dirty="0"/>
-              <a:t>Arrays, </a:t>
-            </a:r>
-            <a:r>
-              <a:rPr lang="en-CA" dirty="0" err="1"/>
-              <a:t>hashtables</a:t>
-            </a:r>
-            <a:r>
-              <a:rPr lang="en-CA" dirty="0"/>
-              <a:t> and pipelines</a:t>
-            </a:r>
-          </a:p>
-          <a:p>
-            <a:r>
-              <a:rPr lang="en-CA" dirty="0" err="1"/>
-              <a:t>Powershell</a:t>
-            </a:r>
-            <a:r>
-              <a:rPr lang="en-CA" dirty="0"/>
-              <a:t> in SQL Server</a:t>
-            </a:r>
-          </a:p>
-          <a:p>
-            <a:pPr lvl="1"/>
-            <a:r>
-              <a:rPr lang="en-CA" dirty="0" err="1"/>
-              <a:t>SqlServer</a:t>
-            </a:r>
-            <a:r>
-              <a:rPr lang="en-CA" dirty="0"/>
-              <a:t> module (aka SQLPS)</a:t>
-            </a:r>
-          </a:p>
-          <a:p>
-            <a:pPr lvl="1"/>
-            <a:r>
-              <a:rPr lang="en-CA" dirty="0"/>
-              <a:t>SQL Server SMO</a:t>
-            </a:r>
-          </a:p>
-          <a:p>
-            <a:pPr lvl="1"/>
-            <a:r>
-              <a:rPr lang="en-CA" dirty="0"/>
-              <a:t>Community modules</a:t>
-            </a:r>
-          </a:p>
-          <a:p>
-            <a:r>
-              <a:rPr lang="en-CA" dirty="0" err="1"/>
+              <a:t>Server</a:t>
+            </a:r>
+          </a:p>
+          <a:p>
+            <a:r>
+              <a:rPr lang="en-CA" dirty="0" err="1" smtClean="0"/>
               <a:t>dbatools</a:t>
             </a:r>
             <a:endParaRPr lang="en-CA" dirty="0"/>
@@ -13841,10 +16128,17 @@
   <p:clrMapOvr>
     <a:masterClrMapping/>
   </p:clrMapOvr>
+  <p:timing>
+    <p:tnLst>
+      <p:par>
+        <p:cTn id="1" dur="indefinite" restart="never" nodeType="tmRoot"/>
+      </p:par>
+    </p:tnLst>
+  </p:timing>
 </p:sld>
 </file>
 
-<file path=ppt/slides/slide4.xml><?xml version="1.0" encoding="utf-8"?>
+<file path=ppt/slides/slide5.xml><?xml version="1.0" encoding="utf-8"?>
 <p:sld xmlns:a="http://schemas.openxmlformats.org/drawingml/2006/main" xmlns:r="http://schemas.openxmlformats.org/officeDocument/2006/relationships" xmlns:p="http://schemas.openxmlformats.org/presentationml/2006/main">
   <p:cSld>
     <p:spTree>
@@ -14224,7 +16518,7 @@
 </p:sld>
 </file>
 
-<file path=ppt/slides/slide5.xml><?xml version="1.0" encoding="utf-8"?>
+<file path=ppt/slides/slide6.xml><?xml version="1.0" encoding="utf-8"?>
 <p:sld xmlns:a="http://schemas.openxmlformats.org/drawingml/2006/main" xmlns:r="http://schemas.openxmlformats.org/officeDocument/2006/relationships" xmlns:p="http://schemas.openxmlformats.org/presentationml/2006/main">
   <p:cSld>
     <p:spTree>
@@ -14290,7 +16584,7 @@
         </p:spPr>
         <p:txBody>
           <a:bodyPr>
-            <a:normAutofit fontScale="92500" lnSpcReduction="10000"/>
+            <a:normAutofit fontScale="92500" lnSpcReduction="20000"/>
           </a:bodyPr>
           <a:lstStyle/>
           <a:p>
@@ -14330,7 +16624,22 @@
             <a:pPr lvl="1"/>
             <a:r>
               <a:rPr lang="en-CA" dirty="0"/>
-              <a:t>Starting processes and processing output</a:t>
+              <a:t>Starting </a:t>
+            </a:r>
+            <a:r>
+              <a:rPr lang="en-CA" dirty="0" smtClean="0"/>
+              <a:t>processes</a:t>
+            </a:r>
+          </a:p>
+          <a:p>
+            <a:pPr lvl="1"/>
+            <a:r>
+              <a:rPr lang="en-CA" dirty="0" smtClean="0"/>
+              <a:t>Processing </a:t>
+            </a:r>
+            <a:r>
+              <a:rPr lang="en-CA" dirty="0"/>
+              <a:t>output</a:t>
             </a:r>
           </a:p>
           <a:p>
@@ -14452,11 +16761,18 @@
   <p:clrMapOvr>
     <a:masterClrMapping/>
   </p:clrMapOvr>
+  <p:timing>
+    <p:tnLst>
+      <p:par>
+        <p:cTn id="1" dur="indefinite" restart="never" nodeType="tmRoot"/>
+      </p:par>
+    </p:tnLst>
+  </p:timing>
 </p:sld>
 </file>
 
-<file path=ppt/slides/slide6.xml><?xml version="1.0" encoding="utf-8"?>
-<p:sld xmlns:a="http://schemas.openxmlformats.org/drawingml/2006/main" xmlns:r="http://schemas.openxmlformats.org/officeDocument/2006/relationships" xmlns:p="http://schemas.openxmlformats.org/presentationml/2006/main">
+<file path=ppt/slides/slide7.xml><?xml version="1.0" encoding="utf-8"?>
+<p:sld xmlns:a="http://schemas.openxmlformats.org/drawingml/2006/main" xmlns:r="http://schemas.openxmlformats.org/officeDocument/2006/relationships" xmlns:p="http://schemas.openxmlformats.org/presentationml/2006/main" show="0">
   <p:cSld>
     <p:spTree>
       <p:nvGrpSpPr>
@@ -14967,6 +17283,14 @@
   <p:clrMapOvr>
     <a:masterClrMapping/>
   </p:clrMapOvr>
+  <mc:AlternateContent xmlns:mc="http://schemas.openxmlformats.org/markup-compatibility/2006" xmlns:p14="http://schemas.microsoft.com/office/powerpoint/2010/main">
+    <mc:Choice Requires="p14">
+      <p:transition spd="slow" p14:dur="2000"/>
+    </mc:Choice>
+    <mc:Fallback xmlns="">
+      <p:transition spd="slow"/>
+    </mc:Fallback>
+  </mc:AlternateContent>
   <p:timing>
     <p:tnLst>
       <p:par>
@@ -15302,8 +17626,8 @@
 </p:sld>
 </file>
 
-<file path=ppt/slides/slide7.xml><?xml version="1.0" encoding="utf-8"?>
-<p:sld xmlns:a="http://schemas.openxmlformats.org/drawingml/2006/main" xmlns:r="http://schemas.openxmlformats.org/officeDocument/2006/relationships" xmlns:p="http://schemas.openxmlformats.org/presentationml/2006/main">
+<file path=ppt/slides/slide8.xml><?xml version="1.0" encoding="utf-8"?>
+<p:sld xmlns:a="http://schemas.openxmlformats.org/drawingml/2006/main" xmlns:r="http://schemas.openxmlformats.org/officeDocument/2006/relationships" xmlns:p="http://schemas.openxmlformats.org/presentationml/2006/main" show="0">
   <p:cSld>
     <p:spTree>
       <p:nvGrpSpPr>
@@ -15576,11 +17900,26 @@
   <p:clrMapOvr>
     <a:masterClrMapping/>
   </p:clrMapOvr>
+  <mc:AlternateContent xmlns:mc="http://schemas.openxmlformats.org/markup-compatibility/2006" xmlns:p14="http://schemas.microsoft.com/office/powerpoint/2010/main">
+    <mc:Choice Requires="p14">
+      <p:transition spd="slow" p14:dur="2000"/>
+    </mc:Choice>
+    <mc:Fallback xmlns="">
+      <p:transition spd="slow"/>
+    </mc:Fallback>
+  </mc:AlternateContent>
+  <p:timing>
+    <p:tnLst>
+      <p:par>
+        <p:cTn id="1" dur="indefinite" restart="never" nodeType="tmRoot"/>
+      </p:par>
+    </p:tnLst>
+  </p:timing>
 </p:sld>
 </file>
 
-<file path=ppt/slides/slide8.xml><?xml version="1.0" encoding="utf-8"?>
-<p:sld xmlns:a="http://schemas.openxmlformats.org/drawingml/2006/main" xmlns:r="http://schemas.openxmlformats.org/officeDocument/2006/relationships" xmlns:p="http://schemas.openxmlformats.org/presentationml/2006/main">
+<file path=ppt/slides/slide9.xml><?xml version="1.0" encoding="utf-8"?>
+<p:sld xmlns:a="http://schemas.openxmlformats.org/drawingml/2006/main" xmlns:r="http://schemas.openxmlformats.org/officeDocument/2006/relationships" xmlns:p="http://schemas.openxmlformats.org/presentationml/2006/main" show="0">
   <p:cSld>
     <p:spTree>
       <p:nvGrpSpPr>
@@ -15895,211 +18234,21 @@
   <p:clrMapOvr>
     <a:masterClrMapping/>
   </p:clrMapOvr>
-</p:sld>
-</file>
-
-<file path=ppt/slides/slide9.xml><?xml version="1.0" encoding="utf-8"?>
-<p:sld xmlns:a="http://schemas.openxmlformats.org/drawingml/2006/main" xmlns:r="http://schemas.openxmlformats.org/officeDocument/2006/relationships" xmlns:p="http://schemas.openxmlformats.org/presentationml/2006/main">
-  <p:cSld>
-    <p:spTree>
-      <p:nvGrpSpPr>
-        <p:cNvPr id="1" name=""/>
-        <p:cNvGrpSpPr/>
-        <p:nvPr/>
-      </p:nvGrpSpPr>
-      <p:grpSpPr>
-        <a:xfrm>
-          <a:off x="0" y="0"/>
-          <a:ext cx="0" cy="0"/>
-          <a:chOff x="0" y="0"/>
-          <a:chExt cx="0" cy="0"/>
-        </a:xfrm>
-      </p:grpSpPr>
-      <p:sp>
-        <p:nvSpPr>
-          <p:cNvPr id="2" name="Title 1"/>
-          <p:cNvSpPr>
-            <a:spLocks noGrp="1"/>
-          </p:cNvSpPr>
-          <p:nvPr>
-            <p:ph type="title"/>
-          </p:nvPr>
-        </p:nvSpPr>
-        <p:spPr/>
-        <p:txBody>
-          <a:bodyPr/>
-          <a:lstStyle/>
-          <a:p>
-            <a:r>
-              <a:rPr lang="en-CA" dirty="0" err="1"/>
-              <a:t>ps</a:t>
-            </a:r>
-            <a:r>
-              <a:rPr lang="en-CA" dirty="0"/>
-              <a:t> modules</a:t>
-            </a:r>
-            <a:endParaRPr lang="en-US" dirty="0"/>
-          </a:p>
-        </p:txBody>
-      </p:sp>
-      <p:sp>
-        <p:nvSpPr>
-          <p:cNvPr id="3" name="Content Placeholder 2"/>
-          <p:cNvSpPr>
-            <a:spLocks noGrp="1"/>
-          </p:cNvSpPr>
-          <p:nvPr>
-            <p:ph idx="1"/>
-          </p:nvPr>
-        </p:nvSpPr>
-        <p:spPr/>
-        <p:txBody>
-          <a:bodyPr/>
-          <a:lstStyle/>
-          <a:p>
-            <a:r>
-              <a:rPr lang="en-CA" dirty="0"/>
-              <a:t>Module</a:t>
-            </a:r>
-          </a:p>
-          <a:p>
-            <a:pPr lvl="1"/>
-            <a:r>
-              <a:rPr lang="en-CA" dirty="0"/>
-              <a:t>A </a:t>
-            </a:r>
-            <a:r>
-              <a:rPr lang="en-US" dirty="0">
-                <a:effectLst/>
-              </a:rPr>
-              <a:t>set of related PowerShell functionalities, grouped together as a convenient unit</a:t>
-            </a:r>
-          </a:p>
-          <a:p>
-            <a:pPr lvl="1"/>
-            <a:r>
-              <a:rPr lang="en-CA" dirty="0">
-                <a:effectLst/>
-              </a:rPr>
-              <a:t>Contains script files and assemblies we can use in our code once the module is loaded</a:t>
-            </a:r>
-          </a:p>
-          <a:p>
-            <a:pPr lvl="1"/>
-            <a:endParaRPr lang="en-CA" dirty="0">
-              <a:effectLst/>
-            </a:endParaRPr>
-          </a:p>
-          <a:p>
-            <a:r>
-              <a:rPr lang="en-CA" dirty="0">
-                <a:effectLst/>
-              </a:rPr>
-              <a:t>How to install/load module:</a:t>
-            </a:r>
-          </a:p>
-          <a:p>
-            <a:pPr lvl="1"/>
-            <a:r>
-              <a:rPr lang="en-CA" dirty="0">
-                <a:effectLst/>
-              </a:rPr>
-              <a:t>Run Import-Module &lt;path&gt;</a:t>
-            </a:r>
-          </a:p>
-          <a:p>
-            <a:pPr lvl="1"/>
-            <a:r>
-              <a:rPr lang="en-CA" dirty="0">
-                <a:effectLst/>
-              </a:rPr>
-              <a:t>Put module </a:t>
-            </a:r>
-            <a:r>
-              <a:rPr lang="en-CA" u="sng" dirty="0">
-                <a:effectLst/>
-              </a:rPr>
-              <a:t>folder</a:t>
-            </a:r>
-            <a:r>
-              <a:rPr lang="en-CA" dirty="0">
-                <a:effectLst/>
-              </a:rPr>
-              <a:t> into one of the directories specified in: $</a:t>
-            </a:r>
-            <a:r>
-              <a:rPr lang="en-CA" dirty="0" err="1">
-                <a:effectLst/>
-              </a:rPr>
-              <a:t>env:PSModulePath</a:t>
-            </a:r>
-            <a:endParaRPr lang="en-US" dirty="0">
-              <a:effectLst/>
-            </a:endParaRPr>
-          </a:p>
-          <a:p>
-            <a:pPr lvl="1"/>
-            <a:endParaRPr lang="en-CA" dirty="0">
-              <a:effectLst/>
-            </a:endParaRPr>
-          </a:p>
-          <a:p>
-            <a:pPr lvl="1"/>
-            <a:endParaRPr lang="en-US" dirty="0"/>
-          </a:p>
-        </p:txBody>
-      </p:sp>
-      <p:pic>
-        <p:nvPicPr>
-          <p:cNvPr id="6" name="Picture 5"/>
-          <p:cNvPicPr>
-            <a:picLocks noChangeAspect="1"/>
-          </p:cNvPicPr>
-          <p:nvPr/>
-        </p:nvPicPr>
-        <p:blipFill rotWithShape="1">
-          <a:blip r:embed="rId2"/>
-          <a:srcRect l="221"/>
-          <a:stretch/>
-        </p:blipFill>
-        <p:spPr>
-          <a:xfrm>
-            <a:off x="3630168" y="4892043"/>
-            <a:ext cx="4931936" cy="1133333"/>
-          </a:xfrm>
-          <a:prstGeom prst="rect">
-            <a:avLst/>
-          </a:prstGeom>
-          <a:solidFill>
-            <a:srgbClr val="000000">
-              <a:shade val="95000"/>
-            </a:srgbClr>
-          </a:solidFill>
-          <a:ln w="57150" cap="sq">
-            <a:solidFill>
-              <a:srgbClr val="000000"/>
-            </a:solidFill>
-            <a:miter lim="800000"/>
-          </a:ln>
-          <a:effectLst>
-            <a:outerShdw blurRad="254000" dist="190500" dir="2700000" sy="90000" algn="bl" rotWithShape="0">
-              <a:srgbClr val="000000">
-                <a:alpha val="40000"/>
-              </a:srgbClr>
-            </a:outerShdw>
-          </a:effectLst>
-        </p:spPr>
-      </p:pic>
-    </p:spTree>
-    <p:extLst>
-      <p:ext uri="{BB962C8B-B14F-4D97-AF65-F5344CB8AC3E}">
-        <p14:creationId xmlns:p14="http://schemas.microsoft.com/office/powerpoint/2010/main" val="1141652334"/>
-      </p:ext>
-    </p:extLst>
-  </p:cSld>
-  <p:clrMapOvr>
-    <a:masterClrMapping/>
-  </p:clrMapOvr>
+  <mc:AlternateContent xmlns:mc="http://schemas.openxmlformats.org/markup-compatibility/2006" xmlns:p14="http://schemas.microsoft.com/office/powerpoint/2010/main">
+    <mc:Choice Requires="p14">
+      <p:transition spd="slow" p14:dur="2000"/>
+    </mc:Choice>
+    <mc:Fallback xmlns="">
+      <p:transition spd="slow"/>
+    </mc:Fallback>
+  </mc:AlternateContent>
+  <p:timing>
+    <p:tnLst>
+      <p:par>
+        <p:cTn id="1" dur="indefinite" restart="never" nodeType="tmRoot"/>
+      </p:par>
+    </p:tnLst>
+  </p:timing>
 </p:sld>
 </file>
 
@@ -16343,4 +18492,260 @@
     </a:ext>
   </a:extLst>
 </a:theme>
+</file>
+
+<file path=ppt/theme/theme2.xml><?xml version="1.0" encoding="utf-8"?>
+<a:theme xmlns:a="http://schemas.openxmlformats.org/drawingml/2006/main" name="SQLSatOslo 2016">
+  <a:themeElements>
+    <a:clrScheme name="PASS SQLSaturday">
+      <a:dk1>
+        <a:srgbClr val="101820"/>
+      </a:dk1>
+      <a:lt1>
+        <a:srgbClr val="FFFFFF"/>
+      </a:lt1>
+      <a:dk2>
+        <a:srgbClr val="414A54"/>
+      </a:dk2>
+      <a:lt2>
+        <a:srgbClr val="F2F2F2"/>
+      </a:lt2>
+      <a:accent1>
+        <a:srgbClr val="00BF6F"/>
+      </a:accent1>
+      <a:accent2>
+        <a:srgbClr val="007A3E"/>
+      </a:accent2>
+      <a:accent3>
+        <a:srgbClr val="2DCCD3"/>
+      </a:accent3>
+      <a:accent4>
+        <a:srgbClr val="007377"/>
+      </a:accent4>
+      <a:accent5>
+        <a:srgbClr val="6558B1"/>
+      </a:accent5>
+      <a:accent6>
+        <a:srgbClr val="AF272F"/>
+      </a:accent6>
+      <a:hlink>
+        <a:srgbClr val="00BF6F"/>
+      </a:hlink>
+      <a:folHlink>
+        <a:srgbClr val="2DCCD3"/>
+      </a:folHlink>
+    </a:clrScheme>
+    <a:fontScheme name="PASS SQLSaturday">
+      <a:majorFont>
+        <a:latin typeface="Segoe UI"/>
+        <a:ea typeface=""/>
+        <a:cs typeface=""/>
+      </a:majorFont>
+      <a:minorFont>
+        <a:latin typeface="Segoe UI"/>
+        <a:ea typeface=""/>
+        <a:cs typeface=""/>
+      </a:minorFont>
+    </a:fontScheme>
+    <a:fmtScheme name="Office">
+      <a:fillStyleLst>
+        <a:solidFill>
+          <a:schemeClr val="phClr"/>
+        </a:solidFill>
+        <a:gradFill rotWithShape="1">
+          <a:gsLst>
+            <a:gs pos="0">
+              <a:schemeClr val="phClr">
+                <a:tint val="50000"/>
+                <a:satMod val="300000"/>
+              </a:schemeClr>
+            </a:gs>
+            <a:gs pos="35000">
+              <a:schemeClr val="phClr">
+                <a:tint val="37000"/>
+                <a:satMod val="300000"/>
+              </a:schemeClr>
+            </a:gs>
+            <a:gs pos="100000">
+              <a:schemeClr val="phClr">
+                <a:tint val="15000"/>
+                <a:satMod val="350000"/>
+              </a:schemeClr>
+            </a:gs>
+          </a:gsLst>
+          <a:lin ang="16200000" scaled="1"/>
+        </a:gradFill>
+        <a:gradFill rotWithShape="1">
+          <a:gsLst>
+            <a:gs pos="0">
+              <a:schemeClr val="phClr">
+                <a:tint val="100000"/>
+                <a:shade val="100000"/>
+                <a:satMod val="130000"/>
+              </a:schemeClr>
+            </a:gs>
+            <a:gs pos="100000">
+              <a:schemeClr val="phClr">
+                <a:tint val="50000"/>
+                <a:shade val="100000"/>
+                <a:satMod val="350000"/>
+              </a:schemeClr>
+            </a:gs>
+          </a:gsLst>
+          <a:lin ang="16200000" scaled="0"/>
+        </a:gradFill>
+      </a:fillStyleLst>
+      <a:lnStyleLst>
+        <a:ln w="9525" cap="flat" cmpd="sng" algn="ctr">
+          <a:solidFill>
+            <a:schemeClr val="phClr">
+              <a:shade val="95000"/>
+              <a:satMod val="105000"/>
+            </a:schemeClr>
+          </a:solidFill>
+          <a:prstDash val="solid"/>
+        </a:ln>
+        <a:ln w="25400" cap="flat" cmpd="sng" algn="ctr">
+          <a:solidFill>
+            <a:schemeClr val="phClr"/>
+          </a:solidFill>
+          <a:prstDash val="solid"/>
+        </a:ln>
+        <a:ln w="38100" cap="flat" cmpd="sng" algn="ctr">
+          <a:solidFill>
+            <a:schemeClr val="phClr"/>
+          </a:solidFill>
+          <a:prstDash val="solid"/>
+        </a:ln>
+      </a:lnStyleLst>
+      <a:effectStyleLst>
+        <a:effectStyle>
+          <a:effectLst>
+            <a:outerShdw blurRad="40000" dist="20000" dir="5400000" rotWithShape="0">
+              <a:srgbClr val="000000">
+                <a:alpha val="38000"/>
+              </a:srgbClr>
+            </a:outerShdw>
+          </a:effectLst>
+        </a:effectStyle>
+        <a:effectStyle>
+          <a:effectLst>
+            <a:outerShdw blurRad="40000" dist="23000" dir="5400000" rotWithShape="0">
+              <a:srgbClr val="000000">
+                <a:alpha val="35000"/>
+              </a:srgbClr>
+            </a:outerShdw>
+          </a:effectLst>
+        </a:effectStyle>
+        <a:effectStyle>
+          <a:effectLst>
+            <a:outerShdw blurRad="40000" dist="23000" dir="5400000" rotWithShape="0">
+              <a:srgbClr val="000000">
+                <a:alpha val="35000"/>
+              </a:srgbClr>
+            </a:outerShdw>
+          </a:effectLst>
+          <a:scene3d>
+            <a:camera prst="orthographicFront">
+              <a:rot lat="0" lon="0" rev="0"/>
+            </a:camera>
+            <a:lightRig rig="threePt" dir="t">
+              <a:rot lat="0" lon="0" rev="1200000"/>
+            </a:lightRig>
+          </a:scene3d>
+          <a:sp3d>
+            <a:bevelT w="63500" h="25400"/>
+          </a:sp3d>
+        </a:effectStyle>
+      </a:effectStyleLst>
+      <a:bgFillStyleLst>
+        <a:solidFill>
+          <a:schemeClr val="phClr"/>
+        </a:solidFill>
+        <a:gradFill rotWithShape="1">
+          <a:gsLst>
+            <a:gs pos="0">
+              <a:schemeClr val="phClr">
+                <a:tint val="40000"/>
+                <a:satMod val="350000"/>
+              </a:schemeClr>
+            </a:gs>
+            <a:gs pos="40000">
+              <a:schemeClr val="phClr">
+                <a:tint val="45000"/>
+                <a:shade val="99000"/>
+                <a:satMod val="350000"/>
+              </a:schemeClr>
+            </a:gs>
+            <a:gs pos="100000">
+              <a:schemeClr val="phClr">
+                <a:shade val="20000"/>
+                <a:satMod val="255000"/>
+              </a:schemeClr>
+            </a:gs>
+          </a:gsLst>
+          <a:path path="circle">
+            <a:fillToRect l="50000" t="-80000" r="50000" b="180000"/>
+          </a:path>
+        </a:gradFill>
+        <a:gradFill rotWithShape="1">
+          <a:gsLst>
+            <a:gs pos="0">
+              <a:schemeClr val="phClr">
+                <a:tint val="80000"/>
+                <a:satMod val="300000"/>
+              </a:schemeClr>
+            </a:gs>
+            <a:gs pos="100000">
+              <a:schemeClr val="phClr">
+                <a:shade val="30000"/>
+                <a:satMod val="200000"/>
+              </a:schemeClr>
+            </a:gs>
+          </a:gsLst>
+          <a:path path="circle">
+            <a:fillToRect l="50000" t="50000" r="50000" b="50000"/>
+          </a:path>
+        </a:gradFill>
+      </a:bgFillStyleLst>
+    </a:fmtScheme>
+  </a:themeElements>
+  <a:objectDefaults>
+    <a:spDef>
+      <a:spPr/>
+      <a:bodyPr lIns="0" tIns="0" rIns="0" bIns="0" anchor="ctr">
+        <a:spAutoFit/>
+      </a:bodyPr>
+      <a:lstStyle>
+        <a:defPPr algn="l">
+          <a:defRPr sz="2400" dirty="0" smtClean="0">
+            <a:solidFill>
+              <a:schemeClr val="accent1"/>
+            </a:solidFill>
+          </a:defRPr>
+        </a:defPPr>
+      </a:lstStyle>
+    </a:spDef>
+    <a:lnDef>
+      <a:spPr/>
+      <a:bodyPr/>
+      <a:lstStyle/>
+      <a:style>
+        <a:lnRef idx="2">
+          <a:schemeClr val="accent1"/>
+        </a:lnRef>
+        <a:fillRef idx="0">
+          <a:schemeClr val="accent1"/>
+        </a:fillRef>
+        <a:effectRef idx="1">
+          <a:schemeClr val="accent1"/>
+        </a:effectRef>
+        <a:fontRef idx="minor">
+          <a:schemeClr val="tx1"/>
+        </a:fontRef>
+      </a:style>
+    </a:lnDef>
+  </a:objectDefaults>
+  <a:extraClrSchemeLst/>
+</a:theme>
 </file>
--- a/kirill-kravtsov/The wonders of modern SQL administration/The wonders of modern SQL administration.pptx
+++ b/kirill-kravtsov/The wonders of modern SQL administration/The wonders of modern SQL administration.pptx
@@ -3,27 +3,25 @@
 <p:presentation xmlns:a="http://schemas.openxmlformats.org/drawingml/2006/main" xmlns:r="http://schemas.openxmlformats.org/officeDocument/2006/relationships" xmlns:p="http://schemas.openxmlformats.org/presentationml/2006/main" saveSubsetFonts="1">
   <p:sldMasterIdLst>
     <p:sldMasterId id="2147483660" r:id="rId1"/>
-    <p:sldMasterId id="2147483678" r:id="rId2"/>
   </p:sldMasterIdLst>
   <p:sldIdLst>
-    <p:sldId id="276" r:id="rId3"/>
-    <p:sldId id="256" r:id="rId4"/>
-    <p:sldId id="257" r:id="rId5"/>
-    <p:sldId id="258" r:id="rId6"/>
-    <p:sldId id="271" r:id="rId7"/>
-    <p:sldId id="272" r:id="rId8"/>
-    <p:sldId id="262" r:id="rId9"/>
-    <p:sldId id="273" r:id="rId10"/>
-    <p:sldId id="259" r:id="rId11"/>
-    <p:sldId id="264" r:id="rId12"/>
-    <p:sldId id="260" r:id="rId13"/>
-    <p:sldId id="263" r:id="rId14"/>
-    <p:sldId id="265" r:id="rId15"/>
-    <p:sldId id="267" r:id="rId16"/>
-    <p:sldId id="266" r:id="rId17"/>
-    <p:sldId id="268" r:id="rId18"/>
-    <p:sldId id="269" r:id="rId19"/>
-    <p:sldId id="274" r:id="rId20"/>
+    <p:sldId id="256" r:id="rId2"/>
+    <p:sldId id="257" r:id="rId3"/>
+    <p:sldId id="258" r:id="rId4"/>
+    <p:sldId id="271" r:id="rId5"/>
+    <p:sldId id="272" r:id="rId6"/>
+    <p:sldId id="262" r:id="rId7"/>
+    <p:sldId id="273" r:id="rId8"/>
+    <p:sldId id="259" r:id="rId9"/>
+    <p:sldId id="264" r:id="rId10"/>
+    <p:sldId id="260" r:id="rId11"/>
+    <p:sldId id="263" r:id="rId12"/>
+    <p:sldId id="265" r:id="rId13"/>
+    <p:sldId id="267" r:id="rId14"/>
+    <p:sldId id="266" r:id="rId15"/>
+    <p:sldId id="268" r:id="rId16"/>
+    <p:sldId id="269" r:id="rId17"/>
+    <p:sldId id="274" r:id="rId18"/>
   </p:sldIdLst>
   <p:sldSz cx="12192000" cy="6858000"/>
   <p:notesSz cx="6858000" cy="9144000"/>
@@ -127,7 +125,6 @@
       <p14:sectionLst xmlns:p14="http://schemas.microsoft.com/office/powerpoint/2010/main">
         <p14:section name="Default Section" id="{1C5E8990-0B5F-450A-9335-827E3BE4FD56}">
           <p14:sldIdLst>
-            <p14:sldId id="276"/>
             <p14:sldId id="256"/>
             <p14:sldId id="257"/>
             <p14:sldId id="258"/>
@@ -5186,7 +5183,7 @@
           <a:p>
             <a:fld id="{25F92A54-9A4B-4121-BE3C-2DD3D3E25C1F}" type="datetimeFigureOut">
               <a:rPr lang="en-US" smtClean="0"/>
-              <a:t>3/1/2019</a:t>
+              <a:t>3/2/2019</a:t>
             </a:fld>
             <a:endParaRPr lang="en-US"/>
           </a:p>
@@ -5484,7 +5481,7 @@
           <a:p>
             <a:fld id="{25F92A54-9A4B-4121-BE3C-2DD3D3E25C1F}" type="datetimeFigureOut">
               <a:rPr lang="en-US" smtClean="0"/>
-              <a:t>3/1/2019</a:t>
+              <a:t>3/2/2019</a:t>
             </a:fld>
             <a:endParaRPr lang="en-US"/>
           </a:p>
@@ -5676,7 +5673,7 @@
           <a:p>
             <a:fld id="{25F92A54-9A4B-4121-BE3C-2DD3D3E25C1F}" type="datetimeFigureOut">
               <a:rPr lang="en-US" smtClean="0"/>
-              <a:t>3/1/2019</a:t>
+              <a:t>3/2/2019</a:t>
             </a:fld>
             <a:endParaRPr lang="en-US"/>
           </a:p>
@@ -5937,7 +5934,7 @@
           <a:p>
             <a:fld id="{25F92A54-9A4B-4121-BE3C-2DD3D3E25C1F}" type="datetimeFigureOut">
               <a:rPr lang="en-US" smtClean="0"/>
-              <a:t>3/1/2019</a:t>
+              <a:t>3/2/2019</a:t>
             </a:fld>
             <a:endParaRPr lang="en-US"/>
           </a:p>
@@ -6361,7 +6358,7 @@
           <a:p>
             <a:fld id="{25F92A54-9A4B-4121-BE3C-2DD3D3E25C1F}" type="datetimeFigureOut">
               <a:rPr lang="en-US" smtClean="0"/>
-              <a:t>3/1/2019</a:t>
+              <a:t>3/2/2019</a:t>
             </a:fld>
             <a:endParaRPr lang="en-US"/>
           </a:p>
@@ -6898,7 +6895,7 @@
           <a:p>
             <a:fld id="{25F92A54-9A4B-4121-BE3C-2DD3D3E25C1F}" type="datetimeFigureOut">
               <a:rPr lang="en-US" smtClean="0"/>
-              <a:t>3/1/2019</a:t>
+              <a:t>3/2/2019</a:t>
             </a:fld>
             <a:endParaRPr lang="en-US"/>
           </a:p>
@@ -7762,7 +7759,7 @@
           <a:p>
             <a:fld id="{25F92A54-9A4B-4121-BE3C-2DD3D3E25C1F}" type="datetimeFigureOut">
               <a:rPr lang="en-US" smtClean="0"/>
-              <a:t>3/1/2019</a:t>
+              <a:t>3/2/2019</a:t>
             </a:fld>
             <a:endParaRPr lang="en-US"/>
           </a:p>
@@ -7932,7 +7929,7 @@
           <a:p>
             <a:fld id="{25F92A54-9A4B-4121-BE3C-2DD3D3E25C1F}" type="datetimeFigureOut">
               <a:rPr lang="en-US" smtClean="0"/>
-              <a:t>3/1/2019</a:t>
+              <a:t>3/2/2019</a:t>
             </a:fld>
             <a:endParaRPr lang="en-US"/>
           </a:p>
@@ -8116,7 +8113,7 @@
           <a:p>
             <a:fld id="{25F92A54-9A4B-4121-BE3C-2DD3D3E25C1F}" type="datetimeFigureOut">
               <a:rPr lang="en-US" smtClean="0"/>
-              <a:t>3/1/2019</a:t>
+              <a:t>3/2/2019</a:t>
             </a:fld>
             <a:endParaRPr lang="en-US"/>
           </a:p>
@@ -8168,266 +8165,6 @@
     <p:extLst>
       <p:ext uri="{BB962C8B-B14F-4D97-AF65-F5344CB8AC3E}">
         <p14:creationId xmlns:p14="http://schemas.microsoft.com/office/powerpoint/2010/main" val="1010589505"/>
-      </p:ext>
-    </p:extLst>
-  </p:cSld>
-  <p:clrMapOvr>
-    <a:masterClrMapping/>
-  </p:clrMapOvr>
-</p:sldLayout>
-</file>
-
-<file path=ppt/slideLayouts/slideLayout18.xml><?xml version="1.0" encoding="utf-8"?>
-<p:sldLayout xmlns:a="http://schemas.openxmlformats.org/drawingml/2006/main" xmlns:r="http://schemas.openxmlformats.org/officeDocument/2006/relationships" xmlns:p="http://schemas.openxmlformats.org/presentationml/2006/main" showMasterSp="0" preserve="1" userDrawn="1">
-  <p:cSld name="Title">
-    <p:spTree>
-      <p:nvGrpSpPr>
-        <p:cNvPr id="1" name=""/>
-        <p:cNvGrpSpPr/>
-        <p:nvPr/>
-      </p:nvGrpSpPr>
-      <p:grpSpPr>
-        <a:xfrm>
-          <a:off x="0" y="0"/>
-          <a:ext cx="0" cy="0"/>
-          <a:chOff x="0" y="0"/>
-          <a:chExt cx="0" cy="0"/>
-        </a:xfrm>
-      </p:grpSpPr>
-      <p:pic>
-        <p:nvPicPr>
-          <p:cNvPr id="7" name="Picture 6">
-            <a:extLst>
-              <a:ext uri="{FF2B5EF4-FFF2-40B4-BE49-F238E27FC236}">
-                <a16:creationId xmlns:a16="http://schemas.microsoft.com/office/drawing/2014/main" id="{682245BA-3E6C-4FAA-8C55-9232354DEFFB}"/>
-              </a:ext>
-            </a:extLst>
-          </p:cNvPr>
-          <p:cNvPicPr>
-            <a:picLocks noChangeAspect="1"/>
-          </p:cNvPicPr>
-          <p:nvPr userDrawn="1"/>
-        </p:nvPicPr>
-        <p:blipFill>
-          <a:blip r:embed="rId2"/>
-          <a:stretch>
-            <a:fillRect/>
-          </a:stretch>
-        </p:blipFill>
-        <p:spPr>
-          <a:xfrm>
-            <a:off x="6937716" y="-380896"/>
-            <a:ext cx="5634751" cy="7619794"/>
-          </a:xfrm>
-          <a:prstGeom prst="rect">
-            <a:avLst/>
-          </a:prstGeom>
-        </p:spPr>
-      </p:pic>
-      <p:sp>
-        <p:nvSpPr>
-          <p:cNvPr id="2" name="Title 1"/>
-          <p:cNvSpPr>
-            <a:spLocks noGrp="1"/>
-          </p:cNvSpPr>
-          <p:nvPr>
-            <p:ph type="ctrTitle" hasCustomPrompt="1"/>
-          </p:nvPr>
-        </p:nvSpPr>
-        <p:spPr>
-          <a:xfrm>
-            <a:off x="380885" y="4000221"/>
-            <a:ext cx="11429747" cy="2476407"/>
-          </a:xfrm>
-        </p:spPr>
-        <p:txBody>
-          <a:bodyPr anchor="b">
-            <a:noAutofit/>
-          </a:bodyPr>
-          <a:lstStyle>
-            <a:lvl1pPr algn="l">
-              <a:defRPr sz="6350">
-                <a:solidFill>
-                  <a:schemeClr val="tx1"/>
-                </a:solidFill>
-                <a:latin typeface="+mn-lt"/>
-              </a:defRPr>
-            </a:lvl1pPr>
-          </a:lstStyle>
-          <a:p>
-            <a:r>
-              <a:rPr lang="en-US" dirty="0"/>
-              <a:t>Presentation Title</a:t>
-            </a:r>
-          </a:p>
-        </p:txBody>
-      </p:sp>
-      <p:sp>
-        <p:nvSpPr>
-          <p:cNvPr id="14" name="Text Placeholder 13"/>
-          <p:cNvSpPr>
-            <a:spLocks noGrp="1"/>
-          </p:cNvSpPr>
-          <p:nvPr>
-            <p:ph type="body" sz="quarter" idx="10" hasCustomPrompt="1"/>
-          </p:nvPr>
-        </p:nvSpPr>
-        <p:spPr>
-          <a:xfrm>
-            <a:off x="382208" y="381612"/>
-            <a:ext cx="11429264" cy="1142440"/>
-          </a:xfrm>
-        </p:spPr>
-        <p:txBody>
-          <a:bodyPr anchor="t">
-            <a:noAutofit/>
-          </a:bodyPr>
-          <a:lstStyle>
-            <a:lvl1pPr algn="l">
-              <a:defRPr lang="en-US" sz="4233" b="0" kern="1200" dirty="0" smtClean="0">
-                <a:solidFill>
-                  <a:schemeClr val="accent1"/>
-                </a:solidFill>
-                <a:latin typeface="+mj-lt"/>
-                <a:ea typeface="+mn-ea"/>
-                <a:cs typeface="+mn-cs"/>
-              </a:defRPr>
-            </a:lvl1pPr>
-          </a:lstStyle>
-          <a:p>
-            <a:pPr lvl="0"/>
-            <a:r>
-              <a:rPr lang="en-US" dirty="0"/>
-              <a:t>Speaker Name</a:t>
-            </a:r>
-          </a:p>
-        </p:txBody>
-      </p:sp>
-      <p:pic>
-        <p:nvPicPr>
-          <p:cNvPr id="6" name="Picture 5"/>
-          <p:cNvPicPr>
-            <a:picLocks noChangeAspect="1"/>
-          </p:cNvPicPr>
-          <p:nvPr userDrawn="1"/>
-        </p:nvPicPr>
-        <p:blipFill>
-          <a:blip r:embed="rId3"/>
-          <a:stretch>
-            <a:fillRect/>
-          </a:stretch>
-        </p:blipFill>
-        <p:spPr>
-          <a:xfrm>
-            <a:off x="9178795" y="3238504"/>
-            <a:ext cx="2631838" cy="380990"/>
-          </a:xfrm>
-          <a:prstGeom prst="rect">
-            <a:avLst/>
-          </a:prstGeom>
-        </p:spPr>
-      </p:pic>
-    </p:spTree>
-    <p:extLst>
-      <p:ext uri="{BB962C8B-B14F-4D97-AF65-F5344CB8AC3E}">
-        <p14:creationId xmlns:p14="http://schemas.microsoft.com/office/powerpoint/2010/main" val="2592904184"/>
-      </p:ext>
-    </p:extLst>
-  </p:cSld>
-  <p:clrMapOvr>
-    <a:masterClrMapping/>
-  </p:clrMapOvr>
-</p:sldLayout>
-</file>
-
-<file path=ppt/slideLayouts/slideLayout19.xml><?xml version="1.0" encoding="utf-8"?>
-<p:sldLayout xmlns:a="http://schemas.openxmlformats.org/drawingml/2006/main" xmlns:r="http://schemas.openxmlformats.org/officeDocument/2006/relationships" xmlns:p="http://schemas.openxmlformats.org/presentationml/2006/main" showMasterSp="0" preserve="1" userDrawn="1">
-  <p:cSld name="Section Header">
-    <p:spTree>
-      <p:nvGrpSpPr>
-        <p:cNvPr id="1" name=""/>
-        <p:cNvGrpSpPr/>
-        <p:nvPr/>
-      </p:nvGrpSpPr>
-      <p:grpSpPr>
-        <a:xfrm>
-          <a:off x="0" y="0"/>
-          <a:ext cx="0" cy="0"/>
-          <a:chOff x="0" y="0"/>
-          <a:chExt cx="0" cy="0"/>
-        </a:xfrm>
-      </p:grpSpPr>
-      <p:pic>
-        <p:nvPicPr>
-          <p:cNvPr id="4" name="Picture 3">
-            <a:extLst>
-              <a:ext uri="{FF2B5EF4-FFF2-40B4-BE49-F238E27FC236}">
-                <a16:creationId xmlns:a16="http://schemas.microsoft.com/office/drawing/2014/main" id="{097E2290-D773-46C2-A868-25CAA97A1972}"/>
-              </a:ext>
-            </a:extLst>
-          </p:cNvPr>
-          <p:cNvPicPr>
-            <a:picLocks noChangeAspect="1"/>
-          </p:cNvPicPr>
-          <p:nvPr userDrawn="1"/>
-        </p:nvPicPr>
-        <p:blipFill>
-          <a:blip r:embed="rId2"/>
-          <a:stretch>
-            <a:fillRect/>
-          </a:stretch>
-        </p:blipFill>
-        <p:spPr>
-          <a:xfrm>
-            <a:off x="-380983" y="-380896"/>
-            <a:ext cx="5638562" cy="7619794"/>
-          </a:xfrm>
-          <a:prstGeom prst="rect">
-            <a:avLst/>
-          </a:prstGeom>
-        </p:spPr>
-      </p:pic>
-      <p:sp>
-        <p:nvSpPr>
-          <p:cNvPr id="2" name="Title 1"/>
-          <p:cNvSpPr>
-            <a:spLocks noGrp="1"/>
-          </p:cNvSpPr>
-          <p:nvPr>
-            <p:ph type="title" hasCustomPrompt="1"/>
-          </p:nvPr>
-        </p:nvSpPr>
-        <p:spPr>
-          <a:xfrm>
-            <a:off x="381369" y="381375"/>
-            <a:ext cx="11429264" cy="6095252"/>
-          </a:xfrm>
-        </p:spPr>
-        <p:txBody>
-          <a:bodyPr anchor="ctr"/>
-          <a:lstStyle>
-            <a:lvl1pPr algn="r">
-              <a:defRPr sz="6350" b="0" i="0" cap="none">
-                <a:solidFill>
-                  <a:schemeClr val="accent1"/>
-                </a:solidFill>
-                <a:latin typeface="+mj-lt"/>
-                <a:cs typeface="Arial"/>
-              </a:defRPr>
-            </a:lvl1pPr>
-          </a:lstStyle>
-          <a:p>
-            <a:r>
-              <a:rPr lang="en-US" dirty="0"/>
-              <a:t>Section Title</a:t>
-            </a:r>
-          </a:p>
-        </p:txBody>
-      </p:sp>
-    </p:spTree>
-    <p:extLst>
-      <p:ext uri="{BB962C8B-B14F-4D97-AF65-F5344CB8AC3E}">
-        <p14:creationId xmlns:p14="http://schemas.microsoft.com/office/powerpoint/2010/main" val="408339942"/>
       </p:ext>
     </p:extLst>
   </p:cSld>
@@ -8546,7 +8283,7 @@
           <a:p>
             <a:fld id="{25F92A54-9A4B-4121-BE3C-2DD3D3E25C1F}" type="datetimeFigureOut">
               <a:rPr lang="en-US" smtClean="0"/>
-              <a:t>3/1/2019</a:t>
+              <a:t>3/2/2019</a:t>
             </a:fld>
             <a:endParaRPr lang="en-US"/>
           </a:p>
@@ -8598,597 +8335,6 @@
     <p:extLst>
       <p:ext uri="{BB962C8B-B14F-4D97-AF65-F5344CB8AC3E}">
         <p14:creationId xmlns:p14="http://schemas.microsoft.com/office/powerpoint/2010/main" val="320917358"/>
-      </p:ext>
-    </p:extLst>
-  </p:cSld>
-  <p:clrMapOvr>
-    <a:masterClrMapping/>
-  </p:clrMapOvr>
-</p:sldLayout>
-</file>
-
-<file path=ppt/slideLayouts/slideLayout20.xml><?xml version="1.0" encoding="utf-8"?>
-<p:sldLayout xmlns:a="http://schemas.openxmlformats.org/drawingml/2006/main" xmlns:r="http://schemas.openxmlformats.org/officeDocument/2006/relationships" xmlns:p="http://schemas.openxmlformats.org/presentationml/2006/main" type="obj" preserve="1">
-  <p:cSld name="Title and Content">
-    <p:spTree>
-      <p:nvGrpSpPr>
-        <p:cNvPr id="1" name=""/>
-        <p:cNvGrpSpPr/>
-        <p:nvPr/>
-      </p:nvGrpSpPr>
-      <p:grpSpPr>
-        <a:xfrm>
-          <a:off x="0" y="0"/>
-          <a:ext cx="0" cy="0"/>
-          <a:chOff x="0" y="0"/>
-          <a:chExt cx="0" cy="0"/>
-        </a:xfrm>
-      </p:grpSpPr>
-      <p:sp>
-        <p:nvSpPr>
-          <p:cNvPr id="2" name="Title 1"/>
-          <p:cNvSpPr>
-            <a:spLocks noGrp="1"/>
-          </p:cNvSpPr>
-          <p:nvPr>
-            <p:ph type="title"/>
-          </p:nvPr>
-        </p:nvSpPr>
-        <p:spPr/>
-        <p:txBody>
-          <a:bodyPr/>
-          <a:lstStyle/>
-          <a:p>
-            <a:r>
-              <a:rPr lang="en-US" dirty="0"/>
-              <a:t>Click to edit Master title style</a:t>
-            </a:r>
-          </a:p>
-        </p:txBody>
-      </p:sp>
-      <p:sp>
-        <p:nvSpPr>
-          <p:cNvPr id="3" name="Content Placeholder 2"/>
-          <p:cNvSpPr>
-            <a:spLocks noGrp="1"/>
-          </p:cNvSpPr>
-          <p:nvPr>
-            <p:ph idx="1"/>
-          </p:nvPr>
-        </p:nvSpPr>
-        <p:spPr/>
-        <p:txBody>
-          <a:bodyPr/>
-          <a:lstStyle>
-            <a:lvl1pPr marL="0" indent="0">
-              <a:buFont typeface="Wingdings" charset="2"/>
-              <a:buNone/>
-              <a:defRPr>
-                <a:solidFill>
-                  <a:schemeClr val="tx2"/>
-                </a:solidFill>
-              </a:defRPr>
-            </a:lvl1pPr>
-            <a:lvl2pPr marL="609609" indent="0">
-              <a:buFont typeface="Wingdings" charset="2"/>
-              <a:buNone/>
-              <a:defRPr>
-                <a:solidFill>
-                  <a:srgbClr val="474947"/>
-                </a:solidFill>
-              </a:defRPr>
-            </a:lvl2pPr>
-            <a:lvl3pPr marL="1219218" indent="0">
-              <a:buFont typeface="Wingdings" charset="2"/>
-              <a:buNone/>
-              <a:defRPr>
-                <a:solidFill>
-                  <a:srgbClr val="474947"/>
-                </a:solidFill>
-              </a:defRPr>
-            </a:lvl3pPr>
-            <a:lvl4pPr marL="1828826" indent="0">
-              <a:buFont typeface="Wingdings" charset="2"/>
-              <a:buNone/>
-              <a:defRPr>
-                <a:solidFill>
-                  <a:srgbClr val="474947"/>
-                </a:solidFill>
-              </a:defRPr>
-            </a:lvl4pPr>
-            <a:lvl5pPr marL="2438434" indent="0">
-              <a:buFont typeface="Wingdings" charset="2"/>
-              <a:buNone/>
-              <a:defRPr>
-                <a:solidFill>
-                  <a:srgbClr val="474947"/>
-                </a:solidFill>
-              </a:defRPr>
-            </a:lvl5pPr>
-          </a:lstStyle>
-          <a:p>
-            <a:pPr lvl="0"/>
-            <a:r>
-              <a:rPr lang="en-US" dirty="0"/>
-              <a:t>Click to edit Master text styles</a:t>
-            </a:r>
-          </a:p>
-          <a:p>
-            <a:pPr lvl="1"/>
-            <a:r>
-              <a:rPr lang="en-US" dirty="0"/>
-              <a:t>Second level</a:t>
-            </a:r>
-          </a:p>
-          <a:p>
-            <a:pPr lvl="2"/>
-            <a:r>
-              <a:rPr lang="en-US" dirty="0"/>
-              <a:t>Third level</a:t>
-            </a:r>
-          </a:p>
-          <a:p>
-            <a:pPr lvl="3"/>
-            <a:r>
-              <a:rPr lang="en-US" dirty="0"/>
-              <a:t>Fourth level</a:t>
-            </a:r>
-          </a:p>
-          <a:p>
-            <a:pPr lvl="4"/>
-            <a:r>
-              <a:rPr lang="en-US" dirty="0"/>
-              <a:t>Fifth level</a:t>
-            </a:r>
-          </a:p>
-        </p:txBody>
-      </p:sp>
-    </p:spTree>
-    <p:extLst>
-      <p:ext uri="{BB962C8B-B14F-4D97-AF65-F5344CB8AC3E}">
-        <p14:creationId xmlns:p14="http://schemas.microsoft.com/office/powerpoint/2010/main" val="58858746"/>
-      </p:ext>
-    </p:extLst>
-  </p:cSld>
-  <p:clrMapOvr>
-    <a:masterClrMapping/>
-  </p:clrMapOvr>
-</p:sldLayout>
-</file>
-
-<file path=ppt/slideLayouts/slideLayout21.xml><?xml version="1.0" encoding="utf-8"?>
-<p:sldLayout xmlns:a="http://schemas.openxmlformats.org/drawingml/2006/main" xmlns:r="http://schemas.openxmlformats.org/officeDocument/2006/relationships" xmlns:p="http://schemas.openxmlformats.org/presentationml/2006/main" type="titleOnly" preserve="1">
-  <p:cSld name="Title Only">
-    <p:spTree>
-      <p:nvGrpSpPr>
-        <p:cNvPr id="1" name=""/>
-        <p:cNvGrpSpPr/>
-        <p:nvPr/>
-      </p:nvGrpSpPr>
-      <p:grpSpPr>
-        <a:xfrm>
-          <a:off x="0" y="0"/>
-          <a:ext cx="0" cy="0"/>
-          <a:chOff x="0" y="0"/>
-          <a:chExt cx="0" cy="0"/>
-        </a:xfrm>
-      </p:grpSpPr>
-      <p:sp>
-        <p:nvSpPr>
-          <p:cNvPr id="2" name="Title 1"/>
-          <p:cNvSpPr>
-            <a:spLocks noGrp="1"/>
-          </p:cNvSpPr>
-          <p:nvPr>
-            <p:ph type="title"/>
-          </p:nvPr>
-        </p:nvSpPr>
-        <p:spPr/>
-        <p:txBody>
-          <a:bodyPr/>
-          <a:lstStyle/>
-          <a:p>
-            <a:r>
-              <a:rPr lang="en-US"/>
-              <a:t>Click to edit Master title style</a:t>
-            </a:r>
-          </a:p>
-        </p:txBody>
-      </p:sp>
-    </p:spTree>
-    <p:extLst>
-      <p:ext uri="{BB962C8B-B14F-4D97-AF65-F5344CB8AC3E}">
-        <p14:creationId xmlns:p14="http://schemas.microsoft.com/office/powerpoint/2010/main" val="3714063708"/>
-      </p:ext>
-    </p:extLst>
-  </p:cSld>
-  <p:clrMapOvr>
-    <a:masterClrMapping/>
-  </p:clrMapOvr>
-</p:sldLayout>
-</file>
-
-<file path=ppt/slideLayouts/slideLayout22.xml><?xml version="1.0" encoding="utf-8"?>
-<p:sldLayout xmlns:a="http://schemas.openxmlformats.org/drawingml/2006/main" xmlns:r="http://schemas.openxmlformats.org/officeDocument/2006/relationships" xmlns:p="http://schemas.openxmlformats.org/presentationml/2006/main" preserve="1" userDrawn="1">
-  <p:cSld name="Content Only">
-    <p:spTree>
-      <p:nvGrpSpPr>
-        <p:cNvPr id="1" name=""/>
-        <p:cNvGrpSpPr/>
-        <p:nvPr/>
-      </p:nvGrpSpPr>
-      <p:grpSpPr>
-        <a:xfrm>
-          <a:off x="0" y="0"/>
-          <a:ext cx="0" cy="0"/>
-          <a:chOff x="0" y="0"/>
-          <a:chExt cx="0" cy="0"/>
-        </a:xfrm>
-      </p:grpSpPr>
-      <p:sp>
-        <p:nvSpPr>
-          <p:cNvPr id="3" name="Content Placeholder 2"/>
-          <p:cNvSpPr>
-            <a:spLocks noGrp="1"/>
-          </p:cNvSpPr>
-          <p:nvPr>
-            <p:ph idx="1"/>
-          </p:nvPr>
-        </p:nvSpPr>
-        <p:spPr>
-          <a:xfrm>
-            <a:off x="381116" y="381374"/>
-            <a:ext cx="11429516" cy="6095253"/>
-          </a:xfrm>
-        </p:spPr>
-        <p:txBody>
-          <a:bodyPr/>
-          <a:lstStyle>
-            <a:lvl1pPr marL="0" indent="0">
-              <a:buFont typeface="Wingdings" charset="2"/>
-              <a:buNone/>
-              <a:defRPr>
-                <a:solidFill>
-                  <a:schemeClr val="tx2"/>
-                </a:solidFill>
-              </a:defRPr>
-            </a:lvl1pPr>
-            <a:lvl2pPr marL="609609" indent="0">
-              <a:buFont typeface="Wingdings" charset="2"/>
-              <a:buNone/>
-              <a:defRPr>
-                <a:solidFill>
-                  <a:srgbClr val="474947"/>
-                </a:solidFill>
-              </a:defRPr>
-            </a:lvl2pPr>
-            <a:lvl3pPr marL="1219218" indent="0">
-              <a:buFont typeface="Wingdings" charset="2"/>
-              <a:buNone/>
-              <a:defRPr>
-                <a:solidFill>
-                  <a:srgbClr val="474947"/>
-                </a:solidFill>
-              </a:defRPr>
-            </a:lvl3pPr>
-            <a:lvl4pPr marL="1828826" indent="0">
-              <a:buFont typeface="Wingdings" charset="2"/>
-              <a:buNone/>
-              <a:defRPr>
-                <a:solidFill>
-                  <a:srgbClr val="474947"/>
-                </a:solidFill>
-              </a:defRPr>
-            </a:lvl4pPr>
-            <a:lvl5pPr marL="2438434" indent="0">
-              <a:buFont typeface="Wingdings" charset="2"/>
-              <a:buNone/>
-              <a:defRPr>
-                <a:solidFill>
-                  <a:srgbClr val="474947"/>
-                </a:solidFill>
-              </a:defRPr>
-            </a:lvl5pPr>
-          </a:lstStyle>
-          <a:p>
-            <a:pPr lvl="0"/>
-            <a:r>
-              <a:rPr lang="en-US" dirty="0"/>
-              <a:t>Click to edit Master text styles</a:t>
-            </a:r>
-          </a:p>
-          <a:p>
-            <a:pPr lvl="1"/>
-            <a:r>
-              <a:rPr lang="en-US" dirty="0"/>
-              <a:t>Second level</a:t>
-            </a:r>
-          </a:p>
-          <a:p>
-            <a:pPr lvl="2"/>
-            <a:r>
-              <a:rPr lang="en-US" dirty="0"/>
-              <a:t>Third level</a:t>
-            </a:r>
-          </a:p>
-          <a:p>
-            <a:pPr lvl="3"/>
-            <a:r>
-              <a:rPr lang="en-US" dirty="0"/>
-              <a:t>Fourth level</a:t>
-            </a:r>
-          </a:p>
-          <a:p>
-            <a:pPr lvl="4"/>
-            <a:r>
-              <a:rPr lang="en-US" dirty="0"/>
-              <a:t>Fifth level</a:t>
-            </a:r>
-          </a:p>
-        </p:txBody>
-      </p:sp>
-    </p:spTree>
-    <p:extLst>
-      <p:ext uri="{BB962C8B-B14F-4D97-AF65-F5344CB8AC3E}">
-        <p14:creationId xmlns:p14="http://schemas.microsoft.com/office/powerpoint/2010/main" val="1575045329"/>
-      </p:ext>
-    </p:extLst>
-  </p:cSld>
-  <p:clrMapOvr>
-    <a:masterClrMapping/>
-  </p:clrMapOvr>
-</p:sldLayout>
-</file>
-
-<file path=ppt/slideLayouts/slideLayout23.xml><?xml version="1.0" encoding="utf-8"?>
-<p:sldLayout xmlns:a="http://schemas.openxmlformats.org/drawingml/2006/main" xmlns:r="http://schemas.openxmlformats.org/officeDocument/2006/relationships" xmlns:p="http://schemas.openxmlformats.org/presentationml/2006/main" type="twoObj" preserve="1">
-  <p:cSld name="Two Content">
-    <p:spTree>
-      <p:nvGrpSpPr>
-        <p:cNvPr id="1" name=""/>
-        <p:cNvGrpSpPr/>
-        <p:nvPr/>
-      </p:nvGrpSpPr>
-      <p:grpSpPr>
-        <a:xfrm>
-          <a:off x="0" y="0"/>
-          <a:ext cx="0" cy="0"/>
-          <a:chOff x="0" y="0"/>
-          <a:chExt cx="0" cy="0"/>
-        </a:xfrm>
-      </p:grpSpPr>
-      <p:sp>
-        <p:nvSpPr>
-          <p:cNvPr id="2" name="Title 1"/>
-          <p:cNvSpPr>
-            <a:spLocks noGrp="1"/>
-          </p:cNvSpPr>
-          <p:nvPr>
-            <p:ph type="title"/>
-          </p:nvPr>
-        </p:nvSpPr>
-        <p:spPr/>
-        <p:txBody>
-          <a:bodyPr/>
-          <a:lstStyle>
-            <a:lvl1pPr algn="l">
-              <a:defRPr/>
-            </a:lvl1pPr>
-          </a:lstStyle>
-          <a:p>
-            <a:r>
-              <a:rPr lang="en-US" dirty="0"/>
-              <a:t>Click to edit Master title style</a:t>
-            </a:r>
-          </a:p>
-        </p:txBody>
-      </p:sp>
-      <p:sp>
-        <p:nvSpPr>
-          <p:cNvPr id="3" name="Content Placeholder 2"/>
-          <p:cNvSpPr>
-            <a:spLocks noGrp="1"/>
-          </p:cNvSpPr>
-          <p:nvPr>
-            <p:ph sz="half" idx="1"/>
-          </p:nvPr>
-        </p:nvSpPr>
-        <p:spPr>
-          <a:xfrm>
-            <a:off x="382083" y="1523814"/>
-            <a:ext cx="5712351" cy="4952813"/>
-          </a:xfrm>
-        </p:spPr>
-        <p:txBody>
-          <a:bodyPr rIns="180000">
-            <a:normAutofit/>
-          </a:bodyPr>
-          <a:lstStyle>
-            <a:lvl1pPr>
-              <a:defRPr sz="2963"/>
-            </a:lvl1pPr>
-            <a:lvl2pPr>
-              <a:defRPr sz="2540"/>
-            </a:lvl2pPr>
-            <a:lvl3pPr>
-              <a:defRPr sz="2117"/>
-            </a:lvl3pPr>
-            <a:lvl4pPr>
-              <a:defRPr sz="1905"/>
-            </a:lvl4pPr>
-            <a:lvl5pPr>
-              <a:defRPr sz="1905"/>
-            </a:lvl5pPr>
-            <a:lvl6pPr>
-              <a:defRPr sz="2400"/>
-            </a:lvl6pPr>
-            <a:lvl7pPr>
-              <a:defRPr sz="2400"/>
-            </a:lvl7pPr>
-            <a:lvl8pPr>
-              <a:defRPr sz="2400"/>
-            </a:lvl8pPr>
-            <a:lvl9pPr>
-              <a:defRPr sz="2400"/>
-            </a:lvl9pPr>
-          </a:lstStyle>
-          <a:p>
-            <a:pPr lvl="0"/>
-            <a:r>
-              <a:rPr lang="en-US" dirty="0"/>
-              <a:t>Click to edit Master text styles</a:t>
-            </a:r>
-          </a:p>
-          <a:p>
-            <a:pPr lvl="1"/>
-            <a:r>
-              <a:rPr lang="en-US" dirty="0"/>
-              <a:t>Second level</a:t>
-            </a:r>
-          </a:p>
-          <a:p>
-            <a:pPr lvl="2"/>
-            <a:r>
-              <a:rPr lang="en-US" dirty="0"/>
-              <a:t>Third level</a:t>
-            </a:r>
-          </a:p>
-          <a:p>
-            <a:pPr lvl="3"/>
-            <a:r>
-              <a:rPr lang="en-US" dirty="0"/>
-              <a:t>Fourth level</a:t>
-            </a:r>
-          </a:p>
-          <a:p>
-            <a:pPr lvl="4"/>
-            <a:r>
-              <a:rPr lang="en-US" dirty="0"/>
-              <a:t>Fifth level</a:t>
-            </a:r>
-          </a:p>
-        </p:txBody>
-      </p:sp>
-      <p:sp>
-        <p:nvSpPr>
-          <p:cNvPr id="4" name="Content Placeholder 3"/>
-          <p:cNvSpPr>
-            <a:spLocks noGrp="1"/>
-          </p:cNvSpPr>
-          <p:nvPr>
-            <p:ph sz="half" idx="2" hasCustomPrompt="1"/>
-          </p:nvPr>
-        </p:nvSpPr>
-        <p:spPr>
-          <a:xfrm>
-            <a:off x="6096841" y="1523814"/>
-            <a:ext cx="5713792" cy="4952813"/>
-          </a:xfrm>
-        </p:spPr>
-        <p:txBody>
-          <a:bodyPr lIns="180000">
-            <a:normAutofit/>
-          </a:bodyPr>
-          <a:lstStyle>
-            <a:lvl1pPr>
-              <a:defRPr sz="2963"/>
-            </a:lvl1pPr>
-            <a:lvl2pPr>
-              <a:defRPr sz="2540"/>
-            </a:lvl2pPr>
-            <a:lvl3pPr>
-              <a:defRPr sz="2117"/>
-            </a:lvl3pPr>
-            <a:lvl4pPr>
-              <a:defRPr sz="1905"/>
-            </a:lvl4pPr>
-            <a:lvl5pPr>
-              <a:defRPr sz="1905"/>
-            </a:lvl5pPr>
-            <a:lvl6pPr>
-              <a:defRPr sz="2400"/>
-            </a:lvl6pPr>
-            <a:lvl7pPr>
-              <a:defRPr sz="2400"/>
-            </a:lvl7pPr>
-            <a:lvl8pPr>
-              <a:defRPr sz="2400"/>
-            </a:lvl8pPr>
-            <a:lvl9pPr>
-              <a:defRPr sz="2400"/>
-            </a:lvl9pPr>
-          </a:lstStyle>
-          <a:p>
-            <a:pPr lvl="0"/>
-            <a:r>
-              <a:rPr lang="en-US" dirty="0"/>
-              <a:t>Click to edit Master text styles</a:t>
-            </a:r>
-          </a:p>
-          <a:p>
-            <a:pPr lvl="1"/>
-            <a:r>
-              <a:rPr lang="en-US" dirty="0"/>
-              <a:t>Second level</a:t>
-            </a:r>
-          </a:p>
-          <a:p>
-            <a:pPr lvl="2"/>
-            <a:r>
-              <a:rPr lang="en-US" dirty="0"/>
-              <a:t>Third level</a:t>
-            </a:r>
-          </a:p>
-          <a:p>
-            <a:pPr lvl="3"/>
-            <a:r>
-              <a:rPr lang="en-US" dirty="0"/>
-              <a:t>Fourth level</a:t>
-            </a:r>
-          </a:p>
-          <a:p>
-            <a:pPr lvl="4"/>
-            <a:r>
-              <a:rPr lang="en-US" dirty="0"/>
-              <a:t>Fifth level</a:t>
-            </a:r>
-          </a:p>
-        </p:txBody>
-      </p:sp>
-    </p:spTree>
-    <p:extLst>
-      <p:ext uri="{BB962C8B-B14F-4D97-AF65-F5344CB8AC3E}">
-        <p14:creationId xmlns:p14="http://schemas.microsoft.com/office/powerpoint/2010/main" val="1232236223"/>
-      </p:ext>
-    </p:extLst>
-  </p:cSld>
-  <p:clrMapOvr>
-    <a:masterClrMapping/>
-  </p:clrMapOvr>
-</p:sldLayout>
-</file>
-
-<file path=ppt/slideLayouts/slideLayout24.xml><?xml version="1.0" encoding="utf-8"?>
-<p:sldLayout xmlns:a="http://schemas.openxmlformats.org/drawingml/2006/main" xmlns:r="http://schemas.openxmlformats.org/officeDocument/2006/relationships" xmlns:p="http://schemas.openxmlformats.org/presentationml/2006/main" type="blank" preserve="1">
-  <p:cSld name="Blank">
-    <p:spTree>
-      <p:nvGrpSpPr>
-        <p:cNvPr id="1" name=""/>
-        <p:cNvGrpSpPr/>
-        <p:nvPr/>
-      </p:nvGrpSpPr>
-      <p:grpSpPr>
-        <a:xfrm>
-          <a:off x="0" y="0"/>
-          <a:ext cx="0" cy="0"/>
-          <a:chOff x="0" y="0"/>
-          <a:chExt cx="0" cy="0"/>
-        </a:xfrm>
-      </p:grpSpPr>
-    </p:spTree>
-    <p:extLst>
-      <p:ext uri="{BB962C8B-B14F-4D97-AF65-F5344CB8AC3E}">
-        <p14:creationId xmlns:p14="http://schemas.microsoft.com/office/powerpoint/2010/main" val="2566014007"/>
       </p:ext>
     </p:extLst>
   </p:cSld>
@@ -9381,7 +8527,7 @@
           <a:p>
             <a:fld id="{25F92A54-9A4B-4121-BE3C-2DD3D3E25C1F}" type="datetimeFigureOut">
               <a:rPr lang="en-US" smtClean="0"/>
-              <a:t>3/1/2019</a:t>
+              <a:t>3/2/2019</a:t>
             </a:fld>
             <a:endParaRPr lang="en-US"/>
           </a:p>
@@ -9617,7 +8763,7 @@
           <a:p>
             <a:fld id="{25F92A54-9A4B-4121-BE3C-2DD3D3E25C1F}" type="datetimeFigureOut">
               <a:rPr lang="en-US" smtClean="0"/>
-              <a:t>3/1/2019</a:t>
+              <a:t>3/2/2019</a:t>
             </a:fld>
             <a:endParaRPr lang="en-US"/>
           </a:p>
@@ -10083,7 +9229,7 @@
           <a:p>
             <a:fld id="{25F92A54-9A4B-4121-BE3C-2DD3D3E25C1F}" type="datetimeFigureOut">
               <a:rPr lang="en-US" smtClean="0"/>
-              <a:t>3/1/2019</a:t>
+              <a:t>3/2/2019</a:t>
             </a:fld>
             <a:endParaRPr lang="en-US"/>
           </a:p>
@@ -10201,7 +9347,7 @@
           <a:p>
             <a:fld id="{25F92A54-9A4B-4121-BE3C-2DD3D3E25C1F}" type="datetimeFigureOut">
               <a:rPr lang="en-US" smtClean="0"/>
-              <a:t>3/1/2019</a:t>
+              <a:t>3/2/2019</a:t>
             </a:fld>
             <a:endParaRPr lang="en-US"/>
           </a:p>
@@ -10296,7 +9442,7 @@
           <a:p>
             <a:fld id="{25F92A54-9A4B-4121-BE3C-2DD3D3E25C1F}" type="datetimeFigureOut">
               <a:rPr lang="en-US" smtClean="0"/>
-              <a:t>3/1/2019</a:t>
+              <a:t>3/2/2019</a:t>
             </a:fld>
             <a:endParaRPr lang="en-US"/>
           </a:p>
@@ -10551,7 +9697,7 @@
           <a:p>
             <a:fld id="{25F92A54-9A4B-4121-BE3C-2DD3D3E25C1F}" type="datetimeFigureOut">
               <a:rPr lang="en-US" smtClean="0"/>
-              <a:t>3/1/2019</a:t>
+              <a:t>3/2/2019</a:t>
             </a:fld>
             <a:endParaRPr lang="en-US"/>
           </a:p>
@@ -10851,7 +9997,7 @@
           <a:p>
             <a:fld id="{25F92A54-9A4B-4121-BE3C-2DD3D3E25C1F}" type="datetimeFigureOut">
               <a:rPr lang="en-US" smtClean="0"/>
-              <a:t>3/1/2019</a:t>
+              <a:t>3/2/2019</a:t>
             </a:fld>
             <a:endParaRPr lang="en-US"/>
           </a:p>
@@ -11085,7 +10231,7 @@
           <a:p>
             <a:fld id="{25F92A54-9A4B-4121-BE3C-2DD3D3E25C1F}" type="datetimeFigureOut">
               <a:rPr lang="en-US" smtClean="0"/>
-              <a:t>3/1/2019</a:t>
+              <a:t>3/2/2019</a:t>
             </a:fld>
             <a:endParaRPr lang="en-US"/>
           </a:p>
@@ -11742,521 +10888,6 @@
 </p:sldMaster>
 </file>
 
-<file path=ppt/slideMasters/slideMaster2.xml><?xml version="1.0" encoding="utf-8"?>
-<p:sldMaster xmlns:a="http://schemas.openxmlformats.org/drawingml/2006/main" xmlns:r="http://schemas.openxmlformats.org/officeDocument/2006/relationships" xmlns:p="http://schemas.openxmlformats.org/presentationml/2006/main">
-  <p:cSld>
-    <p:bg>
-      <p:bgRef idx="1001">
-        <a:schemeClr val="bg1"/>
-      </p:bgRef>
-    </p:bg>
-    <p:spTree>
-      <p:nvGrpSpPr>
-        <p:cNvPr id="1" name=""/>
-        <p:cNvGrpSpPr/>
-        <p:nvPr/>
-      </p:nvGrpSpPr>
-      <p:grpSpPr>
-        <a:xfrm>
-          <a:off x="0" y="0"/>
-          <a:ext cx="0" cy="0"/>
-          <a:chOff x="0" y="0"/>
-          <a:chExt cx="0" cy="0"/>
-        </a:xfrm>
-      </p:grpSpPr>
-      <p:sp>
-        <p:nvSpPr>
-          <p:cNvPr id="2" name="Title Placeholder 1"/>
-          <p:cNvSpPr>
-            <a:spLocks noGrp="1"/>
-          </p:cNvSpPr>
-          <p:nvPr>
-            <p:ph type="title"/>
-          </p:nvPr>
-        </p:nvSpPr>
-        <p:spPr>
-          <a:xfrm>
-            <a:off x="382082" y="381374"/>
-            <a:ext cx="11429516" cy="761979"/>
-          </a:xfrm>
-          <a:prstGeom prst="rect">
-            <a:avLst/>
-          </a:prstGeom>
-        </p:spPr>
-        <p:txBody>
-          <a:bodyPr vert="horz" lIns="0" tIns="0" rIns="0" bIns="0" rtlCol="0" anchor="ctr">
-            <a:noAutofit/>
-          </a:bodyPr>
-          <a:lstStyle/>
-          <a:p>
-            <a:r>
-              <a:rPr lang="en-US" dirty="0"/>
-              <a:t>Click to edit Master title style</a:t>
-            </a:r>
-          </a:p>
-        </p:txBody>
-      </p:sp>
-      <p:sp>
-        <p:nvSpPr>
-          <p:cNvPr id="3" name="Text Placeholder 2"/>
-          <p:cNvSpPr>
-            <a:spLocks noGrp="1"/>
-          </p:cNvSpPr>
-          <p:nvPr>
-            <p:ph type="body" idx="1"/>
-          </p:nvPr>
-        </p:nvSpPr>
-        <p:spPr>
-          <a:xfrm>
-            <a:off x="381116" y="1523761"/>
-            <a:ext cx="11429516" cy="4952866"/>
-          </a:xfrm>
-          <a:prstGeom prst="rect">
-            <a:avLst/>
-          </a:prstGeom>
-        </p:spPr>
-        <p:txBody>
-          <a:bodyPr vert="horz" lIns="0" tIns="0" rIns="0" bIns="0" rtlCol="0" anchor="t">
-            <a:normAutofit/>
-          </a:bodyPr>
-          <a:lstStyle/>
-          <a:p>
-            <a:pPr lvl="0"/>
-            <a:r>
-              <a:rPr lang="en-US" dirty="0"/>
-              <a:t>Click to edit Master text styles</a:t>
-            </a:r>
-          </a:p>
-          <a:p>
-            <a:pPr lvl="1"/>
-            <a:r>
-              <a:rPr lang="en-US" dirty="0"/>
-              <a:t>Second level</a:t>
-            </a:r>
-          </a:p>
-          <a:p>
-            <a:pPr lvl="2"/>
-            <a:r>
-              <a:rPr lang="en-US" dirty="0"/>
-              <a:t>Third level</a:t>
-            </a:r>
-          </a:p>
-          <a:p>
-            <a:pPr lvl="3"/>
-            <a:r>
-              <a:rPr lang="en-US" dirty="0"/>
-              <a:t>Fourth level</a:t>
-            </a:r>
-          </a:p>
-          <a:p>
-            <a:pPr lvl="4"/>
-            <a:r>
-              <a:rPr lang="en-US" dirty="0"/>
-              <a:t>Fifth level</a:t>
-            </a:r>
-          </a:p>
-        </p:txBody>
-      </p:sp>
-      <p:sp>
-        <p:nvSpPr>
-          <p:cNvPr id="7" name="TextBox 6"/>
-          <p:cNvSpPr txBox="1"/>
-          <p:nvPr userDrawn="1"/>
-        </p:nvSpPr>
-        <p:spPr>
-          <a:xfrm>
-            <a:off x="1680060" y="1220303"/>
-            <a:ext cx="184731" cy="461665"/>
-          </a:xfrm>
-          <a:prstGeom prst="rect">
-            <a:avLst/>
-          </a:prstGeom>
-          <a:noFill/>
-        </p:spPr>
-        <p:txBody>
-          <a:bodyPr wrap="none" rtlCol="0">
-            <a:spAutoFit/>
-          </a:bodyPr>
-          <a:lstStyle/>
-          <a:p>
-            <a:endParaRPr lang="en-US" sz="2400" dirty="0"/>
-          </a:p>
-        </p:txBody>
-      </p:sp>
-      <p:graphicFrame>
-        <p:nvGraphicFramePr>
-          <p:cNvPr id="9" name="Object 8"/>
-          <p:cNvGraphicFramePr>
-            <a:graphicFrameLocks noChangeAspect="1"/>
-          </p:cNvGraphicFramePr>
-          <p:nvPr userDrawn="1">
-            <p:extLst/>
-          </p:nvPr>
-        </p:nvGraphicFramePr>
-        <p:xfrm>
-          <a:off x="11338079" y="6286515"/>
-          <a:ext cx="663141" cy="380990"/>
-        </p:xfrm>
-        <a:graphic>
-          <a:graphicData uri="http://schemas.openxmlformats.org/presentationml/2006/ole">
-            <mc:AlternateContent xmlns:mc="http://schemas.openxmlformats.org/markup-compatibility/2006">
-              <mc:Choice xmlns:v="urn:schemas-microsoft-com:vml" Requires="v">
-                <p:oleObj spid="_x0000_s1026" name="Image" r:id="rId10" imgW="2279520" imgH="1310400" progId="Photoshop.Image.18">
-                  <p:embed/>
-                </p:oleObj>
-              </mc:Choice>
-              <mc:Fallback>
-                <p:oleObj name="Image" r:id="rId10" imgW="2279520" imgH="1310400" progId="Photoshop.Image.18">
-                  <p:embed/>
-                  <p:pic>
-                    <p:nvPicPr>
-                      <p:cNvPr id="9" name="Object 8"/>
-                      <p:cNvPicPr/>
-                      <p:nvPr/>
-                    </p:nvPicPr>
-                    <p:blipFill>
-                      <a:blip r:embed="rId11"/>
-                      <a:stretch>
-                        <a:fillRect/>
-                      </a:stretch>
-                    </p:blipFill>
-                    <p:spPr>
-                      <a:xfrm>
-                        <a:off x="11338079" y="6286515"/>
-                        <a:ext cx="663141" cy="380990"/>
-                      </a:xfrm>
-                      <a:prstGeom prst="rect">
-                        <a:avLst/>
-                      </a:prstGeom>
-                    </p:spPr>
-                  </p:pic>
-                </p:oleObj>
-              </mc:Fallback>
-            </mc:AlternateContent>
-          </a:graphicData>
-        </a:graphic>
-      </p:graphicFrame>
-    </p:spTree>
-    <p:extLst>
-      <p:ext uri="{BB962C8B-B14F-4D97-AF65-F5344CB8AC3E}">
-        <p14:creationId xmlns:p14="http://schemas.microsoft.com/office/powerpoint/2010/main" val="729578691"/>
-      </p:ext>
-    </p:extLst>
-  </p:cSld>
-  <p:clrMap bg1="lt1" tx1="dk1" bg2="lt2" tx2="dk2" accent1="accent1" accent2="accent2" accent3="accent3" accent4="accent4" accent5="accent5" accent6="accent6" hlink="hlink" folHlink="folHlink"/>
-  <p:sldLayoutIdLst>
-    <p:sldLayoutId id="2147483679" r:id="rId1"/>
-    <p:sldLayoutId id="2147483680" r:id="rId2"/>
-    <p:sldLayoutId id="2147483681" r:id="rId3"/>
-    <p:sldLayoutId id="2147483682" r:id="rId4"/>
-    <p:sldLayoutId id="2147483683" r:id="rId5"/>
-    <p:sldLayoutId id="2147483684" r:id="rId6"/>
-    <p:sldLayoutId id="2147483685" r:id="rId7"/>
-  </p:sldLayoutIdLst>
-  <p:txStyles>
-    <p:titleStyle>
-      <a:lvl1pPr algn="l" defTabSz="609608" rtl="0" eaLnBrk="1" latinLnBrk="0" hangingPunct="1">
-        <a:spcBef>
-          <a:spcPct val="0"/>
-        </a:spcBef>
-        <a:buNone/>
-        <a:defRPr sz="4657" kern="1200">
-          <a:solidFill>
-            <a:schemeClr val="accent1"/>
-          </a:solidFill>
-          <a:latin typeface="+mj-lt"/>
-          <a:ea typeface="+mj-ea"/>
-          <a:cs typeface="+mj-cs"/>
-        </a:defRPr>
-      </a:lvl1pPr>
-    </p:titleStyle>
-    <p:bodyStyle>
-      <a:lvl1pPr marL="0" indent="0" algn="l" defTabSz="609608" rtl="0" eaLnBrk="1" latinLnBrk="0" hangingPunct="1">
-        <a:spcBef>
-          <a:spcPct val="20000"/>
-        </a:spcBef>
-        <a:buFont typeface="Wingdings" charset="2"/>
-        <a:buNone/>
-        <a:defRPr sz="3810" kern="1200">
-          <a:solidFill>
-            <a:schemeClr val="tx2"/>
-          </a:solidFill>
-          <a:latin typeface="+mn-lt"/>
-          <a:ea typeface="+mn-ea"/>
-          <a:cs typeface="+mn-cs"/>
-        </a:defRPr>
-      </a:lvl1pPr>
-      <a:lvl2pPr marL="609609" indent="0" algn="l" defTabSz="609608" rtl="0" eaLnBrk="1" latinLnBrk="0" hangingPunct="1">
-        <a:spcBef>
-          <a:spcPct val="20000"/>
-        </a:spcBef>
-        <a:buFont typeface="Wingdings" charset="2"/>
-        <a:buNone/>
-        <a:defRPr sz="3387" kern="1200">
-          <a:solidFill>
-            <a:schemeClr val="tx2"/>
-          </a:solidFill>
-          <a:latin typeface="+mn-lt"/>
-          <a:ea typeface="+mn-ea"/>
-          <a:cs typeface="+mn-cs"/>
-        </a:defRPr>
-      </a:lvl2pPr>
-      <a:lvl3pPr marL="1219218" indent="0" algn="l" defTabSz="609608" rtl="0" eaLnBrk="1" latinLnBrk="0" hangingPunct="1">
-        <a:spcBef>
-          <a:spcPct val="20000"/>
-        </a:spcBef>
-        <a:buFont typeface="Wingdings" charset="2"/>
-        <a:buNone/>
-        <a:defRPr sz="2540" kern="1200">
-          <a:solidFill>
-            <a:schemeClr val="tx2"/>
-          </a:solidFill>
-          <a:latin typeface="+mn-lt"/>
-          <a:ea typeface="+mn-ea"/>
-          <a:cs typeface="+mn-cs"/>
-        </a:defRPr>
-      </a:lvl3pPr>
-      <a:lvl4pPr marL="1828826" indent="0" algn="l" defTabSz="609608" rtl="0" eaLnBrk="1" latinLnBrk="0" hangingPunct="1">
-        <a:spcBef>
-          <a:spcPct val="20000"/>
-        </a:spcBef>
-        <a:buFont typeface="Wingdings" charset="2"/>
-        <a:buNone/>
-        <a:defRPr sz="2540" kern="1200">
-          <a:solidFill>
-            <a:schemeClr val="tx2"/>
-          </a:solidFill>
-          <a:latin typeface="+mn-lt"/>
-          <a:ea typeface="+mn-ea"/>
-          <a:cs typeface="+mn-cs"/>
-        </a:defRPr>
-      </a:lvl4pPr>
-      <a:lvl5pPr marL="2438434" indent="0" algn="l" defTabSz="609608" rtl="0" eaLnBrk="1" latinLnBrk="0" hangingPunct="1">
-        <a:spcBef>
-          <a:spcPct val="20000"/>
-        </a:spcBef>
-        <a:buFont typeface="Wingdings" charset="2"/>
-        <a:buNone/>
-        <a:defRPr sz="2117" kern="1200">
-          <a:solidFill>
-            <a:schemeClr val="tx2"/>
-          </a:solidFill>
-          <a:latin typeface="+mn-lt"/>
-          <a:ea typeface="+mn-ea"/>
-          <a:cs typeface="+mn-cs"/>
-        </a:defRPr>
-      </a:lvl5pPr>
-      <a:lvl6pPr marL="3352848" indent="-304804" algn="l" defTabSz="609608" rtl="0" eaLnBrk="1" latinLnBrk="0" hangingPunct="1">
-        <a:spcBef>
-          <a:spcPct val="20000"/>
-        </a:spcBef>
-        <a:buFont typeface="Arial"/>
-        <a:buChar char="•"/>
-        <a:defRPr sz="2667" kern="1200">
-          <a:solidFill>
-            <a:schemeClr val="tx1"/>
-          </a:solidFill>
-          <a:latin typeface="+mn-lt"/>
-          <a:ea typeface="+mn-ea"/>
-          <a:cs typeface="+mn-cs"/>
-        </a:defRPr>
-      </a:lvl6pPr>
-      <a:lvl7pPr marL="3962456" indent="-304804" algn="l" defTabSz="609608" rtl="0" eaLnBrk="1" latinLnBrk="0" hangingPunct="1">
-        <a:spcBef>
-          <a:spcPct val="20000"/>
-        </a:spcBef>
-        <a:buFont typeface="Arial"/>
-        <a:buChar char="•"/>
-        <a:defRPr sz="2667" kern="1200">
-          <a:solidFill>
-            <a:schemeClr val="tx1"/>
-          </a:solidFill>
-          <a:latin typeface="+mn-lt"/>
-          <a:ea typeface="+mn-ea"/>
-          <a:cs typeface="+mn-cs"/>
-        </a:defRPr>
-      </a:lvl7pPr>
-      <a:lvl8pPr marL="4572064" indent="-304804" algn="l" defTabSz="609608" rtl="0" eaLnBrk="1" latinLnBrk="0" hangingPunct="1">
-        <a:spcBef>
-          <a:spcPct val="20000"/>
-        </a:spcBef>
-        <a:buFont typeface="Arial"/>
-        <a:buChar char="•"/>
-        <a:defRPr sz="2667" kern="1200">
-          <a:solidFill>
-            <a:schemeClr val="tx1"/>
-          </a:solidFill>
-          <a:latin typeface="+mn-lt"/>
-          <a:ea typeface="+mn-ea"/>
-          <a:cs typeface="+mn-cs"/>
-        </a:defRPr>
-      </a:lvl8pPr>
-      <a:lvl9pPr marL="5181673" indent="-304804" algn="l" defTabSz="609608" rtl="0" eaLnBrk="1" latinLnBrk="0" hangingPunct="1">
-        <a:spcBef>
-          <a:spcPct val="20000"/>
-        </a:spcBef>
-        <a:buFont typeface="Arial"/>
-        <a:buChar char="•"/>
-        <a:defRPr sz="2667" kern="1200">
-          <a:solidFill>
-            <a:schemeClr val="tx1"/>
-          </a:solidFill>
-          <a:latin typeface="+mn-lt"/>
-          <a:ea typeface="+mn-ea"/>
-          <a:cs typeface="+mn-cs"/>
-        </a:defRPr>
-      </a:lvl9pPr>
-    </p:bodyStyle>
-    <p:otherStyle>
-      <a:defPPr>
-        <a:defRPr lang="en-US"/>
-      </a:defPPr>
-      <a:lvl1pPr marL="0" algn="l" defTabSz="609608" rtl="0" eaLnBrk="1" latinLnBrk="0" hangingPunct="1">
-        <a:defRPr sz="2400" kern="1200">
-          <a:solidFill>
-            <a:schemeClr val="tx1"/>
-          </a:solidFill>
-          <a:latin typeface="+mn-lt"/>
-          <a:ea typeface="+mn-ea"/>
-          <a:cs typeface="+mn-cs"/>
-        </a:defRPr>
-      </a:lvl1pPr>
-      <a:lvl2pPr marL="609608" algn="l" defTabSz="609608" rtl="0" eaLnBrk="1" latinLnBrk="0" hangingPunct="1">
-        <a:defRPr sz="2400" kern="1200">
-          <a:solidFill>
-            <a:schemeClr val="tx1"/>
-          </a:solidFill>
-          <a:latin typeface="+mn-lt"/>
-          <a:ea typeface="+mn-ea"/>
-          <a:cs typeface="+mn-cs"/>
-        </a:defRPr>
-      </a:lvl2pPr>
-      <a:lvl3pPr marL="1219218" algn="l" defTabSz="609608" rtl="0" eaLnBrk="1" latinLnBrk="0" hangingPunct="1">
-        <a:defRPr sz="2400" kern="1200">
-          <a:solidFill>
-            <a:schemeClr val="tx1"/>
-          </a:solidFill>
-          <a:latin typeface="+mn-lt"/>
-          <a:ea typeface="+mn-ea"/>
-          <a:cs typeface="+mn-cs"/>
-        </a:defRPr>
-      </a:lvl3pPr>
-      <a:lvl4pPr marL="1828826" algn="l" defTabSz="609608" rtl="0" eaLnBrk="1" latinLnBrk="0" hangingPunct="1">
-        <a:defRPr sz="2400" kern="1200">
-          <a:solidFill>
-            <a:schemeClr val="tx1"/>
-          </a:solidFill>
-          <a:latin typeface="+mn-lt"/>
-          <a:ea typeface="+mn-ea"/>
-          <a:cs typeface="+mn-cs"/>
-        </a:defRPr>
-      </a:lvl4pPr>
-      <a:lvl5pPr marL="2438434" algn="l" defTabSz="609608" rtl="0" eaLnBrk="1" latinLnBrk="0" hangingPunct="1">
-        <a:defRPr sz="2400" kern="1200">
-          <a:solidFill>
-            <a:schemeClr val="tx1"/>
-          </a:solidFill>
-          <a:latin typeface="+mn-lt"/>
-          <a:ea typeface="+mn-ea"/>
-          <a:cs typeface="+mn-cs"/>
-        </a:defRPr>
-      </a:lvl5pPr>
-      <a:lvl6pPr marL="3048043" algn="l" defTabSz="609608" rtl="0" eaLnBrk="1" latinLnBrk="0" hangingPunct="1">
-        <a:defRPr sz="2400" kern="1200">
-          <a:solidFill>
-            <a:schemeClr val="tx1"/>
-          </a:solidFill>
-          <a:latin typeface="+mn-lt"/>
-          <a:ea typeface="+mn-ea"/>
-          <a:cs typeface="+mn-cs"/>
-        </a:defRPr>
-      </a:lvl6pPr>
-      <a:lvl7pPr marL="3657652" algn="l" defTabSz="609608" rtl="0" eaLnBrk="1" latinLnBrk="0" hangingPunct="1">
-        <a:defRPr sz="2400" kern="1200">
-          <a:solidFill>
-            <a:schemeClr val="tx1"/>
-          </a:solidFill>
-          <a:latin typeface="+mn-lt"/>
-          <a:ea typeface="+mn-ea"/>
-          <a:cs typeface="+mn-cs"/>
-        </a:defRPr>
-      </a:lvl7pPr>
-      <a:lvl8pPr marL="4267260" algn="l" defTabSz="609608" rtl="0" eaLnBrk="1" latinLnBrk="0" hangingPunct="1">
-        <a:defRPr sz="2400" kern="1200">
-          <a:solidFill>
-            <a:schemeClr val="tx1"/>
-          </a:solidFill>
-          <a:latin typeface="+mn-lt"/>
-          <a:ea typeface="+mn-ea"/>
-          <a:cs typeface="+mn-cs"/>
-        </a:defRPr>
-      </a:lvl8pPr>
-      <a:lvl9pPr marL="4876869" algn="l" defTabSz="609608" rtl="0" eaLnBrk="1" latinLnBrk="0" hangingPunct="1">
-        <a:defRPr sz="2400" kern="1200">
-          <a:solidFill>
-            <a:schemeClr val="tx1"/>
-          </a:solidFill>
-          <a:latin typeface="+mn-lt"/>
-          <a:ea typeface="+mn-ea"/>
-          <a:cs typeface="+mn-cs"/>
-        </a:defRPr>
-      </a:lvl9pPr>
-    </p:otherStyle>
-  </p:txStyles>
-  <p:extLst mod="1">
-    <p:ext uri="{27BBF7A9-308A-43DC-89C8-2F10F3537804}">
-      <p15:sldGuideLst xmlns:p15="http://schemas.microsoft.com/office/powerpoint/2012/main">
-        <p15:guide id="1" orient="horz" pos="2381">
-          <p15:clr>
-            <a:srgbClr val="F26B43"/>
-          </p15:clr>
-        </p15:guide>
-        <p15:guide id="2" pos="3629">
-          <p15:clr>
-            <a:srgbClr val="F26B43"/>
-          </p15:clr>
-        </p15:guide>
-        <p15:guide id="3" pos="7030">
-          <p15:clr>
-            <a:srgbClr val="F26B43"/>
-          </p15:clr>
-        </p15:guide>
-        <p15:guide id="4" pos="227">
-          <p15:clr>
-            <a:srgbClr val="F26B43"/>
-          </p15:clr>
-        </p15:guide>
-        <p15:guide id="5" orient="horz" pos="227">
-          <p15:clr>
-            <a:srgbClr val="F26B43"/>
-          </p15:clr>
-        </p15:guide>
-        <p15:guide id="7" orient="horz" pos="680">
-          <p15:clr>
-            <a:srgbClr val="F26B43"/>
-          </p15:clr>
-        </p15:guide>
-        <p15:guide id="8" orient="horz" pos="907">
-          <p15:clr>
-            <a:srgbClr val="F26B43"/>
-          </p15:clr>
-        </p15:guide>
-        <p15:guide id="9" orient="horz" pos="3855">
-          <p15:clr>
-            <a:srgbClr val="F26B43"/>
-          </p15:clr>
-        </p15:guide>
-        <p15:guide id="10" orient="horz" pos="2041">
-          <p15:clr>
-            <a:srgbClr val="F26B43"/>
-          </p15:clr>
-        </p15:guide>
-      </p15:sldGuideLst>
-    </p:ext>
-  </p:extLst>
-</p:sldMaster>
-</file>
-
 <file path=ppt/slides/slide1.xml><?xml version="1.0" encoding="utf-8"?>
 <p:sld xmlns:a="http://schemas.openxmlformats.org/drawingml/2006/main" xmlns:r="http://schemas.openxmlformats.org/officeDocument/2006/relationships" xmlns:p="http://schemas.openxmlformats.org/presentationml/2006/main">
   <p:cSld>
@@ -12284,149 +10915,499 @@
             <p:ph type="ctrTitle"/>
           </p:nvPr>
         </p:nvSpPr>
-        <p:spPr>
-          <a:xfrm>
-            <a:off x="281854" y="151502"/>
-            <a:ext cx="8530785" cy="1051130"/>
-          </a:xfrm>
-        </p:spPr>
+        <p:spPr/>
         <p:txBody>
           <a:bodyPr/>
           <a:lstStyle/>
           <a:p>
             <a:r>
               <a:rPr lang="en-US" dirty="0"/>
-              <a:t>Gold Sponsors</a:t>
-            </a:r>
+              <a:t>the wonders of modern SQL administration</a:t>
+            </a:r>
+          </a:p>
+        </p:txBody>
+      </p:sp>
+      <p:sp>
+        <p:nvSpPr>
+          <p:cNvPr id="3" name="Subtitle 2"/>
+          <p:cNvSpPr>
+            <a:spLocks noGrp="1"/>
+          </p:cNvSpPr>
+          <p:nvPr>
+            <p:ph type="subTitle" idx="1"/>
+          </p:nvPr>
+        </p:nvSpPr>
+        <p:spPr/>
+        <p:txBody>
+          <a:bodyPr/>
+          <a:lstStyle/>
+          <a:p>
+            <a:r>
+              <a:rPr lang="en-CA" dirty="0"/>
+              <a:t>…with </a:t>
+            </a:r>
+            <a:r>
+              <a:rPr lang="en-CA" dirty="0" err="1"/>
+              <a:t>Powershell</a:t>
+            </a:r>
+            <a:r>
+              <a:rPr lang="en-CA" dirty="0"/>
+              <a:t> and </a:t>
+            </a:r>
+            <a:r>
+              <a:rPr lang="en-CA" dirty="0" err="1"/>
+              <a:t>dbatools</a:t>
+            </a:r>
+            <a:endParaRPr lang="en-US" dirty="0"/>
+          </a:p>
+        </p:txBody>
+      </p:sp>
+      <p:sp>
+        <p:nvSpPr>
+          <p:cNvPr id="4" name="Subtitle 2"/>
+          <p:cNvSpPr txBox="1">
+            <a:spLocks/>
+          </p:cNvSpPr>
+          <p:nvPr/>
+        </p:nvSpPr>
+        <p:spPr>
+          <a:xfrm>
+            <a:off x="1303637" y="6333067"/>
+            <a:ext cx="9440034" cy="524934"/>
+          </a:xfrm>
+          <a:prstGeom prst="rect">
+            <a:avLst/>
+          </a:prstGeom>
+          <a:effectLst>
+            <a:outerShdw blurRad="25400" dir="17880000">
+              <a:srgbClr val="000000">
+                <a:alpha val="46000"/>
+              </a:srgbClr>
+            </a:outerShdw>
+          </a:effectLst>
+        </p:spPr>
+        <p:txBody>
+          <a:bodyPr vert="horz" lIns="91440" tIns="45720" rIns="91440" bIns="45720" rtlCol="0" anchor="t">
+            <a:normAutofit/>
+          </a:bodyPr>
+          <a:lstStyle>
+            <a:lvl1pPr marL="0" indent="0" algn="ctr" defTabSz="457200" rtl="0" eaLnBrk="1" latinLnBrk="0" hangingPunct="1">
+              <a:spcBef>
+                <a:spcPct val="20000"/>
+              </a:spcBef>
+              <a:spcAft>
+                <a:spcPts val="600"/>
+              </a:spcAft>
+              <a:buClr>
+                <a:schemeClr val="tx2"/>
+              </a:buClr>
+              <a:buSzPct val="70000"/>
+              <a:buFont typeface="Wingdings 2" charset="2"/>
+              <a:buNone/>
+              <a:defRPr sz="2000" kern="1200">
+                <a:ln>
+                  <a:solidFill>
+                    <a:schemeClr val="bg1">
+                      <a:lumMod val="75000"/>
+                      <a:lumOff val="25000"/>
+                      <a:alpha val="10000"/>
+                    </a:schemeClr>
+                  </a:solidFill>
+                </a:ln>
+                <a:solidFill>
+                  <a:schemeClr val="tx1"/>
+                </a:solidFill>
+                <a:effectLst>
+                  <a:outerShdw blurRad="9525" dist="25400" dir="14640000" algn="tl" rotWithShape="0">
+                    <a:schemeClr val="bg1">
+                      <a:alpha val="30000"/>
+                    </a:schemeClr>
+                  </a:outerShdw>
+                </a:effectLst>
+                <a:latin typeface="+mn-lt"/>
+                <a:ea typeface="+mn-ea"/>
+                <a:cs typeface="+mn-cs"/>
+              </a:defRPr>
+            </a:lvl1pPr>
+            <a:lvl2pPr marL="457200" indent="0" algn="ctr" defTabSz="457200" rtl="0" eaLnBrk="1" latinLnBrk="0" hangingPunct="1">
+              <a:spcBef>
+                <a:spcPct val="20000"/>
+              </a:spcBef>
+              <a:spcAft>
+                <a:spcPts val="600"/>
+              </a:spcAft>
+              <a:buClr>
+                <a:schemeClr val="tx2"/>
+              </a:buClr>
+              <a:buSzPct val="70000"/>
+              <a:buFont typeface="Wingdings 2" charset="2"/>
+              <a:buNone/>
+              <a:defRPr sz="1800" kern="1200">
+                <a:ln>
+                  <a:solidFill>
+                    <a:schemeClr val="bg1">
+                      <a:lumMod val="75000"/>
+                      <a:lumOff val="25000"/>
+                      <a:alpha val="10000"/>
+                    </a:schemeClr>
+                  </a:solidFill>
+                </a:ln>
+                <a:solidFill>
+                  <a:schemeClr val="tx1">
+                    <a:tint val="75000"/>
+                  </a:schemeClr>
+                </a:solidFill>
+                <a:effectLst>
+                  <a:outerShdw blurRad="9525" dist="25400" dir="14640000" algn="tl" rotWithShape="0">
+                    <a:schemeClr val="bg1">
+                      <a:alpha val="30000"/>
+                    </a:schemeClr>
+                  </a:outerShdw>
+                </a:effectLst>
+                <a:latin typeface="+mn-lt"/>
+                <a:ea typeface="+mn-ea"/>
+                <a:cs typeface="+mn-cs"/>
+              </a:defRPr>
+            </a:lvl2pPr>
+            <a:lvl3pPr marL="914400" indent="0" algn="ctr" defTabSz="457200" rtl="0" eaLnBrk="1" latinLnBrk="0" hangingPunct="1">
+              <a:spcBef>
+                <a:spcPct val="20000"/>
+              </a:spcBef>
+              <a:spcAft>
+                <a:spcPts val="600"/>
+              </a:spcAft>
+              <a:buClr>
+                <a:schemeClr val="tx2"/>
+              </a:buClr>
+              <a:buSzPct val="70000"/>
+              <a:buFont typeface="Wingdings 2" charset="2"/>
+              <a:buNone/>
+              <a:defRPr sz="1600" kern="1200">
+                <a:ln>
+                  <a:solidFill>
+                    <a:schemeClr val="bg1">
+                      <a:lumMod val="75000"/>
+                      <a:lumOff val="25000"/>
+                      <a:alpha val="10000"/>
+                    </a:schemeClr>
+                  </a:solidFill>
+                </a:ln>
+                <a:solidFill>
+                  <a:schemeClr val="tx1">
+                    <a:tint val="75000"/>
+                  </a:schemeClr>
+                </a:solidFill>
+                <a:effectLst>
+                  <a:outerShdw blurRad="9525" dist="25400" dir="14640000" algn="tl" rotWithShape="0">
+                    <a:schemeClr val="bg1">
+                      <a:alpha val="30000"/>
+                    </a:schemeClr>
+                  </a:outerShdw>
+                </a:effectLst>
+                <a:latin typeface="+mn-lt"/>
+                <a:ea typeface="+mn-ea"/>
+                <a:cs typeface="+mn-cs"/>
+              </a:defRPr>
+            </a:lvl3pPr>
+            <a:lvl4pPr marL="1371600" indent="0" algn="ctr" defTabSz="457200" rtl="0" eaLnBrk="1" latinLnBrk="0" hangingPunct="1">
+              <a:spcBef>
+                <a:spcPct val="20000"/>
+              </a:spcBef>
+              <a:spcAft>
+                <a:spcPts val="600"/>
+              </a:spcAft>
+              <a:buClr>
+                <a:schemeClr val="tx2"/>
+              </a:buClr>
+              <a:buSzPct val="70000"/>
+              <a:buFont typeface="Wingdings 2" charset="2"/>
+              <a:buNone/>
+              <a:defRPr sz="1400" kern="1200">
+                <a:ln>
+                  <a:solidFill>
+                    <a:schemeClr val="bg1">
+                      <a:lumMod val="75000"/>
+                      <a:lumOff val="25000"/>
+                      <a:alpha val="10000"/>
+                    </a:schemeClr>
+                  </a:solidFill>
+                </a:ln>
+                <a:solidFill>
+                  <a:schemeClr val="tx1">
+                    <a:tint val="75000"/>
+                  </a:schemeClr>
+                </a:solidFill>
+                <a:effectLst>
+                  <a:outerShdw blurRad="9525" dist="25400" dir="14640000" algn="tl" rotWithShape="0">
+                    <a:schemeClr val="bg1">
+                      <a:alpha val="30000"/>
+                    </a:schemeClr>
+                  </a:outerShdw>
+                </a:effectLst>
+                <a:latin typeface="+mn-lt"/>
+                <a:ea typeface="+mn-ea"/>
+                <a:cs typeface="+mn-cs"/>
+              </a:defRPr>
+            </a:lvl4pPr>
+            <a:lvl5pPr marL="1828800" indent="0" algn="ctr" defTabSz="457200" rtl="0" eaLnBrk="1" latinLnBrk="0" hangingPunct="1">
+              <a:spcBef>
+                <a:spcPct val="20000"/>
+              </a:spcBef>
+              <a:spcAft>
+                <a:spcPts val="600"/>
+              </a:spcAft>
+              <a:buClr>
+                <a:schemeClr val="tx2"/>
+              </a:buClr>
+              <a:buSzPct val="70000"/>
+              <a:buFont typeface="Wingdings 2" charset="2"/>
+              <a:buNone/>
+              <a:defRPr sz="1400" kern="1200">
+                <a:ln>
+                  <a:solidFill>
+                    <a:schemeClr val="bg1">
+                      <a:lumMod val="75000"/>
+                      <a:lumOff val="25000"/>
+                      <a:alpha val="10000"/>
+                    </a:schemeClr>
+                  </a:solidFill>
+                </a:ln>
+                <a:solidFill>
+                  <a:schemeClr val="tx1">
+                    <a:tint val="75000"/>
+                  </a:schemeClr>
+                </a:solidFill>
+                <a:effectLst>
+                  <a:outerShdw blurRad="9525" dist="25400" dir="14640000" algn="tl" rotWithShape="0">
+                    <a:schemeClr val="bg1">
+                      <a:alpha val="30000"/>
+                    </a:schemeClr>
+                  </a:outerShdw>
+                </a:effectLst>
+                <a:latin typeface="+mn-lt"/>
+                <a:ea typeface="+mn-ea"/>
+                <a:cs typeface="+mn-cs"/>
+              </a:defRPr>
+            </a:lvl5pPr>
+            <a:lvl6pPr marL="2286000" indent="0" algn="ctr" defTabSz="457200" rtl="0" eaLnBrk="1" latinLnBrk="0" hangingPunct="1">
+              <a:spcBef>
+                <a:spcPct val="20000"/>
+              </a:spcBef>
+              <a:spcAft>
+                <a:spcPts val="600"/>
+              </a:spcAft>
+              <a:buClr>
+                <a:schemeClr val="tx2"/>
+              </a:buClr>
+              <a:buSzPct val="70000"/>
+              <a:buFont typeface="Wingdings 2" charset="2"/>
+              <a:buNone/>
+              <a:defRPr sz="1400" kern="1200">
+                <a:ln>
+                  <a:solidFill>
+                    <a:schemeClr val="bg1">
+                      <a:lumMod val="75000"/>
+                      <a:lumOff val="25000"/>
+                      <a:alpha val="10000"/>
+                    </a:schemeClr>
+                  </a:solidFill>
+                </a:ln>
+                <a:solidFill>
+                  <a:schemeClr val="tx1">
+                    <a:tint val="75000"/>
+                  </a:schemeClr>
+                </a:solidFill>
+                <a:effectLst>
+                  <a:outerShdw blurRad="9525" dist="25400" dir="14640000" algn="tl" rotWithShape="0">
+                    <a:schemeClr val="bg1">
+                      <a:alpha val="30000"/>
+                    </a:schemeClr>
+                  </a:outerShdw>
+                </a:effectLst>
+                <a:latin typeface="+mn-lt"/>
+                <a:ea typeface="+mn-ea"/>
+                <a:cs typeface="+mn-cs"/>
+              </a:defRPr>
+            </a:lvl6pPr>
+            <a:lvl7pPr marL="2743200" indent="0" algn="ctr" defTabSz="457200" rtl="0" eaLnBrk="1" latinLnBrk="0" hangingPunct="1">
+              <a:spcBef>
+                <a:spcPct val="20000"/>
+              </a:spcBef>
+              <a:spcAft>
+                <a:spcPts val="600"/>
+              </a:spcAft>
+              <a:buClr>
+                <a:schemeClr val="tx2"/>
+              </a:buClr>
+              <a:buSzPct val="70000"/>
+              <a:buFont typeface="Wingdings 2" charset="2"/>
+              <a:buNone/>
+              <a:defRPr sz="1400" kern="1200">
+                <a:ln>
+                  <a:solidFill>
+                    <a:schemeClr val="bg1">
+                      <a:lumMod val="75000"/>
+                      <a:lumOff val="25000"/>
+                      <a:alpha val="10000"/>
+                    </a:schemeClr>
+                  </a:solidFill>
+                </a:ln>
+                <a:solidFill>
+                  <a:schemeClr val="tx1">
+                    <a:tint val="75000"/>
+                  </a:schemeClr>
+                </a:solidFill>
+                <a:effectLst>
+                  <a:outerShdw blurRad="9525" dist="25400" dir="14640000" algn="tl" rotWithShape="0">
+                    <a:schemeClr val="bg1">
+                      <a:alpha val="30000"/>
+                    </a:schemeClr>
+                  </a:outerShdw>
+                </a:effectLst>
+                <a:latin typeface="+mn-lt"/>
+                <a:ea typeface="+mn-ea"/>
+                <a:cs typeface="+mn-cs"/>
+              </a:defRPr>
+            </a:lvl7pPr>
+            <a:lvl8pPr marL="3200400" indent="0" algn="ctr" defTabSz="457200" rtl="0" eaLnBrk="1" latinLnBrk="0" hangingPunct="1">
+              <a:spcBef>
+                <a:spcPct val="20000"/>
+              </a:spcBef>
+              <a:spcAft>
+                <a:spcPts val="600"/>
+              </a:spcAft>
+              <a:buClr>
+                <a:schemeClr val="tx2"/>
+              </a:buClr>
+              <a:buSzPct val="70000"/>
+              <a:buFont typeface="Wingdings 2" charset="2"/>
+              <a:buNone/>
+              <a:defRPr sz="1400" kern="1200">
+                <a:ln>
+                  <a:solidFill>
+                    <a:schemeClr val="bg1">
+                      <a:lumMod val="75000"/>
+                      <a:lumOff val="25000"/>
+                      <a:alpha val="10000"/>
+                    </a:schemeClr>
+                  </a:solidFill>
+                </a:ln>
+                <a:solidFill>
+                  <a:schemeClr val="tx1">
+                    <a:tint val="75000"/>
+                  </a:schemeClr>
+                </a:solidFill>
+                <a:effectLst>
+                  <a:outerShdw blurRad="9525" dist="25400" dir="14640000" algn="tl" rotWithShape="0">
+                    <a:schemeClr val="bg1">
+                      <a:alpha val="30000"/>
+                    </a:schemeClr>
+                  </a:outerShdw>
+                </a:effectLst>
+                <a:latin typeface="+mn-lt"/>
+                <a:ea typeface="+mn-ea"/>
+                <a:cs typeface="+mn-cs"/>
+              </a:defRPr>
+            </a:lvl8pPr>
+            <a:lvl9pPr marL="3657600" indent="0" algn="ctr" defTabSz="457200" rtl="0" eaLnBrk="1" latinLnBrk="0" hangingPunct="1">
+              <a:spcBef>
+                <a:spcPct val="20000"/>
+              </a:spcBef>
+              <a:spcAft>
+                <a:spcPts val="600"/>
+              </a:spcAft>
+              <a:buClr>
+                <a:schemeClr val="tx2"/>
+              </a:buClr>
+              <a:buSzPct val="70000"/>
+              <a:buFont typeface="Wingdings 2" charset="2"/>
+              <a:buNone/>
+              <a:defRPr sz="1400" kern="1200">
+                <a:ln>
+                  <a:solidFill>
+                    <a:schemeClr val="bg1">
+                      <a:lumMod val="75000"/>
+                      <a:lumOff val="25000"/>
+                      <a:alpha val="10000"/>
+                    </a:schemeClr>
+                  </a:solidFill>
+                </a:ln>
+                <a:solidFill>
+                  <a:schemeClr val="tx1">
+                    <a:tint val="75000"/>
+                  </a:schemeClr>
+                </a:solidFill>
+                <a:effectLst>
+                  <a:outerShdw blurRad="9525" dist="25400" dir="14640000" algn="tl" rotWithShape="0">
+                    <a:schemeClr val="bg1">
+                      <a:alpha val="30000"/>
+                    </a:schemeClr>
+                  </a:outerShdw>
+                </a:effectLst>
+                <a:latin typeface="+mn-lt"/>
+                <a:ea typeface="+mn-ea"/>
+                <a:cs typeface="+mn-cs"/>
+              </a:defRPr>
+            </a:lvl9pPr>
+          </a:lstStyle>
+          <a:p>
+            <a:r>
+              <a:rPr lang="en-CA" dirty="0"/>
+              <a:t>presented by @</a:t>
+            </a:r>
+            <a:r>
+              <a:rPr lang="en-CA" dirty="0" err="1"/>
+              <a:t>nvarscar</a:t>
+            </a:r>
+            <a:endParaRPr lang="en-US" dirty="0"/>
           </a:p>
         </p:txBody>
       </p:sp>
       <p:pic>
         <p:nvPicPr>
-          <p:cNvPr id="5" name="Picture 4">
-            <a:extLst>
-              <a:ext uri="{FF2B5EF4-FFF2-40B4-BE49-F238E27FC236}">
-                <a16:creationId xmlns:a16="http://schemas.microsoft.com/office/drawing/2014/main" id="{05E64074-BF0B-42C7-BDF4-021632329B81}"/>
-              </a:ext>
-            </a:extLst>
-          </p:cNvPr>
+          <p:cNvPr id="2050" name="Picture 2" descr="Image result for pixel mercy overwatch"/>
           <p:cNvPicPr>
-            <a:picLocks noChangeAspect="1"/>
+            <a:picLocks noChangeAspect="1" noChangeArrowheads="1"/>
           </p:cNvPicPr>
           <p:nvPr/>
         </p:nvPicPr>
         <p:blipFill>
-          <a:blip r:embed="rId2"/>
+          <a:blip r:embed="rId2" cstate="hqprint">
+            <a:extLst>
+              <a:ext uri="{28A0092B-C50C-407E-A947-70E740481C1C}">
+                <a14:useLocalDpi xmlns:a14="http://schemas.microsoft.com/office/drawing/2010/main" val="0"/>
+              </a:ext>
+            </a:extLst>
+          </a:blip>
+          <a:srcRect/>
           <a:stretch>
             <a:fillRect/>
           </a:stretch>
         </p:blipFill>
-        <p:spPr>
+        <p:spPr bwMode="auto">
           <a:xfrm>
-            <a:off x="469086" y="1472041"/>
-            <a:ext cx="4334769" cy="1304639"/>
+            <a:off x="18729" y="-131067"/>
+            <a:ext cx="1351964" cy="1351964"/>
           </a:xfrm>
           <a:prstGeom prst="rect">
             <a:avLst/>
           </a:prstGeom>
-        </p:spPr>
-      </p:pic>
-      <p:pic>
-        <p:nvPicPr>
-          <p:cNvPr id="7" name="Picture 6">
-            <a:extLst>
-              <a:ext uri="{FF2B5EF4-FFF2-40B4-BE49-F238E27FC236}">
-                <a16:creationId xmlns:a16="http://schemas.microsoft.com/office/drawing/2014/main" id="{2A4537B6-0F45-44A2-9834-0EC9AD783916}"/>
-              </a:ext>
-            </a:extLst>
-          </p:cNvPr>
-          <p:cNvPicPr>
-            <a:picLocks noChangeAspect="1"/>
-          </p:cNvPicPr>
-          <p:nvPr/>
-        </p:nvPicPr>
-        <p:blipFill>
-          <a:blip r:embed="rId3"/>
-          <a:stretch>
-            <a:fillRect/>
-          </a:stretch>
-        </p:blipFill>
-        <p:spPr>
-          <a:xfrm>
-            <a:off x="469086" y="3362222"/>
-            <a:ext cx="5815467" cy="764533"/>
-          </a:xfrm>
-          <a:prstGeom prst="rect">
-            <a:avLst/>
-          </a:prstGeom>
-        </p:spPr>
-      </p:pic>
-      <p:pic>
-        <p:nvPicPr>
-          <p:cNvPr id="10" name="Picture 9">
-            <a:extLst>
-              <a:ext uri="{FF2B5EF4-FFF2-40B4-BE49-F238E27FC236}">
-                <a16:creationId xmlns:a16="http://schemas.microsoft.com/office/drawing/2014/main" id="{3B55F4E2-B7FE-4685-A4C9-40B3DC58F5F3}"/>
-              </a:ext>
-            </a:extLst>
-          </p:cNvPr>
-          <p:cNvPicPr>
-            <a:picLocks noChangeAspect="1"/>
-          </p:cNvPicPr>
-          <p:nvPr/>
-        </p:nvPicPr>
-        <p:blipFill>
-          <a:blip r:embed="rId4"/>
-          <a:stretch>
-            <a:fillRect/>
-          </a:stretch>
-        </p:blipFill>
-        <p:spPr>
-          <a:xfrm>
-            <a:off x="469086" y="4400373"/>
-            <a:ext cx="3758848" cy="1885973"/>
-          </a:xfrm>
-          <a:prstGeom prst="rect">
-            <a:avLst/>
-          </a:prstGeom>
-        </p:spPr>
-      </p:pic>
-      <p:pic>
-        <p:nvPicPr>
-          <p:cNvPr id="12" name="Picture 11">
-            <a:extLst>
-              <a:ext uri="{FF2B5EF4-FFF2-40B4-BE49-F238E27FC236}">
-                <a16:creationId xmlns:a16="http://schemas.microsoft.com/office/drawing/2014/main" id="{0BC343D0-0293-4900-917B-9B5FF7A80A0F}"/>
-              </a:ext>
-            </a:extLst>
-          </p:cNvPr>
-          <p:cNvPicPr>
-            <a:picLocks noChangeAspect="1"/>
-          </p:cNvPicPr>
-          <p:nvPr/>
-        </p:nvPicPr>
-        <p:blipFill rotWithShape="1">
-          <a:blip r:embed="rId5"/>
-          <a:srcRect l="31539" t="13998" b="15535"/>
-          <a:stretch/>
-        </p:blipFill>
-        <p:spPr>
-          <a:xfrm>
-            <a:off x="9109103" y="3003799"/>
-            <a:ext cx="3304810" cy="850403"/>
-          </a:xfrm>
-          <a:prstGeom prst="rect">
-            <a:avLst/>
-          </a:prstGeom>
-          <a:solidFill>
-            <a:schemeClr val="bg1"/>
-          </a:solidFill>
+          <a:noFill/>
+          <a:extLst>
+            <a:ext uri="{909E8E84-426E-40DD-AFC4-6F175D3DCCD1}">
+              <a14:hiddenFill xmlns:a14="http://schemas.microsoft.com/office/drawing/2010/main">
+                <a:solidFill>
+                  <a:srgbClr val="FFFFFF"/>
+                </a:solidFill>
+              </a14:hiddenFill>
+            </a:ext>
+          </a:extLst>
         </p:spPr>
       </p:pic>
     </p:spTree>
     <p:extLst>
       <p:ext uri="{BB962C8B-B14F-4D97-AF65-F5344CB8AC3E}">
-        <p14:creationId xmlns:p14="http://schemas.microsoft.com/office/powerpoint/2010/main" val="475805025"/>
+        <p14:creationId xmlns:p14="http://schemas.microsoft.com/office/powerpoint/2010/main" val="2810996408"/>
       </p:ext>
     </p:extLst>
   </p:cSld>
@@ -12444,226 +11425,6 @@
 </file>
 
 <file path=ppt/slides/slide10.xml><?xml version="1.0" encoding="utf-8"?>
-<p:sld xmlns:a="http://schemas.openxmlformats.org/drawingml/2006/main" xmlns:r="http://schemas.openxmlformats.org/officeDocument/2006/relationships" xmlns:p="http://schemas.openxmlformats.org/presentationml/2006/main" show="0">
-  <p:cSld>
-    <p:spTree>
-      <p:nvGrpSpPr>
-        <p:cNvPr id="1" name=""/>
-        <p:cNvGrpSpPr/>
-        <p:nvPr/>
-      </p:nvGrpSpPr>
-      <p:grpSpPr>
-        <a:xfrm>
-          <a:off x="0" y="0"/>
-          <a:ext cx="0" cy="0"/>
-          <a:chOff x="0" y="0"/>
-          <a:chExt cx="0" cy="0"/>
-        </a:xfrm>
-      </p:grpSpPr>
-      <p:sp>
-        <p:nvSpPr>
-          <p:cNvPr id="2" name="Title 1"/>
-          <p:cNvSpPr>
-            <a:spLocks noGrp="1"/>
-          </p:cNvSpPr>
-          <p:nvPr>
-            <p:ph type="title"/>
-          </p:nvPr>
-        </p:nvSpPr>
-        <p:spPr/>
-        <p:txBody>
-          <a:bodyPr/>
-          <a:lstStyle/>
-          <a:p>
-            <a:r>
-              <a:rPr lang="en-CA" dirty="0" err="1"/>
-              <a:t>ps</a:t>
-            </a:r>
-            <a:r>
-              <a:rPr lang="en-CA" dirty="0"/>
-              <a:t> modules</a:t>
-            </a:r>
-            <a:endParaRPr lang="en-US" dirty="0"/>
-          </a:p>
-        </p:txBody>
-      </p:sp>
-      <p:sp>
-        <p:nvSpPr>
-          <p:cNvPr id="3" name="Content Placeholder 2"/>
-          <p:cNvSpPr>
-            <a:spLocks noGrp="1"/>
-          </p:cNvSpPr>
-          <p:nvPr>
-            <p:ph idx="1"/>
-          </p:nvPr>
-        </p:nvSpPr>
-        <p:spPr/>
-        <p:txBody>
-          <a:bodyPr/>
-          <a:lstStyle/>
-          <a:p>
-            <a:r>
-              <a:rPr lang="en-CA" dirty="0"/>
-              <a:t>Module</a:t>
-            </a:r>
-          </a:p>
-          <a:p>
-            <a:pPr lvl="1"/>
-            <a:r>
-              <a:rPr lang="en-CA" dirty="0"/>
-              <a:t>A </a:t>
-            </a:r>
-            <a:r>
-              <a:rPr lang="en-US" dirty="0">
-                <a:effectLst/>
-              </a:rPr>
-              <a:t>set of related PowerShell functionalities, grouped together as a convenient unit</a:t>
-            </a:r>
-          </a:p>
-          <a:p>
-            <a:pPr lvl="1"/>
-            <a:r>
-              <a:rPr lang="en-CA" dirty="0">
-                <a:effectLst/>
-              </a:rPr>
-              <a:t>Contains script files and assemblies we can use in our code once the module is loaded</a:t>
-            </a:r>
-          </a:p>
-          <a:p>
-            <a:pPr lvl="1"/>
-            <a:endParaRPr lang="en-CA" dirty="0">
-              <a:effectLst/>
-            </a:endParaRPr>
-          </a:p>
-          <a:p>
-            <a:r>
-              <a:rPr lang="en-CA" dirty="0">
-                <a:effectLst/>
-              </a:rPr>
-              <a:t>How to install/load module:</a:t>
-            </a:r>
-          </a:p>
-          <a:p>
-            <a:pPr lvl="1"/>
-            <a:r>
-              <a:rPr lang="en-CA" dirty="0">
-                <a:effectLst/>
-              </a:rPr>
-              <a:t>Run Import-Module &lt;path&gt;</a:t>
-            </a:r>
-          </a:p>
-          <a:p>
-            <a:pPr lvl="1"/>
-            <a:r>
-              <a:rPr lang="en-CA" dirty="0">
-                <a:effectLst/>
-              </a:rPr>
-              <a:t>Put module </a:t>
-            </a:r>
-            <a:r>
-              <a:rPr lang="en-CA" u="sng" dirty="0">
-                <a:effectLst/>
-              </a:rPr>
-              <a:t>folder</a:t>
-            </a:r>
-            <a:r>
-              <a:rPr lang="en-CA" dirty="0">
-                <a:effectLst/>
-              </a:rPr>
-              <a:t> into one of the directories specified in: $</a:t>
-            </a:r>
-            <a:r>
-              <a:rPr lang="en-CA" dirty="0" err="1">
-                <a:effectLst/>
-              </a:rPr>
-              <a:t>env:PSModulePath</a:t>
-            </a:r>
-            <a:endParaRPr lang="en-US" dirty="0">
-              <a:effectLst/>
-            </a:endParaRPr>
-          </a:p>
-          <a:p>
-            <a:pPr lvl="1"/>
-            <a:endParaRPr lang="en-CA" dirty="0">
-              <a:effectLst/>
-            </a:endParaRPr>
-          </a:p>
-          <a:p>
-            <a:pPr lvl="1"/>
-            <a:endParaRPr lang="en-US" dirty="0"/>
-          </a:p>
-        </p:txBody>
-      </p:sp>
-      <p:pic>
-        <p:nvPicPr>
-          <p:cNvPr id="6" name="Picture 5"/>
-          <p:cNvPicPr>
-            <a:picLocks noChangeAspect="1"/>
-          </p:cNvPicPr>
-          <p:nvPr/>
-        </p:nvPicPr>
-        <p:blipFill rotWithShape="1">
-          <a:blip r:embed="rId2"/>
-          <a:srcRect l="221"/>
-          <a:stretch/>
-        </p:blipFill>
-        <p:spPr>
-          <a:xfrm>
-            <a:off x="3630168" y="4892043"/>
-            <a:ext cx="4931936" cy="1133333"/>
-          </a:xfrm>
-          <a:prstGeom prst="rect">
-            <a:avLst/>
-          </a:prstGeom>
-          <a:solidFill>
-            <a:srgbClr val="000000">
-              <a:shade val="95000"/>
-            </a:srgbClr>
-          </a:solidFill>
-          <a:ln w="57150" cap="sq">
-            <a:solidFill>
-              <a:srgbClr val="000000"/>
-            </a:solidFill>
-            <a:miter lim="800000"/>
-          </a:ln>
-          <a:effectLst>
-            <a:outerShdw blurRad="254000" dist="190500" dir="2700000" sy="90000" algn="bl" rotWithShape="0">
-              <a:srgbClr val="000000">
-                <a:alpha val="40000"/>
-              </a:srgbClr>
-            </a:outerShdw>
-          </a:effectLst>
-        </p:spPr>
-      </p:pic>
-    </p:spTree>
-    <p:extLst>
-      <p:ext uri="{BB962C8B-B14F-4D97-AF65-F5344CB8AC3E}">
-        <p14:creationId xmlns:p14="http://schemas.microsoft.com/office/powerpoint/2010/main" val="1141652334"/>
-      </p:ext>
-    </p:extLst>
-  </p:cSld>
-  <p:clrMapOvr>
-    <a:masterClrMapping/>
-  </p:clrMapOvr>
-  <mc:AlternateContent xmlns:mc="http://schemas.openxmlformats.org/markup-compatibility/2006" xmlns:p14="http://schemas.microsoft.com/office/powerpoint/2010/main">
-    <mc:Choice Requires="p14">
-      <p:transition spd="slow" p14:dur="2000"/>
-    </mc:Choice>
-    <mc:Fallback xmlns="">
-      <p:transition spd="slow"/>
-    </mc:Fallback>
-  </mc:AlternateContent>
-  <p:timing>
-    <p:tnLst>
-      <p:par>
-        <p:cTn id="1" dur="indefinite" restart="never" nodeType="tmRoot"/>
-      </p:par>
-    </p:tnLst>
-  </p:timing>
-</p:sld>
-</file>
-
-<file path=ppt/slides/slide11.xml><?xml version="1.0" encoding="utf-8"?>
 <p:sld xmlns:a="http://schemas.openxmlformats.org/drawingml/2006/main" xmlns:r="http://schemas.openxmlformats.org/officeDocument/2006/relationships" xmlns:p="http://schemas.openxmlformats.org/presentationml/2006/main" show="0">
   <p:cSld>
     <p:spTree>
@@ -13738,7 +12499,7 @@
 </p:sld>
 </file>
 
-<file path=ppt/slides/slide12.xml><?xml version="1.0" encoding="utf-8"?>
+<file path=ppt/slides/slide11.xml><?xml version="1.0" encoding="utf-8"?>
 <p:sld xmlns:a="http://schemas.openxmlformats.org/drawingml/2006/main" xmlns:r="http://schemas.openxmlformats.org/officeDocument/2006/relationships" xmlns:p="http://schemas.openxmlformats.org/presentationml/2006/main">
   <p:cSld>
     <p:spTree>
@@ -13898,11 +12659,11 @@
   <p:clrMapOvr>
     <a:masterClrMapping/>
   </p:clrMapOvr>
-  <mc:AlternateContent xmlns:mc="http://schemas.openxmlformats.org/markup-compatibility/2006">
-    <mc:Choice xmlns:p14="http://schemas.microsoft.com/office/powerpoint/2010/main" Requires="p14">
+  <mc:AlternateContent xmlns:mc="http://schemas.openxmlformats.org/markup-compatibility/2006" xmlns:p14="http://schemas.microsoft.com/office/powerpoint/2010/main">
+    <mc:Choice Requires="p14">
       <p:transition spd="slow" p14:dur="2000"/>
     </mc:Choice>
-    <mc:Fallback>
+    <mc:Fallback xmlns="">
       <p:transition spd="slow"/>
     </mc:Fallback>
   </mc:AlternateContent>
@@ -13916,7 +12677,7 @@
 </p:sld>
 </file>
 
-<file path=ppt/slides/slide13.xml><?xml version="1.0" encoding="utf-8"?>
+<file path=ppt/slides/slide12.xml><?xml version="1.0" encoding="utf-8"?>
 <p:sld xmlns:a="http://schemas.openxmlformats.org/drawingml/2006/main" xmlns:r="http://schemas.openxmlformats.org/officeDocument/2006/relationships" xmlns:p="http://schemas.openxmlformats.org/presentationml/2006/main">
   <p:cSld>
     <p:spTree>
@@ -13999,11 +12760,11 @@
   <p:clrMapOvr>
     <a:masterClrMapping/>
   </p:clrMapOvr>
-  <mc:AlternateContent xmlns:mc="http://schemas.openxmlformats.org/markup-compatibility/2006">
-    <mc:Choice xmlns:p14="http://schemas.microsoft.com/office/powerpoint/2010/main" Requires="p14">
+  <mc:AlternateContent xmlns:mc="http://schemas.openxmlformats.org/markup-compatibility/2006" xmlns:p14="http://schemas.microsoft.com/office/powerpoint/2010/main">
+    <mc:Choice Requires="p14">
       <p:transition spd="slow" p14:dur="2000"/>
     </mc:Choice>
-    <mc:Fallback>
+    <mc:Fallback xmlns="">
       <p:transition spd="slow"/>
     </mc:Fallback>
   </mc:AlternateContent>
@@ -14017,7 +12778,7 @@
 </p:sld>
 </file>
 
-<file path=ppt/slides/slide14.xml><?xml version="1.0" encoding="utf-8"?>
+<file path=ppt/slides/slide13.xml><?xml version="1.0" encoding="utf-8"?>
 <p:sld xmlns:a="http://schemas.openxmlformats.org/drawingml/2006/main" xmlns:r="http://schemas.openxmlformats.org/officeDocument/2006/relationships" xmlns:p="http://schemas.openxmlformats.org/presentationml/2006/main" show="0">
   <p:cSld>
     <p:spTree>
@@ -14222,7 +12983,7 @@
 </p:sld>
 </file>
 
-<file path=ppt/slides/slide15.xml><?xml version="1.0" encoding="utf-8"?>
+<file path=ppt/slides/slide14.xml><?xml version="1.0" encoding="utf-8"?>
 <p:sld xmlns:a="http://schemas.openxmlformats.org/drawingml/2006/main" xmlns:r="http://schemas.openxmlformats.org/officeDocument/2006/relationships" xmlns:p="http://schemas.openxmlformats.org/presentationml/2006/main">
   <p:cSld>
     <p:spTree>
@@ -14423,7 +13184,7 @@
 </p:sld>
 </file>
 
-<file path=ppt/slides/slide16.xml><?xml version="1.0" encoding="utf-8"?>
+<file path=ppt/slides/slide15.xml><?xml version="1.0" encoding="utf-8"?>
 <p:sld xmlns:a="http://schemas.openxmlformats.org/drawingml/2006/main" xmlns:r="http://schemas.openxmlformats.org/officeDocument/2006/relationships" xmlns:p="http://schemas.openxmlformats.org/presentationml/2006/main">
   <p:cSld>
     <p:spTree>
@@ -14737,7 +13498,7 @@
 </p:sld>
 </file>
 
-<file path=ppt/slides/slide17.xml><?xml version="1.0" encoding="utf-8"?>
+<file path=ppt/slides/slide16.xml><?xml version="1.0" encoding="utf-8"?>
 <p:sld xmlns:a="http://schemas.openxmlformats.org/drawingml/2006/main" xmlns:r="http://schemas.openxmlformats.org/officeDocument/2006/relationships" xmlns:p="http://schemas.openxmlformats.org/presentationml/2006/main">
   <p:cSld>
     <p:spTree>
@@ -15186,7 +13947,7 @@
 </p:sld>
 </file>
 
-<file path=ppt/slides/slide18.xml><?xml version="1.0" encoding="utf-8"?>
+<file path=ppt/slides/slide17.xml><?xml version="1.0" encoding="utf-8"?>
 <p:sld xmlns:a="http://schemas.openxmlformats.org/drawingml/2006/main" xmlns:r="http://schemas.openxmlformats.org/officeDocument/2006/relationships" xmlns:p="http://schemas.openxmlformats.org/presentationml/2006/main">
   <p:cSld>
     <p:spTree>
@@ -15255,542 +14016,6 @@
 </file>
 
 <file path=ppt/slides/slide2.xml><?xml version="1.0" encoding="utf-8"?>
-<p:sld xmlns:a="http://schemas.openxmlformats.org/drawingml/2006/main" xmlns:r="http://schemas.openxmlformats.org/officeDocument/2006/relationships" xmlns:p="http://schemas.openxmlformats.org/presentationml/2006/main">
-  <p:cSld>
-    <p:spTree>
-      <p:nvGrpSpPr>
-        <p:cNvPr id="1" name=""/>
-        <p:cNvGrpSpPr/>
-        <p:nvPr/>
-      </p:nvGrpSpPr>
-      <p:grpSpPr>
-        <a:xfrm>
-          <a:off x="0" y="0"/>
-          <a:ext cx="0" cy="0"/>
-          <a:chOff x="0" y="0"/>
-          <a:chExt cx="0" cy="0"/>
-        </a:xfrm>
-      </p:grpSpPr>
-      <p:sp>
-        <p:nvSpPr>
-          <p:cNvPr id="2" name="Title 1"/>
-          <p:cNvSpPr>
-            <a:spLocks noGrp="1"/>
-          </p:cNvSpPr>
-          <p:nvPr>
-            <p:ph type="ctrTitle"/>
-          </p:nvPr>
-        </p:nvSpPr>
-        <p:spPr/>
-        <p:txBody>
-          <a:bodyPr/>
-          <a:lstStyle/>
-          <a:p>
-            <a:r>
-              <a:rPr lang="en-US" dirty="0"/>
-              <a:t>the wonders of modern SQL administration</a:t>
-            </a:r>
-          </a:p>
-        </p:txBody>
-      </p:sp>
-      <p:sp>
-        <p:nvSpPr>
-          <p:cNvPr id="3" name="Subtitle 2"/>
-          <p:cNvSpPr>
-            <a:spLocks noGrp="1"/>
-          </p:cNvSpPr>
-          <p:nvPr>
-            <p:ph type="subTitle" idx="1"/>
-          </p:nvPr>
-        </p:nvSpPr>
-        <p:spPr/>
-        <p:txBody>
-          <a:bodyPr/>
-          <a:lstStyle/>
-          <a:p>
-            <a:r>
-              <a:rPr lang="en-CA" dirty="0"/>
-              <a:t>…with </a:t>
-            </a:r>
-            <a:r>
-              <a:rPr lang="en-CA" dirty="0" err="1"/>
-              <a:t>Powershell</a:t>
-            </a:r>
-            <a:r>
-              <a:rPr lang="en-CA" dirty="0"/>
-              <a:t> and </a:t>
-            </a:r>
-            <a:r>
-              <a:rPr lang="en-CA" dirty="0" err="1"/>
-              <a:t>dbatools</a:t>
-            </a:r>
-            <a:endParaRPr lang="en-US" dirty="0"/>
-          </a:p>
-        </p:txBody>
-      </p:sp>
-      <p:sp>
-        <p:nvSpPr>
-          <p:cNvPr id="4" name="Subtitle 2"/>
-          <p:cNvSpPr txBox="1">
-            <a:spLocks/>
-          </p:cNvSpPr>
-          <p:nvPr/>
-        </p:nvSpPr>
-        <p:spPr>
-          <a:xfrm>
-            <a:off x="1303637" y="6333067"/>
-            <a:ext cx="9440034" cy="524934"/>
-          </a:xfrm>
-          <a:prstGeom prst="rect">
-            <a:avLst/>
-          </a:prstGeom>
-          <a:effectLst>
-            <a:outerShdw blurRad="25400" dir="17880000">
-              <a:srgbClr val="000000">
-                <a:alpha val="46000"/>
-              </a:srgbClr>
-            </a:outerShdw>
-          </a:effectLst>
-        </p:spPr>
-        <p:txBody>
-          <a:bodyPr vert="horz" lIns="91440" tIns="45720" rIns="91440" bIns="45720" rtlCol="0" anchor="t">
-            <a:normAutofit/>
-          </a:bodyPr>
-          <a:lstStyle>
-            <a:lvl1pPr marL="0" indent="0" algn="ctr" defTabSz="457200" rtl="0" eaLnBrk="1" latinLnBrk="0" hangingPunct="1">
-              <a:spcBef>
-                <a:spcPct val="20000"/>
-              </a:spcBef>
-              <a:spcAft>
-                <a:spcPts val="600"/>
-              </a:spcAft>
-              <a:buClr>
-                <a:schemeClr val="tx2"/>
-              </a:buClr>
-              <a:buSzPct val="70000"/>
-              <a:buFont typeface="Wingdings 2" charset="2"/>
-              <a:buNone/>
-              <a:defRPr sz="2000" kern="1200">
-                <a:ln>
-                  <a:solidFill>
-                    <a:schemeClr val="bg1">
-                      <a:lumMod val="75000"/>
-                      <a:lumOff val="25000"/>
-                      <a:alpha val="10000"/>
-                    </a:schemeClr>
-                  </a:solidFill>
-                </a:ln>
-                <a:solidFill>
-                  <a:schemeClr val="tx1"/>
-                </a:solidFill>
-                <a:effectLst>
-                  <a:outerShdw blurRad="9525" dist="25400" dir="14640000" algn="tl" rotWithShape="0">
-                    <a:schemeClr val="bg1">
-                      <a:alpha val="30000"/>
-                    </a:schemeClr>
-                  </a:outerShdw>
-                </a:effectLst>
-                <a:latin typeface="+mn-lt"/>
-                <a:ea typeface="+mn-ea"/>
-                <a:cs typeface="+mn-cs"/>
-              </a:defRPr>
-            </a:lvl1pPr>
-            <a:lvl2pPr marL="457200" indent="0" algn="ctr" defTabSz="457200" rtl="0" eaLnBrk="1" latinLnBrk="0" hangingPunct="1">
-              <a:spcBef>
-                <a:spcPct val="20000"/>
-              </a:spcBef>
-              <a:spcAft>
-                <a:spcPts val="600"/>
-              </a:spcAft>
-              <a:buClr>
-                <a:schemeClr val="tx2"/>
-              </a:buClr>
-              <a:buSzPct val="70000"/>
-              <a:buFont typeface="Wingdings 2" charset="2"/>
-              <a:buNone/>
-              <a:defRPr sz="1800" kern="1200">
-                <a:ln>
-                  <a:solidFill>
-                    <a:schemeClr val="bg1">
-                      <a:lumMod val="75000"/>
-                      <a:lumOff val="25000"/>
-                      <a:alpha val="10000"/>
-                    </a:schemeClr>
-                  </a:solidFill>
-                </a:ln>
-                <a:solidFill>
-                  <a:schemeClr val="tx1">
-                    <a:tint val="75000"/>
-                  </a:schemeClr>
-                </a:solidFill>
-                <a:effectLst>
-                  <a:outerShdw blurRad="9525" dist="25400" dir="14640000" algn="tl" rotWithShape="0">
-                    <a:schemeClr val="bg1">
-                      <a:alpha val="30000"/>
-                    </a:schemeClr>
-                  </a:outerShdw>
-                </a:effectLst>
-                <a:latin typeface="+mn-lt"/>
-                <a:ea typeface="+mn-ea"/>
-                <a:cs typeface="+mn-cs"/>
-              </a:defRPr>
-            </a:lvl2pPr>
-            <a:lvl3pPr marL="914400" indent="0" algn="ctr" defTabSz="457200" rtl="0" eaLnBrk="1" latinLnBrk="0" hangingPunct="1">
-              <a:spcBef>
-                <a:spcPct val="20000"/>
-              </a:spcBef>
-              <a:spcAft>
-                <a:spcPts val="600"/>
-              </a:spcAft>
-              <a:buClr>
-                <a:schemeClr val="tx2"/>
-              </a:buClr>
-              <a:buSzPct val="70000"/>
-              <a:buFont typeface="Wingdings 2" charset="2"/>
-              <a:buNone/>
-              <a:defRPr sz="1600" kern="1200">
-                <a:ln>
-                  <a:solidFill>
-                    <a:schemeClr val="bg1">
-                      <a:lumMod val="75000"/>
-                      <a:lumOff val="25000"/>
-                      <a:alpha val="10000"/>
-                    </a:schemeClr>
-                  </a:solidFill>
-                </a:ln>
-                <a:solidFill>
-                  <a:schemeClr val="tx1">
-                    <a:tint val="75000"/>
-                  </a:schemeClr>
-                </a:solidFill>
-                <a:effectLst>
-                  <a:outerShdw blurRad="9525" dist="25400" dir="14640000" algn="tl" rotWithShape="0">
-                    <a:schemeClr val="bg1">
-                      <a:alpha val="30000"/>
-                    </a:schemeClr>
-                  </a:outerShdw>
-                </a:effectLst>
-                <a:latin typeface="+mn-lt"/>
-                <a:ea typeface="+mn-ea"/>
-                <a:cs typeface="+mn-cs"/>
-              </a:defRPr>
-            </a:lvl3pPr>
-            <a:lvl4pPr marL="1371600" indent="0" algn="ctr" defTabSz="457200" rtl="0" eaLnBrk="1" latinLnBrk="0" hangingPunct="1">
-              <a:spcBef>
-                <a:spcPct val="20000"/>
-              </a:spcBef>
-              <a:spcAft>
-                <a:spcPts val="600"/>
-              </a:spcAft>
-              <a:buClr>
-                <a:schemeClr val="tx2"/>
-              </a:buClr>
-              <a:buSzPct val="70000"/>
-              <a:buFont typeface="Wingdings 2" charset="2"/>
-              <a:buNone/>
-              <a:defRPr sz="1400" kern="1200">
-                <a:ln>
-                  <a:solidFill>
-                    <a:schemeClr val="bg1">
-                      <a:lumMod val="75000"/>
-                      <a:lumOff val="25000"/>
-                      <a:alpha val="10000"/>
-                    </a:schemeClr>
-                  </a:solidFill>
-                </a:ln>
-                <a:solidFill>
-                  <a:schemeClr val="tx1">
-                    <a:tint val="75000"/>
-                  </a:schemeClr>
-                </a:solidFill>
-                <a:effectLst>
-                  <a:outerShdw blurRad="9525" dist="25400" dir="14640000" algn="tl" rotWithShape="0">
-                    <a:schemeClr val="bg1">
-                      <a:alpha val="30000"/>
-                    </a:schemeClr>
-                  </a:outerShdw>
-                </a:effectLst>
-                <a:latin typeface="+mn-lt"/>
-                <a:ea typeface="+mn-ea"/>
-                <a:cs typeface="+mn-cs"/>
-              </a:defRPr>
-            </a:lvl4pPr>
-            <a:lvl5pPr marL="1828800" indent="0" algn="ctr" defTabSz="457200" rtl="0" eaLnBrk="1" latinLnBrk="0" hangingPunct="1">
-              <a:spcBef>
-                <a:spcPct val="20000"/>
-              </a:spcBef>
-              <a:spcAft>
-                <a:spcPts val="600"/>
-              </a:spcAft>
-              <a:buClr>
-                <a:schemeClr val="tx2"/>
-              </a:buClr>
-              <a:buSzPct val="70000"/>
-              <a:buFont typeface="Wingdings 2" charset="2"/>
-              <a:buNone/>
-              <a:defRPr sz="1400" kern="1200">
-                <a:ln>
-                  <a:solidFill>
-                    <a:schemeClr val="bg1">
-                      <a:lumMod val="75000"/>
-                      <a:lumOff val="25000"/>
-                      <a:alpha val="10000"/>
-                    </a:schemeClr>
-                  </a:solidFill>
-                </a:ln>
-                <a:solidFill>
-                  <a:schemeClr val="tx1">
-                    <a:tint val="75000"/>
-                  </a:schemeClr>
-                </a:solidFill>
-                <a:effectLst>
-                  <a:outerShdw blurRad="9525" dist="25400" dir="14640000" algn="tl" rotWithShape="0">
-                    <a:schemeClr val="bg1">
-                      <a:alpha val="30000"/>
-                    </a:schemeClr>
-                  </a:outerShdw>
-                </a:effectLst>
-                <a:latin typeface="+mn-lt"/>
-                <a:ea typeface="+mn-ea"/>
-                <a:cs typeface="+mn-cs"/>
-              </a:defRPr>
-            </a:lvl5pPr>
-            <a:lvl6pPr marL="2286000" indent="0" algn="ctr" defTabSz="457200" rtl="0" eaLnBrk="1" latinLnBrk="0" hangingPunct="1">
-              <a:spcBef>
-                <a:spcPct val="20000"/>
-              </a:spcBef>
-              <a:spcAft>
-                <a:spcPts val="600"/>
-              </a:spcAft>
-              <a:buClr>
-                <a:schemeClr val="tx2"/>
-              </a:buClr>
-              <a:buSzPct val="70000"/>
-              <a:buFont typeface="Wingdings 2" charset="2"/>
-              <a:buNone/>
-              <a:defRPr sz="1400" kern="1200">
-                <a:ln>
-                  <a:solidFill>
-                    <a:schemeClr val="bg1">
-                      <a:lumMod val="75000"/>
-                      <a:lumOff val="25000"/>
-                      <a:alpha val="10000"/>
-                    </a:schemeClr>
-                  </a:solidFill>
-                </a:ln>
-                <a:solidFill>
-                  <a:schemeClr val="tx1">
-                    <a:tint val="75000"/>
-                  </a:schemeClr>
-                </a:solidFill>
-                <a:effectLst>
-                  <a:outerShdw blurRad="9525" dist="25400" dir="14640000" algn="tl" rotWithShape="0">
-                    <a:schemeClr val="bg1">
-                      <a:alpha val="30000"/>
-                    </a:schemeClr>
-                  </a:outerShdw>
-                </a:effectLst>
-                <a:latin typeface="+mn-lt"/>
-                <a:ea typeface="+mn-ea"/>
-                <a:cs typeface="+mn-cs"/>
-              </a:defRPr>
-            </a:lvl6pPr>
-            <a:lvl7pPr marL="2743200" indent="0" algn="ctr" defTabSz="457200" rtl="0" eaLnBrk="1" latinLnBrk="0" hangingPunct="1">
-              <a:spcBef>
-                <a:spcPct val="20000"/>
-              </a:spcBef>
-              <a:spcAft>
-                <a:spcPts val="600"/>
-              </a:spcAft>
-              <a:buClr>
-                <a:schemeClr val="tx2"/>
-              </a:buClr>
-              <a:buSzPct val="70000"/>
-              <a:buFont typeface="Wingdings 2" charset="2"/>
-              <a:buNone/>
-              <a:defRPr sz="1400" kern="1200">
-                <a:ln>
-                  <a:solidFill>
-                    <a:schemeClr val="bg1">
-                      <a:lumMod val="75000"/>
-                      <a:lumOff val="25000"/>
-                      <a:alpha val="10000"/>
-                    </a:schemeClr>
-                  </a:solidFill>
-                </a:ln>
-                <a:solidFill>
-                  <a:schemeClr val="tx1">
-                    <a:tint val="75000"/>
-                  </a:schemeClr>
-                </a:solidFill>
-                <a:effectLst>
-                  <a:outerShdw blurRad="9525" dist="25400" dir="14640000" algn="tl" rotWithShape="0">
-                    <a:schemeClr val="bg1">
-                      <a:alpha val="30000"/>
-                    </a:schemeClr>
-                  </a:outerShdw>
-                </a:effectLst>
-                <a:latin typeface="+mn-lt"/>
-                <a:ea typeface="+mn-ea"/>
-                <a:cs typeface="+mn-cs"/>
-              </a:defRPr>
-            </a:lvl7pPr>
-            <a:lvl8pPr marL="3200400" indent="0" algn="ctr" defTabSz="457200" rtl="0" eaLnBrk="1" latinLnBrk="0" hangingPunct="1">
-              <a:spcBef>
-                <a:spcPct val="20000"/>
-              </a:spcBef>
-              <a:spcAft>
-                <a:spcPts val="600"/>
-              </a:spcAft>
-              <a:buClr>
-                <a:schemeClr val="tx2"/>
-              </a:buClr>
-              <a:buSzPct val="70000"/>
-              <a:buFont typeface="Wingdings 2" charset="2"/>
-              <a:buNone/>
-              <a:defRPr sz="1400" kern="1200">
-                <a:ln>
-                  <a:solidFill>
-                    <a:schemeClr val="bg1">
-                      <a:lumMod val="75000"/>
-                      <a:lumOff val="25000"/>
-                      <a:alpha val="10000"/>
-                    </a:schemeClr>
-                  </a:solidFill>
-                </a:ln>
-                <a:solidFill>
-                  <a:schemeClr val="tx1">
-                    <a:tint val="75000"/>
-                  </a:schemeClr>
-                </a:solidFill>
-                <a:effectLst>
-                  <a:outerShdw blurRad="9525" dist="25400" dir="14640000" algn="tl" rotWithShape="0">
-                    <a:schemeClr val="bg1">
-                      <a:alpha val="30000"/>
-                    </a:schemeClr>
-                  </a:outerShdw>
-                </a:effectLst>
-                <a:latin typeface="+mn-lt"/>
-                <a:ea typeface="+mn-ea"/>
-                <a:cs typeface="+mn-cs"/>
-              </a:defRPr>
-            </a:lvl8pPr>
-            <a:lvl9pPr marL="3657600" indent="0" algn="ctr" defTabSz="457200" rtl="0" eaLnBrk="1" latinLnBrk="0" hangingPunct="1">
-              <a:spcBef>
-                <a:spcPct val="20000"/>
-              </a:spcBef>
-              <a:spcAft>
-                <a:spcPts val="600"/>
-              </a:spcAft>
-              <a:buClr>
-                <a:schemeClr val="tx2"/>
-              </a:buClr>
-              <a:buSzPct val="70000"/>
-              <a:buFont typeface="Wingdings 2" charset="2"/>
-              <a:buNone/>
-              <a:defRPr sz="1400" kern="1200">
-                <a:ln>
-                  <a:solidFill>
-                    <a:schemeClr val="bg1">
-                      <a:lumMod val="75000"/>
-                      <a:lumOff val="25000"/>
-                      <a:alpha val="10000"/>
-                    </a:schemeClr>
-                  </a:solidFill>
-                </a:ln>
-                <a:solidFill>
-                  <a:schemeClr val="tx1">
-                    <a:tint val="75000"/>
-                  </a:schemeClr>
-                </a:solidFill>
-                <a:effectLst>
-                  <a:outerShdw blurRad="9525" dist="25400" dir="14640000" algn="tl" rotWithShape="0">
-                    <a:schemeClr val="bg1">
-                      <a:alpha val="30000"/>
-                    </a:schemeClr>
-                  </a:outerShdw>
-                </a:effectLst>
-                <a:latin typeface="+mn-lt"/>
-                <a:ea typeface="+mn-ea"/>
-                <a:cs typeface="+mn-cs"/>
-              </a:defRPr>
-            </a:lvl9pPr>
-          </a:lstStyle>
-          <a:p>
-            <a:r>
-              <a:rPr lang="en-CA" dirty="0"/>
-              <a:t>presented by @</a:t>
-            </a:r>
-            <a:r>
-              <a:rPr lang="en-CA" dirty="0" err="1"/>
-              <a:t>nvarscar</a:t>
-            </a:r>
-            <a:endParaRPr lang="en-US" dirty="0"/>
-          </a:p>
-        </p:txBody>
-      </p:sp>
-      <p:pic>
-        <p:nvPicPr>
-          <p:cNvPr id="2050" name="Picture 2" descr="Image result for pixel mercy overwatch"/>
-          <p:cNvPicPr>
-            <a:picLocks noChangeAspect="1" noChangeArrowheads="1"/>
-          </p:cNvPicPr>
-          <p:nvPr/>
-        </p:nvPicPr>
-        <p:blipFill>
-          <a:blip r:embed="rId2" cstate="hqprint">
-            <a:extLst>
-              <a:ext uri="{28A0092B-C50C-407E-A947-70E740481C1C}">
-                <a14:useLocalDpi xmlns:a14="http://schemas.microsoft.com/office/drawing/2010/main" val="0"/>
-              </a:ext>
-            </a:extLst>
-          </a:blip>
-          <a:srcRect/>
-          <a:stretch>
-            <a:fillRect/>
-          </a:stretch>
-        </p:blipFill>
-        <p:spPr bwMode="auto">
-          <a:xfrm>
-            <a:off x="18729" y="-131067"/>
-            <a:ext cx="1351964" cy="1351964"/>
-          </a:xfrm>
-          <a:prstGeom prst="rect">
-            <a:avLst/>
-          </a:prstGeom>
-          <a:noFill/>
-          <a:extLst>
-            <a:ext uri="{909E8E84-426E-40DD-AFC4-6F175D3DCCD1}">
-              <a14:hiddenFill xmlns:a14="http://schemas.microsoft.com/office/drawing/2010/main">
-                <a:solidFill>
-                  <a:srgbClr val="FFFFFF"/>
-                </a:solidFill>
-              </a14:hiddenFill>
-            </a:ext>
-          </a:extLst>
-        </p:spPr>
-      </p:pic>
-    </p:spTree>
-    <p:extLst>
-      <p:ext uri="{BB962C8B-B14F-4D97-AF65-F5344CB8AC3E}">
-        <p14:creationId xmlns:p14="http://schemas.microsoft.com/office/powerpoint/2010/main" val="2810996408"/>
-      </p:ext>
-    </p:extLst>
-  </p:cSld>
-  <p:clrMapOvr>
-    <a:masterClrMapping/>
-  </p:clrMapOvr>
-  <p:timing>
-    <p:tnLst>
-      <p:par>
-        <p:cTn id="1" dur="indefinite" restart="never" nodeType="tmRoot"/>
-      </p:par>
-    </p:tnLst>
-  </p:timing>
-</p:sld>
-</file>
-
-<file path=ppt/slides/slide3.xml><?xml version="1.0" encoding="utf-8"?>
 <p:sld xmlns:a="http://schemas.openxmlformats.org/drawingml/2006/main" xmlns:r="http://schemas.openxmlformats.org/officeDocument/2006/relationships" xmlns:p="http://schemas.openxmlformats.org/presentationml/2006/main">
   <p:cSld>
     <p:spTree>
@@ -15978,7 +14203,7 @@
 </p:sld>
 </file>
 
-<file path=ppt/slides/slide4.xml><?xml version="1.0" encoding="utf-8"?>
+<file path=ppt/slides/slide3.xml><?xml version="1.0" encoding="utf-8"?>
 <p:sld xmlns:a="http://schemas.openxmlformats.org/drawingml/2006/main" xmlns:r="http://schemas.openxmlformats.org/officeDocument/2006/relationships" xmlns:p="http://schemas.openxmlformats.org/presentationml/2006/main">
   <p:cSld>
     <p:spTree>
@@ -16138,7 +14363,7 @@
 </p:sld>
 </file>
 
-<file path=ppt/slides/slide5.xml><?xml version="1.0" encoding="utf-8"?>
+<file path=ppt/slides/slide4.xml><?xml version="1.0" encoding="utf-8"?>
 <p:sld xmlns:a="http://schemas.openxmlformats.org/drawingml/2006/main" xmlns:r="http://schemas.openxmlformats.org/officeDocument/2006/relationships" xmlns:p="http://schemas.openxmlformats.org/presentationml/2006/main">
   <p:cSld>
     <p:spTree>
@@ -16518,7 +14743,7 @@
 </p:sld>
 </file>
 
-<file path=ppt/slides/slide6.xml><?xml version="1.0" encoding="utf-8"?>
+<file path=ppt/slides/slide5.xml><?xml version="1.0" encoding="utf-8"?>
 <p:sld xmlns:a="http://schemas.openxmlformats.org/drawingml/2006/main" xmlns:r="http://schemas.openxmlformats.org/officeDocument/2006/relationships" xmlns:p="http://schemas.openxmlformats.org/presentationml/2006/main">
   <p:cSld>
     <p:spTree>
@@ -16771,7 +14996,7 @@
 </p:sld>
 </file>
 
-<file path=ppt/slides/slide7.xml><?xml version="1.0" encoding="utf-8"?>
+<file path=ppt/slides/slide6.xml><?xml version="1.0" encoding="utf-8"?>
 <p:sld xmlns:a="http://schemas.openxmlformats.org/drawingml/2006/main" xmlns:r="http://schemas.openxmlformats.org/officeDocument/2006/relationships" xmlns:p="http://schemas.openxmlformats.org/presentationml/2006/main" show="0">
   <p:cSld>
     <p:spTree>
@@ -17626,7 +15851,7 @@
 </p:sld>
 </file>
 
-<file path=ppt/slides/slide8.xml><?xml version="1.0" encoding="utf-8"?>
+<file path=ppt/slides/slide7.xml><?xml version="1.0" encoding="utf-8"?>
 <p:sld xmlns:a="http://schemas.openxmlformats.org/drawingml/2006/main" xmlns:r="http://schemas.openxmlformats.org/officeDocument/2006/relationships" xmlns:p="http://schemas.openxmlformats.org/presentationml/2006/main" show="0">
   <p:cSld>
     <p:spTree>
@@ -17918,7 +16143,7 @@
 </p:sld>
 </file>
 
-<file path=ppt/slides/slide9.xml><?xml version="1.0" encoding="utf-8"?>
+<file path=ppt/slides/slide8.xml><?xml version="1.0" encoding="utf-8"?>
 <p:sld xmlns:a="http://schemas.openxmlformats.org/drawingml/2006/main" xmlns:r="http://schemas.openxmlformats.org/officeDocument/2006/relationships" xmlns:p="http://schemas.openxmlformats.org/presentationml/2006/main" show="0">
   <p:cSld>
     <p:spTree>
@@ -18228,6 +16453,226 @@
     <p:extLst>
       <p:ext uri="{BB962C8B-B14F-4D97-AF65-F5344CB8AC3E}">
         <p14:creationId xmlns:p14="http://schemas.microsoft.com/office/powerpoint/2010/main" val="4041404489"/>
+      </p:ext>
+    </p:extLst>
+  </p:cSld>
+  <p:clrMapOvr>
+    <a:masterClrMapping/>
+  </p:clrMapOvr>
+  <mc:AlternateContent xmlns:mc="http://schemas.openxmlformats.org/markup-compatibility/2006" xmlns:p14="http://schemas.microsoft.com/office/powerpoint/2010/main">
+    <mc:Choice Requires="p14">
+      <p:transition spd="slow" p14:dur="2000"/>
+    </mc:Choice>
+    <mc:Fallback xmlns="">
+      <p:transition spd="slow"/>
+    </mc:Fallback>
+  </mc:AlternateContent>
+  <p:timing>
+    <p:tnLst>
+      <p:par>
+        <p:cTn id="1" dur="indefinite" restart="never" nodeType="tmRoot"/>
+      </p:par>
+    </p:tnLst>
+  </p:timing>
+</p:sld>
+</file>
+
+<file path=ppt/slides/slide9.xml><?xml version="1.0" encoding="utf-8"?>
+<p:sld xmlns:a="http://schemas.openxmlformats.org/drawingml/2006/main" xmlns:r="http://schemas.openxmlformats.org/officeDocument/2006/relationships" xmlns:p="http://schemas.openxmlformats.org/presentationml/2006/main" show="0">
+  <p:cSld>
+    <p:spTree>
+      <p:nvGrpSpPr>
+        <p:cNvPr id="1" name=""/>
+        <p:cNvGrpSpPr/>
+        <p:nvPr/>
+      </p:nvGrpSpPr>
+      <p:grpSpPr>
+        <a:xfrm>
+          <a:off x="0" y="0"/>
+          <a:ext cx="0" cy="0"/>
+          <a:chOff x="0" y="0"/>
+          <a:chExt cx="0" cy="0"/>
+        </a:xfrm>
+      </p:grpSpPr>
+      <p:sp>
+        <p:nvSpPr>
+          <p:cNvPr id="2" name="Title 1"/>
+          <p:cNvSpPr>
+            <a:spLocks noGrp="1"/>
+          </p:cNvSpPr>
+          <p:nvPr>
+            <p:ph type="title"/>
+          </p:nvPr>
+        </p:nvSpPr>
+        <p:spPr/>
+        <p:txBody>
+          <a:bodyPr/>
+          <a:lstStyle/>
+          <a:p>
+            <a:r>
+              <a:rPr lang="en-CA" dirty="0" err="1"/>
+              <a:t>ps</a:t>
+            </a:r>
+            <a:r>
+              <a:rPr lang="en-CA" dirty="0"/>
+              <a:t> modules</a:t>
+            </a:r>
+            <a:endParaRPr lang="en-US" dirty="0"/>
+          </a:p>
+        </p:txBody>
+      </p:sp>
+      <p:sp>
+        <p:nvSpPr>
+          <p:cNvPr id="3" name="Content Placeholder 2"/>
+          <p:cNvSpPr>
+            <a:spLocks noGrp="1"/>
+          </p:cNvSpPr>
+          <p:nvPr>
+            <p:ph idx="1"/>
+          </p:nvPr>
+        </p:nvSpPr>
+        <p:spPr/>
+        <p:txBody>
+          <a:bodyPr/>
+          <a:lstStyle/>
+          <a:p>
+            <a:r>
+              <a:rPr lang="en-CA" dirty="0"/>
+              <a:t>Module</a:t>
+            </a:r>
+          </a:p>
+          <a:p>
+            <a:pPr lvl="1"/>
+            <a:r>
+              <a:rPr lang="en-CA" dirty="0"/>
+              <a:t>A </a:t>
+            </a:r>
+            <a:r>
+              <a:rPr lang="en-US" dirty="0">
+                <a:effectLst/>
+              </a:rPr>
+              <a:t>set of related PowerShell functionalities, grouped together as a convenient unit</a:t>
+            </a:r>
+          </a:p>
+          <a:p>
+            <a:pPr lvl="1"/>
+            <a:r>
+              <a:rPr lang="en-CA" dirty="0">
+                <a:effectLst/>
+              </a:rPr>
+              <a:t>Contains script files and assemblies we can use in our code once the module is loaded</a:t>
+            </a:r>
+          </a:p>
+          <a:p>
+            <a:pPr lvl="1"/>
+            <a:endParaRPr lang="en-CA" dirty="0">
+              <a:effectLst/>
+            </a:endParaRPr>
+          </a:p>
+          <a:p>
+            <a:r>
+              <a:rPr lang="en-CA" dirty="0">
+                <a:effectLst/>
+              </a:rPr>
+              <a:t>How to install/load module:</a:t>
+            </a:r>
+          </a:p>
+          <a:p>
+            <a:pPr lvl="1"/>
+            <a:r>
+              <a:rPr lang="en-CA" dirty="0">
+                <a:effectLst/>
+              </a:rPr>
+              <a:t>Run Import-Module &lt;path&gt;</a:t>
+            </a:r>
+          </a:p>
+          <a:p>
+            <a:pPr lvl="1"/>
+            <a:r>
+              <a:rPr lang="en-CA" dirty="0">
+                <a:effectLst/>
+              </a:rPr>
+              <a:t>Put module </a:t>
+            </a:r>
+            <a:r>
+              <a:rPr lang="en-CA" u="sng" dirty="0">
+                <a:effectLst/>
+              </a:rPr>
+              <a:t>folder</a:t>
+            </a:r>
+            <a:r>
+              <a:rPr lang="en-CA" dirty="0">
+                <a:effectLst/>
+              </a:rPr>
+              <a:t> into one of the directories specified in: $</a:t>
+            </a:r>
+            <a:r>
+              <a:rPr lang="en-CA" dirty="0" err="1">
+                <a:effectLst/>
+              </a:rPr>
+              <a:t>env:PSModulePath</a:t>
+            </a:r>
+            <a:endParaRPr lang="en-US" dirty="0">
+              <a:effectLst/>
+            </a:endParaRPr>
+          </a:p>
+          <a:p>
+            <a:pPr lvl="1"/>
+            <a:endParaRPr lang="en-CA" dirty="0">
+              <a:effectLst/>
+            </a:endParaRPr>
+          </a:p>
+          <a:p>
+            <a:pPr lvl="1"/>
+            <a:endParaRPr lang="en-US" dirty="0"/>
+          </a:p>
+        </p:txBody>
+      </p:sp>
+      <p:pic>
+        <p:nvPicPr>
+          <p:cNvPr id="6" name="Picture 5"/>
+          <p:cNvPicPr>
+            <a:picLocks noChangeAspect="1"/>
+          </p:cNvPicPr>
+          <p:nvPr/>
+        </p:nvPicPr>
+        <p:blipFill rotWithShape="1">
+          <a:blip r:embed="rId2"/>
+          <a:srcRect l="221"/>
+          <a:stretch/>
+        </p:blipFill>
+        <p:spPr>
+          <a:xfrm>
+            <a:off x="3630168" y="4892043"/>
+            <a:ext cx="4931936" cy="1133333"/>
+          </a:xfrm>
+          <a:prstGeom prst="rect">
+            <a:avLst/>
+          </a:prstGeom>
+          <a:solidFill>
+            <a:srgbClr val="000000">
+              <a:shade val="95000"/>
+            </a:srgbClr>
+          </a:solidFill>
+          <a:ln w="57150" cap="sq">
+            <a:solidFill>
+              <a:srgbClr val="000000"/>
+            </a:solidFill>
+            <a:miter lim="800000"/>
+          </a:ln>
+          <a:effectLst>
+            <a:outerShdw blurRad="254000" dist="190500" dir="2700000" sy="90000" algn="bl" rotWithShape="0">
+              <a:srgbClr val="000000">
+                <a:alpha val="40000"/>
+              </a:srgbClr>
+            </a:outerShdw>
+          </a:effectLst>
+        </p:spPr>
+      </p:pic>
+    </p:spTree>
+    <p:extLst>
+      <p:ext uri="{BB962C8B-B14F-4D97-AF65-F5344CB8AC3E}">
+        <p14:creationId xmlns:p14="http://schemas.microsoft.com/office/powerpoint/2010/main" val="1141652334"/>
       </p:ext>
     </p:extLst>
   </p:cSld>
@@ -18492,260 +16937,4 @@
     </a:ext>
   </a:extLst>
 </a:theme>
-</file>
-
-<file path=ppt/theme/theme2.xml><?xml version="1.0" encoding="utf-8"?>
-<a:theme xmlns:a="http://schemas.openxmlformats.org/drawingml/2006/main" name="SQLSatOslo 2016">
-  <a:themeElements>
-    <a:clrScheme name="PASS SQLSaturday">
-      <a:dk1>
-        <a:srgbClr val="101820"/>
-      </a:dk1>
-      <a:lt1>
-        <a:srgbClr val="FFFFFF"/>
-      </a:lt1>
-      <a:dk2>
-        <a:srgbClr val="414A54"/>
-      </a:dk2>
-      <a:lt2>
-        <a:srgbClr val="F2F2F2"/>
-      </a:lt2>
-      <a:accent1>
-        <a:srgbClr val="00BF6F"/>
-      </a:accent1>
-      <a:accent2>
-        <a:srgbClr val="007A3E"/>
-      </a:accent2>
-      <a:accent3>
-        <a:srgbClr val="2DCCD3"/>
-      </a:accent3>
-      <a:accent4>
-        <a:srgbClr val="007377"/>
-      </a:accent4>
-      <a:accent5>
-        <a:srgbClr val="6558B1"/>
-      </a:accent5>
-      <a:accent6>
-        <a:srgbClr val="AF272F"/>
-      </a:accent6>
-      <a:hlink>
-        <a:srgbClr val="00BF6F"/>
-      </a:hlink>
-      <a:folHlink>
-        <a:srgbClr val="2DCCD3"/>
-      </a:folHlink>
-    </a:clrScheme>
-    <a:fontScheme name="PASS SQLSaturday">
-      <a:majorFont>
-        <a:latin typeface="Segoe UI"/>
-        <a:ea typeface=""/>
-        <a:cs typeface=""/>
-      </a:majorFont>
-      <a:minorFont>
-        <a:latin typeface="Segoe UI"/>
-        <a:ea typeface=""/>
-        <a:cs typeface=""/>
-      </a:minorFont>
-    </a:fontScheme>
-    <a:fmtScheme name="Office">
-      <a:fillStyleLst>
-        <a:solidFill>
-          <a:schemeClr val="phClr"/>
-        </a:solidFill>
-        <a:gradFill rotWithShape="1">
-          <a:gsLst>
-            <a:gs pos="0">
-              <a:schemeClr val="phClr">
-                <a:tint val="50000"/>
-                <a:satMod val="300000"/>
-              </a:schemeClr>
-            </a:gs>
-            <a:gs pos="35000">
-              <a:schemeClr val="phClr">
-                <a:tint val="37000"/>
-                <a:satMod val="300000"/>
-              </a:schemeClr>
-            </a:gs>
-            <a:gs pos="100000">
-              <a:schemeClr val="phClr">
-                <a:tint val="15000"/>
-                <a:satMod val="350000"/>
-              </a:schemeClr>
-            </a:gs>
-          </a:gsLst>
-          <a:lin ang="16200000" scaled="1"/>
-        </a:gradFill>
-        <a:gradFill rotWithShape="1">
-          <a:gsLst>
-            <a:gs pos="0">
-              <a:schemeClr val="phClr">
-                <a:tint val="100000"/>
-                <a:shade val="100000"/>
-                <a:satMod val="130000"/>
-              </a:schemeClr>
-            </a:gs>
-            <a:gs pos="100000">
-              <a:schemeClr val="phClr">
-                <a:tint val="50000"/>
-                <a:shade val="100000"/>
-                <a:satMod val="350000"/>
-              </a:schemeClr>
-            </a:gs>
-          </a:gsLst>
-          <a:lin ang="16200000" scaled="0"/>
-        </a:gradFill>
-      </a:fillStyleLst>
-      <a:lnStyleLst>
-        <a:ln w="9525" cap="flat" cmpd="sng" algn="ctr">
-          <a:solidFill>
-            <a:schemeClr val="phClr">
-              <a:shade val="95000"/>
-              <a:satMod val="105000"/>
-            </a:schemeClr>
-          </a:solidFill>
-          <a:prstDash val="solid"/>
-        </a:ln>
-        <a:ln w="25400" cap="flat" cmpd="sng" algn="ctr">
-          <a:solidFill>
-            <a:schemeClr val="phClr"/>
-          </a:solidFill>
-          <a:prstDash val="solid"/>
-        </a:ln>
-        <a:ln w="38100" cap="flat" cmpd="sng" algn="ctr">
-          <a:solidFill>
-            <a:schemeClr val="phClr"/>
-          </a:solidFill>
-          <a:prstDash val="solid"/>
-        </a:ln>
-      </a:lnStyleLst>
-      <a:effectStyleLst>
-        <a:effectStyle>
-          <a:effectLst>
-            <a:outerShdw blurRad="40000" dist="20000" dir="5400000" rotWithShape="0">
-              <a:srgbClr val="000000">
-                <a:alpha val="38000"/>
-              </a:srgbClr>
-            </a:outerShdw>
-          </a:effectLst>
-        </a:effectStyle>
-        <a:effectStyle>
-          <a:effectLst>
-            <a:outerShdw blurRad="40000" dist="23000" dir="5400000" rotWithShape="0">
-              <a:srgbClr val="000000">
-                <a:alpha val="35000"/>
-              </a:srgbClr>
-            </a:outerShdw>
-          </a:effectLst>
-        </a:effectStyle>
-        <a:effectStyle>
-          <a:effectLst>
-            <a:outerShdw blurRad="40000" dist="23000" dir="5400000" rotWithShape="0">
-              <a:srgbClr val="000000">
-                <a:alpha val="35000"/>
-              </a:srgbClr>
-            </a:outerShdw>
-          </a:effectLst>
-          <a:scene3d>
-            <a:camera prst="orthographicFront">
-              <a:rot lat="0" lon="0" rev="0"/>
-            </a:camera>
-            <a:lightRig rig="threePt" dir="t">
-              <a:rot lat="0" lon="0" rev="1200000"/>
-            </a:lightRig>
-          </a:scene3d>
-          <a:sp3d>
-            <a:bevelT w="63500" h="25400"/>
-          </a:sp3d>
-        </a:effectStyle>
-      </a:effectStyleLst>
-      <a:bgFillStyleLst>
-        <a:solidFill>
-          <a:schemeClr val="phClr"/>
-        </a:solidFill>
-        <a:gradFill rotWithShape="1">
-          <a:gsLst>
-            <a:gs pos="0">
-              <a:schemeClr val="phClr">
-                <a:tint val="40000"/>
-                <a:satMod val="350000"/>
-              </a:schemeClr>
-            </a:gs>
-            <a:gs pos="40000">
-              <a:schemeClr val="phClr">
-                <a:tint val="45000"/>
-                <a:shade val="99000"/>
-                <a:satMod val="350000"/>
-              </a:schemeClr>
-            </a:gs>
-            <a:gs pos="100000">
-              <a:schemeClr val="phClr">
-                <a:shade val="20000"/>
-                <a:satMod val="255000"/>
-              </a:schemeClr>
-            </a:gs>
-          </a:gsLst>
-          <a:path path="circle">
-            <a:fillToRect l="50000" t="-80000" r="50000" b="180000"/>
-          </a:path>
-        </a:gradFill>
-        <a:gradFill rotWithShape="1">
-          <a:gsLst>
-            <a:gs pos="0">
-              <a:schemeClr val="phClr">
-                <a:tint val="80000"/>
-                <a:satMod val="300000"/>
-              </a:schemeClr>
-            </a:gs>
-            <a:gs pos="100000">
-              <a:schemeClr val="phClr">
-                <a:shade val="30000"/>
-                <a:satMod val="200000"/>
-              </a:schemeClr>
-            </a:gs>
-          </a:gsLst>
-          <a:path path="circle">
-            <a:fillToRect l="50000" t="50000" r="50000" b="50000"/>
-          </a:path>
-        </a:gradFill>
-      </a:bgFillStyleLst>
-    </a:fmtScheme>
-  </a:themeElements>
-  <a:objectDefaults>
-    <a:spDef>
-      <a:spPr/>
-      <a:bodyPr lIns="0" tIns="0" rIns="0" bIns="0" anchor="ctr">
-        <a:spAutoFit/>
-      </a:bodyPr>
-      <a:lstStyle>
-        <a:defPPr algn="l">
-          <a:defRPr sz="2400" dirty="0" smtClean="0">
-            <a:solidFill>
-              <a:schemeClr val="accent1"/>
-            </a:solidFill>
-          </a:defRPr>
-        </a:defPPr>
-      </a:lstStyle>
-    </a:spDef>
-    <a:lnDef>
-      <a:spPr/>
-      <a:bodyPr/>
-      <a:lstStyle/>
-      <a:style>
-        <a:lnRef idx="2">
-          <a:schemeClr val="accent1"/>
-        </a:lnRef>
-        <a:fillRef idx="0">
-          <a:schemeClr val="accent1"/>
-        </a:fillRef>
-        <a:effectRef idx="1">
-          <a:schemeClr val="accent1"/>
-        </a:effectRef>
-        <a:fontRef idx="minor">
-          <a:schemeClr val="tx1"/>
-        </a:fontRef>
-      </a:style>
-    </a:lnDef>
-  </a:objectDefaults>
-  <a:extraClrSchemeLst/>
-</a:theme>
 </file>